--- a/CSCE689-23/L6.pptx
+++ b/CSCE689-23/L6.pptx
@@ -49,8 +49,10 @@
     <p:sldId id="871" r:id="rId43"/>
     <p:sldId id="872" r:id="rId44"/>
     <p:sldId id="873" r:id="rId45"/>
-    <p:sldId id="874" r:id="rId46"/>
-    <p:sldId id="875" r:id="rId47"/>
+    <p:sldId id="875" r:id="rId46"/>
+    <p:sldId id="874" r:id="rId47"/>
+    <p:sldId id="879" r:id="rId48"/>
+    <p:sldId id="880" r:id="rId49"/>
   </p:sldIdLst>
   <p:sldSz cx="12192000" cy="6858000"/>
   <p:notesSz cx="6858000" cy="9144000"/>
@@ -14764,8 +14766,8 @@
           </a:p>
         </p:txBody>
       </p:sp>
-      <mc:AlternateContent xmlns:mc="http://schemas.openxmlformats.org/markup-compatibility/2006">
-        <mc:Choice xmlns:a14="http://schemas.microsoft.com/office/drawing/2010/main" Requires="a14">
+      <mc:AlternateContent xmlns:mc="http://schemas.openxmlformats.org/markup-compatibility/2006" xmlns:a14="http://schemas.microsoft.com/office/drawing/2010/main">
+        <mc:Choice Requires="a14">
           <p:sp>
             <p:nvSpPr>
               <p:cNvPr id="3" name="Content Placeholder 2">
@@ -15256,7 +15258,7 @@
             </p:txBody>
           </p:sp>
         </mc:Choice>
-        <mc:Fallback>
+        <mc:Fallback xmlns="">
           <p:sp>
             <p:nvSpPr>
               <p:cNvPr id="3" name="Content Placeholder 2">
@@ -15358,8 +15360,8 @@
           </a:p>
         </p:txBody>
       </p:sp>
-      <mc:AlternateContent xmlns:mc="http://schemas.openxmlformats.org/markup-compatibility/2006">
-        <mc:Choice xmlns:a14="http://schemas.microsoft.com/office/drawing/2010/main" Requires="a14">
+      <mc:AlternateContent xmlns:mc="http://schemas.openxmlformats.org/markup-compatibility/2006" xmlns:a14="http://schemas.microsoft.com/office/drawing/2010/main">
+        <mc:Choice Requires="a14">
           <p:sp>
             <p:nvSpPr>
               <p:cNvPr id="3" name="Content Placeholder 2">
@@ -15919,7 +15921,7 @@
             </p:txBody>
           </p:sp>
         </mc:Choice>
-        <mc:Fallback>
+        <mc:Fallback xmlns="">
           <p:sp>
             <p:nvSpPr>
               <p:cNvPr id="3" name="Content Placeholder 2">
@@ -15959,8 +15961,8 @@
           </p:sp>
         </mc:Fallback>
       </mc:AlternateContent>
-      <mc:AlternateContent xmlns:mc="http://schemas.openxmlformats.org/markup-compatibility/2006">
-        <mc:Choice xmlns:a14="http://schemas.microsoft.com/office/drawing/2010/main" Requires="a14">
+      <mc:AlternateContent xmlns:mc="http://schemas.openxmlformats.org/markup-compatibility/2006" xmlns:a14="http://schemas.microsoft.com/office/drawing/2010/main">
+        <mc:Choice Requires="a14">
           <p:sp>
             <p:nvSpPr>
               <p:cNvPr id="4" name="TextBox 3">
@@ -16059,16 +16061,7 @@
                                   </a:solidFill>
                                   <a:latin typeface="Cambria Math" panose="02040503050406030204" pitchFamily="18" charset="0"/>
                                 </a:rPr>
-                                <m:t>1</m:t>
-                              </m:r>
-                              <m:r>
-                                <a:rPr lang="en-US" sz="3200" i="1" dirty="0">
-                                  <a:solidFill>
-                                    <a:srgbClr val="0070C0"/>
-                                  </a:solidFill>
-                                  <a:latin typeface="Cambria Math" panose="02040503050406030204" pitchFamily="18" charset="0"/>
-                                </a:rPr>
-                                <m:t>−</m:t>
+                                <m:t>1−</m:t>
                               </m:r>
                               <m:r>
                                 <a:rPr lang="en-US" sz="3200" i="1" dirty="0">
@@ -16225,7 +16218,7 @@
             </p:txBody>
           </p:sp>
         </mc:Choice>
-        <mc:Fallback>
+        <mc:Fallback xmlns="">
           <p:sp>
             <p:nvSpPr>
               <p:cNvPr id="4" name="TextBox 3">
@@ -16332,8 +16325,8 @@
           </a:p>
         </p:txBody>
       </p:sp>
-      <mc:AlternateContent xmlns:mc="http://schemas.openxmlformats.org/markup-compatibility/2006">
-        <mc:Choice xmlns:a14="http://schemas.microsoft.com/office/drawing/2010/main" Requires="a14">
+      <mc:AlternateContent xmlns:mc="http://schemas.openxmlformats.org/markup-compatibility/2006" xmlns:a14="http://schemas.microsoft.com/office/drawing/2010/main">
+        <mc:Choice Requires="a14">
           <p:sp>
             <p:nvSpPr>
               <p:cNvPr id="3" name="Content Placeholder 2">
@@ -16849,7 +16842,7 @@
             </p:txBody>
           </p:sp>
         </mc:Choice>
-        <mc:Fallback>
+        <mc:Fallback xmlns="">
           <p:sp>
             <p:nvSpPr>
               <p:cNvPr id="3" name="Content Placeholder 2">
@@ -30540,8 +30533,8 @@
           </a:p>
         </p:txBody>
       </p:sp>
-      <mc:AlternateContent xmlns:mc="http://schemas.openxmlformats.org/markup-compatibility/2006" xmlns:a14="http://schemas.microsoft.com/office/drawing/2010/main">
-        <mc:Choice Requires="a14">
+      <mc:AlternateContent xmlns:mc="http://schemas.openxmlformats.org/markup-compatibility/2006">
+        <mc:Choice xmlns:a14="http://schemas.microsoft.com/office/drawing/2010/main" Requires="a14">
           <p:sp>
             <p:nvSpPr>
               <p:cNvPr id="3" name="Content Placeholder 2">
@@ -30616,7 +30609,7 @@
                     <m:sSub>
                       <m:sSubPr>
                         <m:ctrlPr>
-                          <a:rPr lang="en-US" sz="2800" b="0" i="1" dirty="0" smtClean="0">
+                          <a:rPr lang="en-US" i="1" dirty="0">
                             <a:solidFill>
                               <a:srgbClr val="C00000"/>
                             </a:solidFill>
@@ -30626,7 +30619,7 @@
                       </m:sSubPr>
                       <m:e>
                         <m:r>
-                          <a:rPr lang="en-US" sz="2800" b="0" i="1" dirty="0" smtClean="0">
+                          <a:rPr lang="en-US" i="1" dirty="0">
                             <a:solidFill>
                               <a:srgbClr val="C00000"/>
                             </a:solidFill>
@@ -30637,7 +30630,7 @@
                       </m:e>
                       <m:sub>
                         <m:r>
-                          <a:rPr lang="en-US" sz="2800" b="0" i="1" dirty="0" smtClean="0">
+                          <a:rPr lang="en-US" i="1" dirty="0">
                             <a:solidFill>
                               <a:srgbClr val="C00000"/>
                             </a:solidFill>
@@ -30648,7 +30641,7 @@
                       </m:sub>
                     </m:sSub>
                     <m:r>
-                      <a:rPr lang="en-US" sz="2800" b="0" i="1" dirty="0" smtClean="0">
+                      <a:rPr lang="en-US" i="1" dirty="0">
                         <a:solidFill>
                           <a:srgbClr val="C00000"/>
                         </a:solidFill>
@@ -30659,7 +30652,7 @@
                     <m:sSub>
                       <m:sSubPr>
                         <m:ctrlPr>
-                          <a:rPr lang="en-US" sz="2800" b="0" i="1" dirty="0" smtClean="0">
+                          <a:rPr lang="en-US" i="1" dirty="0">
                             <a:solidFill>
                               <a:srgbClr val="C00000"/>
                             </a:solidFill>
@@ -30669,7 +30662,7 @@
                       </m:sSubPr>
                       <m:e>
                         <m:r>
-                          <a:rPr lang="en-US" sz="2800" b="0" i="1" dirty="0" smtClean="0">
+                          <a:rPr lang="en-US" i="1" dirty="0">
                             <a:solidFill>
                               <a:srgbClr val="C00000"/>
                             </a:solidFill>
@@ -30680,7 +30673,7 @@
                       </m:e>
                       <m:sub>
                         <m:r>
-                          <a:rPr lang="en-US" sz="2800" b="0" i="1" dirty="0" smtClean="0">
+                          <a:rPr lang="en-US" i="1" dirty="0">
                             <a:solidFill>
                               <a:srgbClr val="C00000"/>
                             </a:solidFill>
@@ -30693,7 +30686,7 @@
                   </m:oMath>
                 </a14:m>
                 <a:r>
-                  <a:rPr lang="en-US" sz="2800" dirty="0">
+                  <a:rPr lang="en-US" dirty="0">
                     <a:solidFill>
                       <a:srgbClr val="C00000"/>
                     </a:solidFill>
@@ -30703,7 +30696,7 @@
                 <a14:m>
                   <m:oMath xmlns:m="http://schemas.openxmlformats.org/officeDocument/2006/math">
                     <m:r>
-                      <a:rPr lang="en-US" sz="2800" i="1" dirty="0">
+                      <a:rPr lang="en-US" i="1" dirty="0">
                         <a:solidFill>
                           <a:srgbClr val="C00000"/>
                         </a:solidFill>
@@ -30714,7 +30707,7 @@
                     <m:sSup>
                       <m:sSupPr>
                         <m:ctrlPr>
-                          <a:rPr lang="en-US" sz="2800" i="1" dirty="0">
+                          <a:rPr lang="en-US" i="1" dirty="0">
                             <a:solidFill>
                               <a:srgbClr val="C00000"/>
                             </a:solidFill>
@@ -30724,7 +30717,7 @@
                       </m:sSupPr>
                       <m:e>
                         <m:r>
-                          <a:rPr lang="en-US" sz="2800" i="1" dirty="0">
+                          <a:rPr lang="en-US" i="1" dirty="0">
                             <a:solidFill>
                               <a:srgbClr val="C00000"/>
                             </a:solidFill>
@@ -30735,7 +30728,7 @@
                       </m:e>
                       <m:sup>
                         <m:r>
-                          <a:rPr lang="en-US" sz="2800" i="1" dirty="0">
+                          <a:rPr lang="en-US" i="1" dirty="0">
                             <a:solidFill>
                               <a:srgbClr val="C00000"/>
                             </a:solidFill>
@@ -30783,7 +30776,7 @@
                       <m:rPr>
                         <m:sty m:val="p"/>
                       </m:rPr>
-                      <a:rPr lang="en-US" b="0" i="0" dirty="0" smtClean="0">
+                      <a:rPr lang="en-US" dirty="0">
                         <a:solidFill>
                           <a:srgbClr val="C00000"/>
                         </a:solidFill>
@@ -30792,7 +30785,7 @@
                       <m:t>Π</m:t>
                     </m:r>
                     <m:r>
-                      <a:rPr lang="en-US" b="0" i="0" dirty="0" smtClean="0">
+                      <a:rPr lang="en-US" dirty="0">
                         <a:solidFill>
                           <a:srgbClr val="C00000"/>
                         </a:solidFill>
@@ -30803,7 +30796,7 @@
                     <m:sSup>
                       <m:sSupPr>
                         <m:ctrlPr>
-                          <a:rPr lang="en-US" b="0" i="1" dirty="0" smtClean="0">
+                          <a:rPr lang="en-US" i="1" dirty="0">
                             <a:solidFill>
                               <a:srgbClr val="C00000"/>
                             </a:solidFill>
@@ -30813,7 +30806,7 @@
                       </m:sSupPr>
                       <m:e>
                         <m:r>
-                          <a:rPr lang="en-US" b="0" i="1" dirty="0" smtClean="0">
+                          <a:rPr lang="en-US" i="1" dirty="0">
                             <a:solidFill>
                               <a:srgbClr val="C00000"/>
                             </a:solidFill>
@@ -30824,7 +30817,7 @@
                       </m:e>
                       <m:sup>
                         <m:r>
-                          <a:rPr lang="en-US" b="0" i="1" dirty="0" smtClean="0">
+                          <a:rPr lang="en-US" i="1" dirty="0">
                             <a:solidFill>
                               <a:srgbClr val="C00000"/>
                             </a:solidFill>
@@ -30835,7 +30828,7 @@
                       </m:sup>
                     </m:sSup>
                     <m:r>
-                      <a:rPr lang="en-US" b="0" i="1" dirty="0" smtClean="0">
+                      <a:rPr lang="en-US" i="1" dirty="0">
                         <a:solidFill>
                           <a:srgbClr val="C00000"/>
                         </a:solidFill>
@@ -30846,7 +30839,7 @@
                     <m:sSup>
                       <m:sSupPr>
                         <m:ctrlPr>
-                          <a:rPr lang="en-US" b="0" i="1" dirty="0" smtClean="0">
+                          <a:rPr lang="en-US" i="1" dirty="0">
                             <a:solidFill>
                               <a:srgbClr val="0070C0"/>
                             </a:solidFill>
@@ -30856,7 +30849,7 @@
                       </m:sSupPr>
                       <m:e>
                         <m:r>
-                          <a:rPr lang="en-US" b="0" i="1" dirty="0" smtClean="0">
+                          <a:rPr lang="en-US" i="1" dirty="0">
                             <a:solidFill>
                               <a:srgbClr val="0070C0"/>
                             </a:solidFill>
@@ -30867,7 +30860,7 @@
                       </m:e>
                       <m:sup>
                         <m:r>
-                          <a:rPr lang="en-US" b="0" i="1" dirty="0" smtClean="0">
+                          <a:rPr lang="en-US" i="1" dirty="0">
                             <a:solidFill>
                               <a:srgbClr val="0070C0"/>
                             </a:solidFill>
@@ -30894,27 +30887,36 @@
                 <a14:m>
                   <m:oMath xmlns:m="http://schemas.openxmlformats.org/officeDocument/2006/math">
                     <m:r>
+                      <a:rPr lang="en-US" i="1" dirty="0">
+                        <a:solidFill>
+                          <a:srgbClr val="C00000"/>
+                        </a:solidFill>
+                        <a:latin typeface="Cambria Math" panose="02040503050406030204" pitchFamily="18" charset="0"/>
+                      </a:rPr>
+                      <m:t>𝑚</m:t>
+                    </m:r>
+                    <m:r>
+                      <a:rPr lang="en-US" dirty="0">
+                        <a:solidFill>
+                          <a:srgbClr val="C00000"/>
+                        </a:solidFill>
+                        <a:latin typeface="Cambria Math" panose="02040503050406030204" pitchFamily="18" charset="0"/>
+                      </a:rPr>
+                      <m:t>=</m:t>
+                    </m:r>
+                    <m:r>
                       <a:rPr lang="en-US" b="0" i="1" dirty="0" smtClean="0">
                         <a:solidFill>
                           <a:srgbClr val="C00000"/>
                         </a:solidFill>
                         <a:latin typeface="Cambria Math" panose="02040503050406030204" pitchFamily="18" charset="0"/>
                       </a:rPr>
-                      <m:t>𝑚</m:t>
-                    </m:r>
-                    <m:r>
-                      <a:rPr lang="en-US" b="0" i="0" dirty="0" smtClean="0">
-                        <a:solidFill>
-                          <a:srgbClr val="C00000"/>
-                        </a:solidFill>
-                        <a:latin typeface="Cambria Math" panose="02040503050406030204" pitchFamily="18" charset="0"/>
-                      </a:rPr>
-                      <m:t>=</m:t>
+                      <m:t>𝑂</m:t>
                     </m:r>
                     <m:d>
                       <m:dPr>
                         <m:ctrlPr>
-                          <a:rPr lang="en-US" b="0" i="1" dirty="0" smtClean="0">
+                          <a:rPr lang="en-US" i="1" dirty="0">
                             <a:solidFill>
                               <a:srgbClr val="C00000"/>
                             </a:solidFill>
@@ -30926,7 +30928,7 @@
                         <m:f>
                           <m:fPr>
                             <m:ctrlPr>
-                              <a:rPr lang="en-US" b="0" i="1" dirty="0" smtClean="0">
+                              <a:rPr lang="en-US" i="1" dirty="0">
                                 <a:solidFill>
                                   <a:srgbClr val="C00000"/>
                                 </a:solidFill>
@@ -30938,7 +30940,7 @@
                             <m:func>
                               <m:funcPr>
                                 <m:ctrlPr>
-                                  <a:rPr lang="en-US" b="0" i="1" dirty="0" smtClean="0">
+                                  <a:rPr lang="en-US" i="1" dirty="0">
                                     <a:solidFill>
                                       <a:srgbClr val="C00000"/>
                                     </a:solidFill>
@@ -30951,7 +30953,7 @@
                                   <m:rPr>
                                     <m:sty m:val="p"/>
                                   </m:rPr>
-                                  <a:rPr lang="en-US" b="0" i="0" dirty="0" smtClean="0">
+                                  <a:rPr lang="en-US" dirty="0">
                                     <a:solidFill>
                                       <a:srgbClr val="C00000"/>
                                     </a:solidFill>
@@ -30962,7 +30964,7 @@
                               </m:fName>
                               <m:e>
                                 <m:r>
-                                  <a:rPr lang="en-US" b="0" i="1" dirty="0" smtClean="0">
+                                  <a:rPr lang="en-US" i="1" dirty="0">
                                     <a:solidFill>
                                       <a:srgbClr val="C00000"/>
                                     </a:solidFill>
@@ -30977,7 +30979,7 @@
                             <m:sSup>
                               <m:sSupPr>
                                 <m:ctrlPr>
-                                  <a:rPr lang="en-US" b="0" i="1" dirty="0" smtClean="0">
+                                  <a:rPr lang="en-US" i="1" dirty="0">
                                     <a:solidFill>
                                       <a:srgbClr val="C00000"/>
                                     </a:solidFill>
@@ -30998,7 +31000,7 @@
                               </m:e>
                               <m:sup>
                                 <m:r>
-                                  <a:rPr lang="en-US" b="0" i="1" dirty="0" smtClean="0">
+                                  <a:rPr lang="en-US" i="1" dirty="0">
                                     <a:solidFill>
                                       <a:srgbClr val="C00000"/>
                                     </a:solidFill>
@@ -31023,7 +31025,7 @@
                     <m:sSub>
                       <m:sSubPr>
                         <m:ctrlPr>
-                          <a:rPr lang="en-US" b="0" i="1" dirty="0" smtClean="0">
+                          <a:rPr lang="en-US" i="1" dirty="0">
                             <a:solidFill>
                               <a:srgbClr val="0070C0"/>
                             </a:solidFill>
@@ -31033,7 +31035,7 @@
                       </m:sSubPr>
                       <m:e>
                         <m:r>
-                          <a:rPr lang="en-US" b="0" i="1" dirty="0" smtClean="0">
+                          <a:rPr lang="en-US" i="1" dirty="0">
                             <a:solidFill>
                               <a:srgbClr val="0070C0"/>
                             </a:solidFill>
@@ -31044,7 +31046,7 @@
                       </m:e>
                       <m:sub>
                         <m:r>
-                          <a:rPr lang="en-US" b="0" i="1" dirty="0" smtClean="0">
+                          <a:rPr lang="en-US" i="1" dirty="0">
                             <a:solidFill>
                               <a:srgbClr val="0070C0"/>
                             </a:solidFill>
@@ -31055,7 +31057,7 @@
                       </m:sub>
                     </m:sSub>
                     <m:r>
-                      <a:rPr lang="en-US" b="0" i="1" dirty="0" smtClean="0">
+                      <a:rPr lang="en-US" i="1" dirty="0">
                         <a:solidFill>
                           <a:srgbClr val="C00000"/>
                         </a:solidFill>
@@ -31067,7 +31069,7 @@
                       <m:rPr>
                         <m:sty m:val="p"/>
                       </m:rPr>
-                      <a:rPr lang="en-US" b="0" i="0" dirty="0" smtClean="0">
+                      <a:rPr lang="en-US" dirty="0">
                         <a:solidFill>
                           <a:srgbClr val="C00000"/>
                         </a:solidFill>
@@ -31078,7 +31080,7 @@
                     <m:sSub>
                       <m:sSubPr>
                         <m:ctrlPr>
-                          <a:rPr lang="en-US" b="0" i="1" dirty="0" smtClean="0">
+                          <a:rPr lang="en-US" i="1" dirty="0">
                             <a:solidFill>
                               <a:srgbClr val="C00000"/>
                             </a:solidFill>
@@ -31088,7 +31090,7 @@
                       </m:sSubPr>
                       <m:e>
                         <m:r>
-                          <a:rPr lang="en-US" b="0" i="1" dirty="0" smtClean="0">
+                          <a:rPr lang="en-US" i="1" dirty="0">
                             <a:solidFill>
                               <a:srgbClr val="C00000"/>
                             </a:solidFill>
@@ -31099,7 +31101,7 @@
                       </m:e>
                       <m:sub>
                         <m:r>
-                          <a:rPr lang="en-US" b="0" i="1" dirty="0" smtClean="0">
+                          <a:rPr lang="en-US" i="1" dirty="0">
                             <a:solidFill>
                               <a:srgbClr val="C00000"/>
                             </a:solidFill>
@@ -31187,10 +31189,20 @@
                 <a:endParaRPr lang="en-US" dirty="0"/>
               </a:p>
               <a:p>
-                <a:pPr>
+                <a:pPr marL="0" indent="0">
                   <a:buClr>
                     <a:schemeClr val="tx1"/>
                   </a:buClr>
+                  <a:buNone/>
+                </a:pPr>
+                <a:endParaRPr lang="en-US" dirty="0"/>
+              </a:p>
+              <a:p>
+                <a:pPr marL="0" indent="0">
+                  <a:buClr>
+                    <a:schemeClr val="tx1"/>
+                  </a:buClr>
+                  <a:buNone/>
                 </a:pPr>
                 <a:endParaRPr lang="en-US" dirty="0"/>
               </a:p>
@@ -31200,42 +31212,92 @@
                     <a:schemeClr val="tx1"/>
                   </a:buClr>
                 </a:pPr>
-                <a:endParaRPr lang="en-US" dirty="0"/>
-              </a:p>
-              <a:p>
-                <a:pPr>
-                  <a:buClr>
-                    <a:schemeClr val="tx1"/>
-                  </a:buClr>
-                </a:pPr>
                 <a:r>
                   <a:rPr lang="en-US" dirty="0"/>
-                  <a:t>Moreover, if each entry of </a:t>
+                  <a:t>For </a:t>
                 </a:r>
                 <a14:m>
                   <m:oMath xmlns:m="http://schemas.openxmlformats.org/officeDocument/2006/math">
                     <m:r>
-                      <m:rPr>
-                        <m:sty m:val="p"/>
-                      </m:rPr>
-                      <a:rPr lang="en-US" b="0" i="0" dirty="0" smtClean="0">
-                        <a:solidFill>
-                          <a:srgbClr val="C00000"/>
-                        </a:solidFill>
-                        <a:latin typeface="Cambria Math" panose="02040503050406030204" pitchFamily="18" charset="0"/>
-                      </a:rPr>
-                      <m:t>Π</m:t>
-                    </m:r>
+                      <a:rPr lang="en-US" sz="2800" b="0" i="1" dirty="0" smtClean="0">
+                        <a:solidFill>
+                          <a:srgbClr val="C00000"/>
+                        </a:solidFill>
+                        <a:latin typeface="Cambria Math" panose="02040503050406030204" pitchFamily="18" charset="0"/>
+                      </a:rPr>
+                      <m:t>𝑑</m:t>
+                    </m:r>
+                    <m:r>
+                      <a:rPr lang="en-US" sz="2800" b="0" i="1" dirty="0" smtClean="0">
+                        <a:solidFill>
+                          <a:srgbClr val="C00000"/>
+                        </a:solidFill>
+                        <a:latin typeface="Cambria Math" panose="02040503050406030204" pitchFamily="18" charset="0"/>
+                      </a:rPr>
+                      <m:t>=</m:t>
+                    </m:r>
+                    <m:sSup>
+                      <m:sSupPr>
+                        <m:ctrlPr>
+                          <a:rPr lang="en-US" sz="2800" b="0" i="1" dirty="0" smtClean="0">
+                            <a:solidFill>
+                              <a:srgbClr val="C00000"/>
+                            </a:solidFill>
+                            <a:latin typeface="Cambria Math" panose="02040503050406030204" pitchFamily="18" charset="0"/>
+                          </a:rPr>
+                        </m:ctrlPr>
+                      </m:sSupPr>
+                      <m:e>
+                        <m:r>
+                          <a:rPr lang="en-US" sz="2800" b="0" i="1" dirty="0" smtClean="0">
+                            <a:solidFill>
+                              <a:srgbClr val="C00000"/>
+                            </a:solidFill>
+                            <a:latin typeface="Cambria Math" panose="02040503050406030204" pitchFamily="18" charset="0"/>
+                          </a:rPr>
+                          <m:t>10</m:t>
+                        </m:r>
+                      </m:e>
+                      <m:sup>
+                        <m:r>
+                          <a:rPr lang="en-US" sz="2800" b="0" i="1" dirty="0" smtClean="0">
+                            <a:solidFill>
+                              <a:srgbClr val="C00000"/>
+                            </a:solidFill>
+                            <a:latin typeface="Cambria Math" panose="02040503050406030204" pitchFamily="18" charset="0"/>
+                          </a:rPr>
+                          <m:t>12</m:t>
+                        </m:r>
+                      </m:sup>
+                    </m:sSup>
                   </m:oMath>
                 </a14:m>
                 <a:r>
                   <a:rPr lang="en-US" dirty="0"/>
-                  <a:t> is drawn from </a:t>
+                  <a:t> , </a:t>
                 </a:r>
                 <a14:m>
                   <m:oMath xmlns:m="http://schemas.openxmlformats.org/officeDocument/2006/math">
-                    <m:f>
-                      <m:fPr>
+                    <m:r>
+                      <a:rPr lang="en-US" b="0" i="1" dirty="0" smtClean="0">
+                        <a:solidFill>
+                          <a:srgbClr val="C00000"/>
+                        </a:solidFill>
+                        <a:latin typeface="Cambria Math" panose="02040503050406030204" pitchFamily="18" charset="0"/>
+                      </a:rPr>
+                      <m:t>𝑛</m:t>
+                    </m:r>
+                    <m:r>
+                      <a:rPr lang="en-US" b="0" i="1" dirty="0" smtClean="0">
+                        <a:solidFill>
+                          <a:srgbClr val="C00000"/>
+                        </a:solidFill>
+                        <a:latin typeface="Cambria Math" panose="02040503050406030204" pitchFamily="18" charset="0"/>
+                      </a:rPr>
+                      <m:t>=</m:t>
+                    </m:r>
+                    <m:sSup>
+                      <m:sSupPr>
                         <m:ctrlPr>
                           <a:rPr lang="en-US" b="0" i="1" dirty="0" smtClean="0">
                             <a:solidFill>
@@ -31244,95 +31306,90 @@
                             <a:latin typeface="Cambria Math" panose="02040503050406030204" pitchFamily="18" charset="0"/>
                           </a:rPr>
                         </m:ctrlPr>
-                      </m:fPr>
-                      <m:num>
+                      </m:sSupPr>
+                      <m:e>
                         <m:r>
-                          <a:rPr lang="en-US" b="0" i="0" dirty="0" smtClean="0">
-                            <a:solidFill>
-                              <a:srgbClr val="C00000"/>
-                            </a:solidFill>
-                            <a:latin typeface="Cambria Math" panose="02040503050406030204" pitchFamily="18" charset="0"/>
-                          </a:rPr>
-                          <m:t>1</m:t>
+                          <a:rPr lang="en-US" b="0" i="1" dirty="0" smtClean="0">
+                            <a:solidFill>
+                              <a:srgbClr val="C00000"/>
+                            </a:solidFill>
+                            <a:latin typeface="Cambria Math" panose="02040503050406030204" pitchFamily="18" charset="0"/>
+                          </a:rPr>
+                          <m:t>10</m:t>
                         </m:r>
-                      </m:num>
-                      <m:den>
-                        <m:rad>
-                          <m:radPr>
-                            <m:degHide m:val="on"/>
-                            <m:ctrlPr>
-                              <a:rPr lang="en-US" b="0" i="1" dirty="0" smtClean="0">
-                                <a:solidFill>
-                                  <a:srgbClr val="C00000"/>
-                                </a:solidFill>
-                                <a:latin typeface="Cambria Math" panose="02040503050406030204" pitchFamily="18" charset="0"/>
-                              </a:rPr>
-                            </m:ctrlPr>
-                          </m:radPr>
-                          <m:deg/>
-                          <m:e>
-                            <m:r>
-                              <a:rPr lang="en-US" i="1" dirty="0">
-                                <a:solidFill>
-                                  <a:srgbClr val="C00000"/>
-                                </a:solidFill>
-                                <a:latin typeface="Cambria Math" panose="02040503050406030204" pitchFamily="18" charset="0"/>
-                              </a:rPr>
-                              <m:t>𝑚</m:t>
-                            </m:r>
-                          </m:e>
-                        </m:rad>
-                      </m:den>
-                    </m:f>
-                    <m:r>
-                      <a:rPr lang="en-US" b="0" i="1" dirty="0" smtClean="0">
-                        <a:solidFill>
-                          <a:srgbClr val="C00000"/>
-                        </a:solidFill>
-                        <a:latin typeface="Cambria Math" panose="02040503050406030204" pitchFamily="18" charset="0"/>
-                      </a:rPr>
-                      <m:t>𝑁</m:t>
-                    </m:r>
-                    <m:r>
-                      <a:rPr lang="en-US" b="0" i="1" dirty="0" smtClean="0">
-                        <a:solidFill>
-                          <a:srgbClr val="C00000"/>
-                        </a:solidFill>
-                        <a:latin typeface="Cambria Math" panose="02040503050406030204" pitchFamily="18" charset="0"/>
-                      </a:rPr>
-                      <m:t>(0,1)</m:t>
-                    </m:r>
+                      </m:e>
+                      <m:sup>
+                        <m:r>
+                          <a:rPr lang="en-US" b="0" i="1" dirty="0" smtClean="0">
+                            <a:solidFill>
+                              <a:srgbClr val="C00000"/>
+                            </a:solidFill>
+                            <a:latin typeface="Cambria Math" panose="02040503050406030204" pitchFamily="18" charset="0"/>
+                          </a:rPr>
+                          <m:t>5</m:t>
+                        </m:r>
+                      </m:sup>
+                    </m:sSup>
                   </m:oMath>
                 </a14:m>
                 <a:r>
                   <a:rPr lang="en-US" dirty="0"/>
-                  <a:t>, then </a:t>
+                  <a:t>, and </a:t>
                 </a:r>
                 <a14:m>
                   <m:oMath xmlns:m="http://schemas.openxmlformats.org/officeDocument/2006/math">
                     <m:r>
-                      <m:rPr>
-                        <m:sty m:val="p"/>
-                      </m:rPr>
-                      <a:rPr lang="en-US" dirty="0">
-                        <a:solidFill>
-                          <a:srgbClr val="C00000"/>
-                        </a:solidFill>
-                        <a:latin typeface="Cambria Math" panose="02040503050406030204" pitchFamily="18" charset="0"/>
-                      </a:rPr>
-                      <m:t>Π</m:t>
+                      <a:rPr lang="en-US" b="0" i="1" smtClean="0">
+                        <a:solidFill>
+                          <a:srgbClr val="C00000"/>
+                        </a:solidFill>
+                        <a:latin typeface="Cambria Math" panose="02040503050406030204" pitchFamily="18" charset="0"/>
+                      </a:rPr>
+                      <m:t>𝜀</m:t>
+                    </m:r>
+                    <m:r>
+                      <a:rPr lang="en-US" b="0" i="1" smtClean="0">
+                        <a:solidFill>
+                          <a:srgbClr val="C00000"/>
+                        </a:solidFill>
+                        <a:latin typeface="Cambria Math" panose="02040503050406030204" pitchFamily="18" charset="0"/>
+                      </a:rPr>
+                      <m:t>=0.5,</m:t>
                     </m:r>
                   </m:oMath>
                 </a14:m>
                 <a:r>
                   <a:rPr lang="en-US" dirty="0"/>
-                  <a:t> satisfies the guarantee with high probability</a:t>
-                </a:r>
+                  <a:t> only requires </a:t>
+                </a:r>
+                <a14:m>
+                  <m:oMath xmlns:m="http://schemas.openxmlformats.org/officeDocument/2006/math">
+                    <m:r>
+                      <a:rPr lang="en-US" b="0" i="1" smtClean="0">
+                        <a:solidFill>
+                          <a:srgbClr val="C00000"/>
+                        </a:solidFill>
+                        <a:latin typeface="Cambria Math" panose="02040503050406030204" pitchFamily="18" charset="0"/>
+                      </a:rPr>
+                      <m:t>𝑚</m:t>
+                    </m:r>
+                    <m:r>
+                      <a:rPr lang="en-US" b="0" i="1" smtClean="0">
+                        <a:solidFill>
+                          <a:srgbClr val="C00000"/>
+                        </a:solidFill>
+                        <a:latin typeface="Cambria Math" panose="02040503050406030204" pitchFamily="18" charset="0"/>
+                      </a:rPr>
+                      <m:t>≈6600</m:t>
+                    </m:r>
+                  </m:oMath>
+                </a14:m>
+                <a:endParaRPr lang="en-US" dirty="0"/>
               </a:p>
             </p:txBody>
           </p:sp>
         </mc:Choice>
-        <mc:Fallback xmlns="">
+        <mc:Fallback>
           <p:sp>
             <p:nvSpPr>
               <p:cNvPr id="3" name="Content Placeholder 2">
@@ -31905,7 +31962,7 @@
     </p:spTree>
     <p:extLst>
       <p:ext uri="{BB962C8B-B14F-4D97-AF65-F5344CB8AC3E}">
-        <p14:creationId xmlns:p14="http://schemas.microsoft.com/office/powerpoint/2010/main" val="3050686947"/>
+        <p14:creationId xmlns:p14="http://schemas.microsoft.com/office/powerpoint/2010/main" val="1070918716"/>
       </p:ext>
     </p:extLst>
   </p:cSld>
@@ -31985,8 +32042,8 @@
           </a:p>
         </p:txBody>
       </p:sp>
-      <mc:AlternateContent xmlns:mc="http://schemas.openxmlformats.org/markup-compatibility/2006" xmlns:a14="http://schemas.microsoft.com/office/drawing/2010/main">
-        <mc:Choice Requires="a14">
+      <mc:AlternateContent xmlns:mc="http://schemas.openxmlformats.org/markup-compatibility/2006">
+        <mc:Choice xmlns:a14="http://schemas.microsoft.com/office/drawing/2010/main" Requires="a14">
           <p:sp>
             <p:nvSpPr>
               <p:cNvPr id="3" name="Content Placeholder 2">
@@ -32061,7 +32118,7 @@
                     <m:sSub>
                       <m:sSubPr>
                         <m:ctrlPr>
-                          <a:rPr lang="en-US" i="1" dirty="0">
+                          <a:rPr lang="en-US" sz="2800" b="0" i="1" dirty="0" smtClean="0">
                             <a:solidFill>
                               <a:srgbClr val="C00000"/>
                             </a:solidFill>
@@ -32071,7 +32128,7 @@
                       </m:sSubPr>
                       <m:e>
                         <m:r>
-                          <a:rPr lang="en-US" i="1" dirty="0">
+                          <a:rPr lang="en-US" sz="2800" b="0" i="1" dirty="0" smtClean="0">
                             <a:solidFill>
                               <a:srgbClr val="C00000"/>
                             </a:solidFill>
@@ -32082,7 +32139,7 @@
                       </m:e>
                       <m:sub>
                         <m:r>
-                          <a:rPr lang="en-US" i="1" dirty="0">
+                          <a:rPr lang="en-US" sz="2800" b="0" i="1" dirty="0" smtClean="0">
                             <a:solidFill>
                               <a:srgbClr val="C00000"/>
                             </a:solidFill>
@@ -32093,7 +32150,7 @@
                       </m:sub>
                     </m:sSub>
                     <m:r>
-                      <a:rPr lang="en-US" i="1" dirty="0">
+                      <a:rPr lang="en-US" sz="2800" b="0" i="1" dirty="0" smtClean="0">
                         <a:solidFill>
                           <a:srgbClr val="C00000"/>
                         </a:solidFill>
@@ -32104,7 +32161,7 @@
                     <m:sSub>
                       <m:sSubPr>
                         <m:ctrlPr>
-                          <a:rPr lang="en-US" i="1" dirty="0">
+                          <a:rPr lang="en-US" sz="2800" b="0" i="1" dirty="0" smtClean="0">
                             <a:solidFill>
                               <a:srgbClr val="C00000"/>
                             </a:solidFill>
@@ -32114,7 +32171,7 @@
                       </m:sSubPr>
                       <m:e>
                         <m:r>
-                          <a:rPr lang="en-US" i="1" dirty="0">
+                          <a:rPr lang="en-US" sz="2800" b="0" i="1" dirty="0" smtClean="0">
                             <a:solidFill>
                               <a:srgbClr val="C00000"/>
                             </a:solidFill>
@@ -32125,7 +32182,7 @@
                       </m:e>
                       <m:sub>
                         <m:r>
-                          <a:rPr lang="en-US" i="1" dirty="0">
+                          <a:rPr lang="en-US" sz="2800" b="0" i="1" dirty="0" smtClean="0">
                             <a:solidFill>
                               <a:srgbClr val="C00000"/>
                             </a:solidFill>
@@ -32138,7 +32195,7 @@
                   </m:oMath>
                 </a14:m>
                 <a:r>
-                  <a:rPr lang="en-US" dirty="0">
+                  <a:rPr lang="en-US" sz="2800" dirty="0">
                     <a:solidFill>
                       <a:srgbClr val="C00000"/>
                     </a:solidFill>
@@ -32148,7 +32205,7 @@
                 <a14:m>
                   <m:oMath xmlns:m="http://schemas.openxmlformats.org/officeDocument/2006/math">
                     <m:r>
-                      <a:rPr lang="en-US" i="1" dirty="0">
+                      <a:rPr lang="en-US" sz="2800" i="1" dirty="0">
                         <a:solidFill>
                           <a:srgbClr val="C00000"/>
                         </a:solidFill>
@@ -32159,7 +32216,7 @@
                     <m:sSup>
                       <m:sSupPr>
                         <m:ctrlPr>
-                          <a:rPr lang="en-US" i="1" dirty="0">
+                          <a:rPr lang="en-US" sz="2800" i="1" dirty="0">
                             <a:solidFill>
                               <a:srgbClr val="C00000"/>
                             </a:solidFill>
@@ -32169,7 +32226,7 @@
                       </m:sSupPr>
                       <m:e>
                         <m:r>
-                          <a:rPr lang="en-US" i="1" dirty="0">
+                          <a:rPr lang="en-US" sz="2800" i="1" dirty="0">
                             <a:solidFill>
                               <a:srgbClr val="C00000"/>
                             </a:solidFill>
@@ -32180,7 +32237,7 @@
                       </m:e>
                       <m:sup>
                         <m:r>
-                          <a:rPr lang="en-US" i="1" dirty="0">
+                          <a:rPr lang="en-US" sz="2800" i="1" dirty="0">
                             <a:solidFill>
                               <a:srgbClr val="C00000"/>
                             </a:solidFill>
@@ -32228,7 +32285,7 @@
                       <m:rPr>
                         <m:sty m:val="p"/>
                       </m:rPr>
-                      <a:rPr lang="en-US" dirty="0">
+                      <a:rPr lang="en-US" b="0" i="0" dirty="0" smtClean="0">
                         <a:solidFill>
                           <a:srgbClr val="C00000"/>
                         </a:solidFill>
@@ -32237,7 +32294,7 @@
                       <m:t>Π</m:t>
                     </m:r>
                     <m:r>
-                      <a:rPr lang="en-US" dirty="0">
+                      <a:rPr lang="en-US" b="0" i="0" dirty="0" smtClean="0">
                         <a:solidFill>
                           <a:srgbClr val="C00000"/>
                         </a:solidFill>
@@ -32248,7 +32305,7 @@
                     <m:sSup>
                       <m:sSupPr>
                         <m:ctrlPr>
-                          <a:rPr lang="en-US" i="1" dirty="0">
+                          <a:rPr lang="en-US" b="0" i="1" dirty="0" smtClean="0">
                             <a:solidFill>
                               <a:srgbClr val="C00000"/>
                             </a:solidFill>
@@ -32258,7 +32315,7 @@
                       </m:sSupPr>
                       <m:e>
                         <m:r>
-                          <a:rPr lang="en-US" i="1" dirty="0">
+                          <a:rPr lang="en-US" b="0" i="1" dirty="0" smtClean="0">
                             <a:solidFill>
                               <a:srgbClr val="C00000"/>
                             </a:solidFill>
@@ -32269,7 +32326,7 @@
                       </m:e>
                       <m:sup>
                         <m:r>
-                          <a:rPr lang="en-US" i="1" dirty="0">
+                          <a:rPr lang="en-US" b="0" i="1" dirty="0" smtClean="0">
                             <a:solidFill>
                               <a:srgbClr val="C00000"/>
                             </a:solidFill>
@@ -32280,7 +32337,7 @@
                       </m:sup>
                     </m:sSup>
                     <m:r>
-                      <a:rPr lang="en-US" i="1" dirty="0">
+                      <a:rPr lang="en-US" b="0" i="1" dirty="0" smtClean="0">
                         <a:solidFill>
                           <a:srgbClr val="C00000"/>
                         </a:solidFill>
@@ -32291,7 +32348,7 @@
                     <m:sSup>
                       <m:sSupPr>
                         <m:ctrlPr>
-                          <a:rPr lang="en-US" i="1" dirty="0">
+                          <a:rPr lang="en-US" b="0" i="1" dirty="0" smtClean="0">
                             <a:solidFill>
                               <a:srgbClr val="0070C0"/>
                             </a:solidFill>
@@ -32301,7 +32358,7 @@
                       </m:sSupPr>
                       <m:e>
                         <m:r>
-                          <a:rPr lang="en-US" i="1" dirty="0">
+                          <a:rPr lang="en-US" b="0" i="1" dirty="0" smtClean="0">
                             <a:solidFill>
                               <a:srgbClr val="0070C0"/>
                             </a:solidFill>
@@ -32312,7 +32369,7 @@
                       </m:e>
                       <m:sup>
                         <m:r>
-                          <a:rPr lang="en-US" i="1" dirty="0">
+                          <a:rPr lang="en-US" b="0" i="1" dirty="0" smtClean="0">
                             <a:solidFill>
                               <a:srgbClr val="0070C0"/>
                             </a:solidFill>
@@ -32339,7 +32396,7 @@
                 <a14:m>
                   <m:oMath xmlns:m="http://schemas.openxmlformats.org/officeDocument/2006/math">
                     <m:r>
-                      <a:rPr lang="en-US" i="1" dirty="0">
+                      <a:rPr lang="en-US" b="0" i="1" dirty="0" smtClean="0">
                         <a:solidFill>
                           <a:srgbClr val="C00000"/>
                         </a:solidFill>
@@ -32348,18 +32405,27 @@
                       <m:t>𝑚</m:t>
                     </m:r>
                     <m:r>
-                      <a:rPr lang="en-US" dirty="0">
+                      <a:rPr lang="en-US" b="0" i="0" dirty="0" smtClean="0">
                         <a:solidFill>
                           <a:srgbClr val="C00000"/>
                         </a:solidFill>
                         <a:latin typeface="Cambria Math" panose="02040503050406030204" pitchFamily="18" charset="0"/>
                       </a:rPr>
                       <m:t>=</m:t>
+                    </m:r>
+                    <m:r>
+                      <a:rPr lang="en-US" b="0" i="1" dirty="0" smtClean="0">
+                        <a:solidFill>
+                          <a:srgbClr val="C00000"/>
+                        </a:solidFill>
+                        <a:latin typeface="Cambria Math" panose="02040503050406030204" pitchFamily="18" charset="0"/>
+                      </a:rPr>
+                      <m:t>𝑂</m:t>
                     </m:r>
                     <m:d>
                       <m:dPr>
                         <m:ctrlPr>
-                          <a:rPr lang="en-US" i="1" dirty="0">
+                          <a:rPr lang="en-US" b="0" i="1" dirty="0" smtClean="0">
                             <a:solidFill>
                               <a:srgbClr val="C00000"/>
                             </a:solidFill>
@@ -32371,7 +32437,7 @@
                         <m:f>
                           <m:fPr>
                             <m:ctrlPr>
-                              <a:rPr lang="en-US" i="1" dirty="0">
+                              <a:rPr lang="en-US" b="0" i="1" dirty="0" smtClean="0">
                                 <a:solidFill>
                                   <a:srgbClr val="C00000"/>
                                 </a:solidFill>
@@ -32383,7 +32449,7 @@
                             <m:func>
                               <m:funcPr>
                                 <m:ctrlPr>
-                                  <a:rPr lang="en-US" i="1" dirty="0">
+                                  <a:rPr lang="en-US" b="0" i="1" dirty="0" smtClean="0">
                                     <a:solidFill>
                                       <a:srgbClr val="C00000"/>
                                     </a:solidFill>
@@ -32396,7 +32462,7 @@
                                   <m:rPr>
                                     <m:sty m:val="p"/>
                                   </m:rPr>
-                                  <a:rPr lang="en-US" dirty="0">
+                                  <a:rPr lang="en-US" b="0" i="0" dirty="0" smtClean="0">
                                     <a:solidFill>
                                       <a:srgbClr val="C00000"/>
                                     </a:solidFill>
@@ -32407,7 +32473,7 @@
                               </m:fName>
                               <m:e>
                                 <m:r>
-                                  <a:rPr lang="en-US" i="1" dirty="0">
+                                  <a:rPr lang="en-US" b="0" i="1" dirty="0" smtClean="0">
                                     <a:solidFill>
                                       <a:srgbClr val="C00000"/>
                                     </a:solidFill>
@@ -32422,7 +32488,7 @@
                             <m:sSup>
                               <m:sSupPr>
                                 <m:ctrlPr>
-                                  <a:rPr lang="en-US" i="1" dirty="0">
+                                  <a:rPr lang="en-US" b="0" i="1" dirty="0" smtClean="0">
                                     <a:solidFill>
                                       <a:srgbClr val="C00000"/>
                                     </a:solidFill>
@@ -32443,7 +32509,7 @@
                               </m:e>
                               <m:sup>
                                 <m:r>
-                                  <a:rPr lang="en-US" i="1" dirty="0">
+                                  <a:rPr lang="en-US" b="0" i="1" dirty="0" smtClean="0">
                                     <a:solidFill>
                                       <a:srgbClr val="C00000"/>
                                     </a:solidFill>
@@ -32468,7 +32534,7 @@
                     <m:sSub>
                       <m:sSubPr>
                         <m:ctrlPr>
-                          <a:rPr lang="en-US" i="1" dirty="0">
+                          <a:rPr lang="en-US" b="0" i="1" dirty="0" smtClean="0">
                             <a:solidFill>
                               <a:srgbClr val="0070C0"/>
                             </a:solidFill>
@@ -32478,7 +32544,7 @@
                       </m:sSubPr>
                       <m:e>
                         <m:r>
-                          <a:rPr lang="en-US" i="1" dirty="0">
+                          <a:rPr lang="en-US" b="0" i="1" dirty="0" smtClean="0">
                             <a:solidFill>
                               <a:srgbClr val="0070C0"/>
                             </a:solidFill>
@@ -32489,7 +32555,7 @@
                       </m:e>
                       <m:sub>
                         <m:r>
-                          <a:rPr lang="en-US" i="1" dirty="0">
+                          <a:rPr lang="en-US" b="0" i="1" dirty="0" smtClean="0">
                             <a:solidFill>
                               <a:srgbClr val="0070C0"/>
                             </a:solidFill>
@@ -32500,7 +32566,7 @@
                       </m:sub>
                     </m:sSub>
                     <m:r>
-                      <a:rPr lang="en-US" i="1" dirty="0">
+                      <a:rPr lang="en-US" b="0" i="1" dirty="0" smtClean="0">
                         <a:solidFill>
                           <a:srgbClr val="C00000"/>
                         </a:solidFill>
@@ -32512,7 +32578,7 @@
                       <m:rPr>
                         <m:sty m:val="p"/>
                       </m:rPr>
-                      <a:rPr lang="en-US" dirty="0">
+                      <a:rPr lang="en-US" b="0" i="0" dirty="0" smtClean="0">
                         <a:solidFill>
                           <a:srgbClr val="C00000"/>
                         </a:solidFill>
@@ -32523,7 +32589,7 @@
                     <m:sSub>
                       <m:sSubPr>
                         <m:ctrlPr>
-                          <a:rPr lang="en-US" i="1" dirty="0">
+                          <a:rPr lang="en-US" b="0" i="1" dirty="0" smtClean="0">
                             <a:solidFill>
                               <a:srgbClr val="C00000"/>
                             </a:solidFill>
@@ -32533,7 +32599,7 @@
                       </m:sSubPr>
                       <m:e>
                         <m:r>
-                          <a:rPr lang="en-US" i="1" dirty="0">
+                          <a:rPr lang="en-US" b="0" i="1" dirty="0" smtClean="0">
                             <a:solidFill>
                               <a:srgbClr val="C00000"/>
                             </a:solidFill>
@@ -32544,7 +32610,7 @@
                       </m:e>
                       <m:sub>
                         <m:r>
-                          <a:rPr lang="en-US" i="1" dirty="0">
+                          <a:rPr lang="en-US" b="0" i="1" dirty="0" smtClean="0">
                             <a:solidFill>
                               <a:srgbClr val="C00000"/>
                             </a:solidFill>
@@ -32629,195 +32695,6 @@
                     <a:schemeClr val="tx1"/>
                   </a:buClr>
                 </a:pPr>
-                <a:endParaRPr lang="en-US" dirty="0"/>
-              </a:p>
-              <a:p>
-                <a:pPr marL="0" indent="0">
-                  <a:buClr>
-                    <a:schemeClr val="tx1"/>
-                  </a:buClr>
-                  <a:buNone/>
-                </a:pPr>
-                <a:endParaRPr lang="en-US" dirty="0"/>
-              </a:p>
-              <a:p>
-                <a:pPr>
-                  <a:buClr>
-                    <a:schemeClr val="tx1"/>
-                  </a:buClr>
-                </a:pPr>
-                <a:r>
-                  <a:rPr lang="en-US" dirty="0"/>
-                  <a:t>For </a:t>
-                </a:r>
-                <a14:m>
-                  <m:oMath xmlns:m="http://schemas.openxmlformats.org/officeDocument/2006/math">
-                    <m:r>
-                      <a:rPr lang="en-US" sz="2800" b="0" i="1" dirty="0" smtClean="0">
-                        <a:solidFill>
-                          <a:srgbClr val="C00000"/>
-                        </a:solidFill>
-                        <a:latin typeface="Cambria Math" panose="02040503050406030204" pitchFamily="18" charset="0"/>
-                      </a:rPr>
-                      <m:t>𝑑</m:t>
-                    </m:r>
-                    <m:r>
-                      <a:rPr lang="en-US" sz="2800" b="0" i="1" dirty="0" smtClean="0">
-                        <a:solidFill>
-                          <a:srgbClr val="C00000"/>
-                        </a:solidFill>
-                        <a:latin typeface="Cambria Math" panose="02040503050406030204" pitchFamily="18" charset="0"/>
-                      </a:rPr>
-                      <m:t>=</m:t>
-                    </m:r>
-                    <m:sSup>
-                      <m:sSupPr>
-                        <m:ctrlPr>
-                          <a:rPr lang="en-US" sz="2800" b="0" i="1" dirty="0" smtClean="0">
-                            <a:solidFill>
-                              <a:srgbClr val="C00000"/>
-                            </a:solidFill>
-                            <a:latin typeface="Cambria Math" panose="02040503050406030204" pitchFamily="18" charset="0"/>
-                          </a:rPr>
-                        </m:ctrlPr>
-                      </m:sSupPr>
-                      <m:e>
-                        <m:r>
-                          <a:rPr lang="en-US" sz="2800" b="0" i="1" dirty="0" smtClean="0">
-                            <a:solidFill>
-                              <a:srgbClr val="C00000"/>
-                            </a:solidFill>
-                            <a:latin typeface="Cambria Math" panose="02040503050406030204" pitchFamily="18" charset="0"/>
-                          </a:rPr>
-                          <m:t>10</m:t>
-                        </m:r>
-                      </m:e>
-                      <m:sup>
-                        <m:r>
-                          <a:rPr lang="en-US" sz="2800" b="0" i="1" dirty="0" smtClean="0">
-                            <a:solidFill>
-                              <a:srgbClr val="C00000"/>
-                            </a:solidFill>
-                            <a:latin typeface="Cambria Math" panose="02040503050406030204" pitchFamily="18" charset="0"/>
-                          </a:rPr>
-                          <m:t>12</m:t>
-                        </m:r>
-                      </m:sup>
-                    </m:sSup>
-                  </m:oMath>
-                </a14:m>
-                <a:r>
-                  <a:rPr lang="en-US" dirty="0"/>
-                  <a:t> , </a:t>
-                </a:r>
-                <a14:m>
-                  <m:oMath xmlns:m="http://schemas.openxmlformats.org/officeDocument/2006/math">
-                    <m:r>
-                      <a:rPr lang="en-US" b="0" i="1" dirty="0" smtClean="0">
-                        <a:solidFill>
-                          <a:srgbClr val="C00000"/>
-                        </a:solidFill>
-                        <a:latin typeface="Cambria Math" panose="02040503050406030204" pitchFamily="18" charset="0"/>
-                      </a:rPr>
-                      <m:t>𝑛</m:t>
-                    </m:r>
-                    <m:r>
-                      <a:rPr lang="en-US" b="0" i="1" dirty="0" smtClean="0">
-                        <a:solidFill>
-                          <a:srgbClr val="C00000"/>
-                        </a:solidFill>
-                        <a:latin typeface="Cambria Math" panose="02040503050406030204" pitchFamily="18" charset="0"/>
-                      </a:rPr>
-                      <m:t>=</m:t>
-                    </m:r>
-                    <m:sSup>
-                      <m:sSupPr>
-                        <m:ctrlPr>
-                          <a:rPr lang="en-US" b="0" i="1" dirty="0" smtClean="0">
-                            <a:solidFill>
-                              <a:srgbClr val="C00000"/>
-                            </a:solidFill>
-                            <a:latin typeface="Cambria Math" panose="02040503050406030204" pitchFamily="18" charset="0"/>
-                          </a:rPr>
-                        </m:ctrlPr>
-                      </m:sSupPr>
-                      <m:e>
-                        <m:r>
-                          <a:rPr lang="en-US" b="0" i="1" dirty="0" smtClean="0">
-                            <a:solidFill>
-                              <a:srgbClr val="C00000"/>
-                            </a:solidFill>
-                            <a:latin typeface="Cambria Math" panose="02040503050406030204" pitchFamily="18" charset="0"/>
-                          </a:rPr>
-                          <m:t>10</m:t>
-                        </m:r>
-                      </m:e>
-                      <m:sup>
-                        <m:r>
-                          <a:rPr lang="en-US" b="0" i="1" dirty="0" smtClean="0">
-                            <a:solidFill>
-                              <a:srgbClr val="C00000"/>
-                            </a:solidFill>
-                            <a:latin typeface="Cambria Math" panose="02040503050406030204" pitchFamily="18" charset="0"/>
-                          </a:rPr>
-                          <m:t>5</m:t>
-                        </m:r>
-                      </m:sup>
-                    </m:sSup>
-                  </m:oMath>
-                </a14:m>
-                <a:r>
-                  <a:rPr lang="en-US" dirty="0"/>
-                  <a:t>, and </a:t>
-                </a:r>
-                <a14:m>
-                  <m:oMath xmlns:m="http://schemas.openxmlformats.org/officeDocument/2006/math">
-                    <m:r>
-                      <a:rPr lang="en-US" b="0" i="1" smtClean="0">
-                        <a:solidFill>
-                          <a:srgbClr val="C00000"/>
-                        </a:solidFill>
-                        <a:latin typeface="Cambria Math" panose="02040503050406030204" pitchFamily="18" charset="0"/>
-                      </a:rPr>
-                      <m:t>𝜀</m:t>
-                    </m:r>
-                    <m:r>
-                      <a:rPr lang="en-US" b="0" i="1" smtClean="0">
-                        <a:solidFill>
-                          <a:srgbClr val="C00000"/>
-                        </a:solidFill>
-                        <a:latin typeface="Cambria Math" panose="02040503050406030204" pitchFamily="18" charset="0"/>
-                      </a:rPr>
-                      <m:t>=0.5,</m:t>
-                    </m:r>
-                  </m:oMath>
-                </a14:m>
-                <a:r>
-                  <a:rPr lang="en-US" dirty="0"/>
-                  <a:t> only requires </a:t>
-                </a:r>
-                <a14:m>
-                  <m:oMath xmlns:m="http://schemas.openxmlformats.org/officeDocument/2006/math">
-                    <m:r>
-                      <a:rPr lang="en-US" b="0" i="1" smtClean="0">
-                        <a:solidFill>
-                          <a:srgbClr val="C00000"/>
-                        </a:solidFill>
-                        <a:latin typeface="Cambria Math" panose="02040503050406030204" pitchFamily="18" charset="0"/>
-                      </a:rPr>
-                      <m:t>𝑚</m:t>
-                    </m:r>
-                    <m:r>
-                      <a:rPr lang="en-US" b="0" i="1" smtClean="0">
-                        <a:solidFill>
-                          <a:srgbClr val="C00000"/>
-                        </a:solidFill>
-                        <a:latin typeface="Cambria Math" panose="02040503050406030204" pitchFamily="18" charset="0"/>
-                      </a:rPr>
-                      <m:t>≈6600</m:t>
-                    </m:r>
-                  </m:oMath>
-                </a14:m>
                 <a:endParaRPr lang="en-US" dirty="0"/>
               </a:p>
               <a:p>
@@ -32834,15 +32711,139 @@
                     <a:schemeClr val="tx1"/>
                   </a:buClr>
                 </a:pPr>
+                <a:endParaRPr lang="en-US" dirty="0"/>
+              </a:p>
+              <a:p>
+                <a:pPr>
+                  <a:buClr>
+                    <a:schemeClr val="tx1"/>
+                  </a:buClr>
+                </a:pPr>
                 <a:r>
                   <a:rPr lang="en-US" dirty="0"/>
-                  <a:t>“Applying a simple random linear transformation to a set of points approximately preserves all pairwise distances”</a:t>
+                  <a:t>Moreover, if each entry of </a:t>
+                </a:r>
+                <a14:m>
+                  <m:oMath xmlns:m="http://schemas.openxmlformats.org/officeDocument/2006/math">
+                    <m:r>
+                      <m:rPr>
+                        <m:sty m:val="p"/>
+                      </m:rPr>
+                      <a:rPr lang="en-US" b="0" i="0" dirty="0" smtClean="0">
+                        <a:solidFill>
+                          <a:srgbClr val="C00000"/>
+                        </a:solidFill>
+                        <a:latin typeface="Cambria Math" panose="02040503050406030204" pitchFamily="18" charset="0"/>
+                      </a:rPr>
+                      <m:t>Π</m:t>
+                    </m:r>
+                  </m:oMath>
+                </a14:m>
+                <a:r>
+                  <a:rPr lang="en-US" dirty="0"/>
+                  <a:t> is drawn from </a:t>
+                </a:r>
+                <a14:m>
+                  <m:oMath xmlns:m="http://schemas.openxmlformats.org/officeDocument/2006/math">
+                    <m:f>
+                      <m:fPr>
+                        <m:ctrlPr>
+                          <a:rPr lang="en-US" b="0" i="1" dirty="0" smtClean="0">
+                            <a:solidFill>
+                              <a:srgbClr val="C00000"/>
+                            </a:solidFill>
+                            <a:latin typeface="Cambria Math" panose="02040503050406030204" pitchFamily="18" charset="0"/>
+                          </a:rPr>
+                        </m:ctrlPr>
+                      </m:fPr>
+                      <m:num>
+                        <m:r>
+                          <a:rPr lang="en-US" b="0" i="0" dirty="0" smtClean="0">
+                            <a:solidFill>
+                              <a:srgbClr val="C00000"/>
+                            </a:solidFill>
+                            <a:latin typeface="Cambria Math" panose="02040503050406030204" pitchFamily="18" charset="0"/>
+                          </a:rPr>
+                          <m:t>1</m:t>
+                        </m:r>
+                      </m:num>
+                      <m:den>
+                        <m:rad>
+                          <m:radPr>
+                            <m:degHide m:val="on"/>
+                            <m:ctrlPr>
+                              <a:rPr lang="en-US" b="0" i="1" dirty="0" smtClean="0">
+                                <a:solidFill>
+                                  <a:srgbClr val="C00000"/>
+                                </a:solidFill>
+                                <a:latin typeface="Cambria Math" panose="02040503050406030204" pitchFamily="18" charset="0"/>
+                              </a:rPr>
+                            </m:ctrlPr>
+                          </m:radPr>
+                          <m:deg/>
+                          <m:e>
+                            <m:r>
+                              <a:rPr lang="en-US" i="1" dirty="0">
+                                <a:solidFill>
+                                  <a:srgbClr val="C00000"/>
+                                </a:solidFill>
+                                <a:latin typeface="Cambria Math" panose="02040503050406030204" pitchFamily="18" charset="0"/>
+                              </a:rPr>
+                              <m:t>𝑚</m:t>
+                            </m:r>
+                          </m:e>
+                        </m:rad>
+                      </m:den>
+                    </m:f>
+                    <m:r>
+                      <a:rPr lang="en-US" b="0" i="1" dirty="0" smtClean="0">
+                        <a:solidFill>
+                          <a:srgbClr val="C00000"/>
+                        </a:solidFill>
+                        <a:latin typeface="Cambria Math" panose="02040503050406030204" pitchFamily="18" charset="0"/>
+                      </a:rPr>
+                      <m:t>𝑁</m:t>
+                    </m:r>
+                    <m:r>
+                      <a:rPr lang="en-US" b="0" i="1" dirty="0" smtClean="0">
+                        <a:solidFill>
+                          <a:srgbClr val="C00000"/>
+                        </a:solidFill>
+                        <a:latin typeface="Cambria Math" panose="02040503050406030204" pitchFamily="18" charset="0"/>
+                      </a:rPr>
+                      <m:t>(0,1)</m:t>
+                    </m:r>
+                  </m:oMath>
+                </a14:m>
+                <a:r>
+                  <a:rPr lang="en-US" dirty="0"/>
+                  <a:t>, then </a:t>
+                </a:r>
+                <a14:m>
+                  <m:oMath xmlns:m="http://schemas.openxmlformats.org/officeDocument/2006/math">
+                    <m:r>
+                      <m:rPr>
+                        <m:sty m:val="p"/>
+                      </m:rPr>
+                      <a:rPr lang="en-US" dirty="0">
+                        <a:solidFill>
+                          <a:srgbClr val="C00000"/>
+                        </a:solidFill>
+                        <a:latin typeface="Cambria Math" panose="02040503050406030204" pitchFamily="18" charset="0"/>
+                      </a:rPr>
+                      <m:t>Π</m:t>
+                    </m:r>
+                  </m:oMath>
+                </a14:m>
+                <a:r>
+                  <a:rPr lang="en-US" dirty="0"/>
+                  <a:t> satisfies the guarantee with high probability</a:t>
                 </a:r>
               </a:p>
             </p:txBody>
           </p:sp>
         </mc:Choice>
-        <mc:Fallback xmlns="">
+        <mc:Fallback>
           <p:sp>
             <p:nvSpPr>
               <p:cNvPr id="3" name="Content Placeholder 2">
@@ -32867,7 +32868,7 @@
               <a:blipFill>
                 <a:blip r:embed="rId2"/>
                 <a:stretch>
-                  <a:fillRect l="-1043" t="-2066" r="-1333" b="-3168"/>
+                  <a:fillRect l="-1043" t="-2066" r="-1333"/>
                 </a:stretch>
               </a:blipFill>
             </p:spPr>
@@ -33415,7 +33416,3692 @@
     </p:spTree>
     <p:extLst>
       <p:ext uri="{BB962C8B-B14F-4D97-AF65-F5344CB8AC3E}">
-        <p14:creationId xmlns:p14="http://schemas.microsoft.com/office/powerpoint/2010/main" val="1070918716"/>
+        <p14:creationId xmlns:p14="http://schemas.microsoft.com/office/powerpoint/2010/main" val="3050686947"/>
+      </p:ext>
+    </p:extLst>
+  </p:cSld>
+  <p:clrMapOvr>
+    <a:masterClrMapping/>
+  </p:clrMapOvr>
+</p:sld>
+</file>
+
+<file path=ppt/slides/slide47.xml><?xml version="1.0" encoding="utf-8"?>
+<p:sld xmlns:a="http://schemas.openxmlformats.org/drawingml/2006/main" xmlns:r="http://schemas.openxmlformats.org/officeDocument/2006/relationships" xmlns:p="http://schemas.openxmlformats.org/presentationml/2006/main">
+  <p:cSld>
+    <p:spTree>
+      <p:nvGrpSpPr>
+        <p:cNvPr id="1" name=""/>
+        <p:cNvGrpSpPr/>
+        <p:nvPr/>
+      </p:nvGrpSpPr>
+      <p:grpSpPr>
+        <a:xfrm>
+          <a:off x="0" y="0"/>
+          <a:ext cx="0" cy="0"/>
+          <a:chOff x="0" y="0"/>
+          <a:chExt cx="0" cy="0"/>
+        </a:xfrm>
+      </p:grpSpPr>
+      <p:pic>
+        <p:nvPicPr>
+          <p:cNvPr id="7" name="Picture 6">
+            <a:extLst>
+              <a:ext uri="{FF2B5EF4-FFF2-40B4-BE49-F238E27FC236}">
+                <a16:creationId xmlns:a16="http://schemas.microsoft.com/office/drawing/2014/main" id="{F726253B-032A-93F9-93A2-CF159971AA1A}"/>
+              </a:ext>
+            </a:extLst>
+          </p:cNvPr>
+          <p:cNvPicPr>
+            <a:picLocks noChangeAspect="1"/>
+          </p:cNvPicPr>
+          <p:nvPr/>
+        </p:nvPicPr>
+        <p:blipFill>
+          <a:blip r:embed="rId2"/>
+          <a:stretch>
+            <a:fillRect/>
+          </a:stretch>
+        </p:blipFill>
+        <p:spPr>
+          <a:xfrm>
+            <a:off x="6573931" y="1821915"/>
+            <a:ext cx="5238261" cy="4088255"/>
+          </a:xfrm>
+          <a:prstGeom prst="rect">
+            <a:avLst/>
+          </a:prstGeom>
+        </p:spPr>
+      </p:pic>
+      <p:sp>
+        <p:nvSpPr>
+          <p:cNvPr id="2" name="Title 1">
+            <a:extLst>
+              <a:ext uri="{FF2B5EF4-FFF2-40B4-BE49-F238E27FC236}">
+                <a16:creationId xmlns:a16="http://schemas.microsoft.com/office/drawing/2014/main" id="{FCA5AC62-A5FD-2A5B-018F-859A378AA1D4}"/>
+              </a:ext>
+            </a:extLst>
+          </p:cNvPr>
+          <p:cNvSpPr>
+            <a:spLocks noGrp="1"/>
+          </p:cNvSpPr>
+          <p:nvPr>
+            <p:ph type="title"/>
+          </p:nvPr>
+        </p:nvSpPr>
+        <p:spPr>
+          <a:xfrm>
+            <a:off x="838199" y="365125"/>
+            <a:ext cx="10780059" cy="1325563"/>
+          </a:xfrm>
+        </p:spPr>
+        <p:txBody>
+          <a:bodyPr/>
+          <a:lstStyle/>
+          <a:p>
+            <a:r>
+              <a:rPr lang="en-US" dirty="0">
+                <a:solidFill>
+                  <a:srgbClr val="C00000"/>
+                </a:solidFill>
+              </a:rPr>
+              <a:t>Johnson-</a:t>
+            </a:r>
+            <a:r>
+              <a:rPr lang="en-US" dirty="0" err="1">
+                <a:solidFill>
+                  <a:srgbClr val="C00000"/>
+                </a:solidFill>
+              </a:rPr>
+              <a:t>Lindenstrauss</a:t>
+            </a:r>
+            <a:r>
+              <a:rPr lang="en-US" dirty="0">
+                <a:solidFill>
+                  <a:srgbClr val="C00000"/>
+                </a:solidFill>
+              </a:rPr>
+              <a:t> Lemma</a:t>
+            </a:r>
+          </a:p>
+        </p:txBody>
+      </p:sp>
+      <mc:AlternateContent xmlns:mc="http://schemas.openxmlformats.org/markup-compatibility/2006">
+        <mc:Choice xmlns:a14="http://schemas.microsoft.com/office/drawing/2010/main" Requires="a14">
+          <p:sp>
+            <p:nvSpPr>
+              <p:cNvPr id="3" name="Content Placeholder 2">
+                <a:extLst>
+                  <a:ext uri="{FF2B5EF4-FFF2-40B4-BE49-F238E27FC236}">
+                    <a16:creationId xmlns:a16="http://schemas.microsoft.com/office/drawing/2014/main" id="{76F2126B-4AA6-302B-7E5A-170FFAAB8BD1}"/>
+                  </a:ext>
+                </a:extLst>
+              </p:cNvPr>
+              <p:cNvSpPr>
+                <a:spLocks noGrp="1"/>
+              </p:cNvSpPr>
+              <p:nvPr>
+                <p:ph idx="1"/>
+              </p:nvPr>
+            </p:nvSpPr>
+            <p:spPr>
+              <a:xfrm>
+                <a:off x="838200" y="1825624"/>
+                <a:ext cx="5803010" cy="4667251"/>
+              </a:xfrm>
+            </p:spPr>
+            <p:txBody>
+              <a:bodyPr>
+                <a:normAutofit/>
+              </a:bodyPr>
+              <a:lstStyle/>
+              <a:p>
+                <a:pPr>
+                  <a:buClr>
+                    <a:schemeClr val="tx1"/>
+                  </a:buClr>
+                </a:pPr>
+                <a:r>
+                  <a:rPr lang="en-US" dirty="0"/>
+                  <a:t>Given</a:t>
+                </a:r>
+                <a:r>
+                  <a:rPr lang="en-US" dirty="0">
+                    <a:solidFill>
+                      <a:srgbClr val="00B050"/>
+                    </a:solidFill>
+                  </a:rPr>
+                  <a:t> </a:t>
+                </a:r>
+                <a14:m>
+                  <m:oMath xmlns:m="http://schemas.openxmlformats.org/officeDocument/2006/math">
+                    <m:sSub>
+                      <m:sSubPr>
+                        <m:ctrlPr>
+                          <a:rPr lang="en-US" i="1" dirty="0">
+                            <a:solidFill>
+                              <a:srgbClr val="C00000"/>
+                            </a:solidFill>
+                            <a:latin typeface="Cambria Math" panose="02040503050406030204" pitchFamily="18" charset="0"/>
+                          </a:rPr>
+                        </m:ctrlPr>
+                      </m:sSubPr>
+                      <m:e>
+                        <m:r>
+                          <a:rPr lang="en-US" i="1" dirty="0">
+                            <a:solidFill>
+                              <a:srgbClr val="C00000"/>
+                            </a:solidFill>
+                            <a:latin typeface="Cambria Math" panose="02040503050406030204" pitchFamily="18" charset="0"/>
+                          </a:rPr>
+                          <m:t>𝑥</m:t>
+                        </m:r>
+                      </m:e>
+                      <m:sub>
+                        <m:r>
+                          <a:rPr lang="en-US" i="1" dirty="0">
+                            <a:solidFill>
+                              <a:srgbClr val="C00000"/>
+                            </a:solidFill>
+                            <a:latin typeface="Cambria Math" panose="02040503050406030204" pitchFamily="18" charset="0"/>
+                          </a:rPr>
+                          <m:t>1</m:t>
+                        </m:r>
+                      </m:sub>
+                    </m:sSub>
+                    <m:r>
+                      <a:rPr lang="en-US" i="1" dirty="0">
+                        <a:solidFill>
+                          <a:srgbClr val="C00000"/>
+                        </a:solidFill>
+                        <a:latin typeface="Cambria Math" panose="02040503050406030204" pitchFamily="18" charset="0"/>
+                      </a:rPr>
+                      <m:t>,…,</m:t>
+                    </m:r>
+                    <m:sSub>
+                      <m:sSubPr>
+                        <m:ctrlPr>
+                          <a:rPr lang="en-US" i="1" dirty="0">
+                            <a:solidFill>
+                              <a:srgbClr val="C00000"/>
+                            </a:solidFill>
+                            <a:latin typeface="Cambria Math" panose="02040503050406030204" pitchFamily="18" charset="0"/>
+                          </a:rPr>
+                        </m:ctrlPr>
+                      </m:sSubPr>
+                      <m:e>
+                        <m:r>
+                          <a:rPr lang="en-US" i="1" dirty="0">
+                            <a:solidFill>
+                              <a:srgbClr val="C00000"/>
+                            </a:solidFill>
+                            <a:latin typeface="Cambria Math" panose="02040503050406030204" pitchFamily="18" charset="0"/>
+                          </a:rPr>
+                          <m:t>𝑥</m:t>
+                        </m:r>
+                      </m:e>
+                      <m:sub>
+                        <m:r>
+                          <a:rPr lang="en-US" i="1" dirty="0">
+                            <a:solidFill>
+                              <a:srgbClr val="C00000"/>
+                            </a:solidFill>
+                            <a:latin typeface="Cambria Math" panose="02040503050406030204" pitchFamily="18" charset="0"/>
+                          </a:rPr>
+                          <m:t>𝑛</m:t>
+                        </m:r>
+                      </m:sub>
+                    </m:sSub>
+                  </m:oMath>
+                </a14:m>
+                <a:r>
+                  <a:rPr lang="en-US" dirty="0">
+                    <a:solidFill>
+                      <a:srgbClr val="C00000"/>
+                    </a:solidFill>
+                  </a:rPr>
+                  <a:t> </a:t>
+                </a:r>
+                <a14:m>
+                  <m:oMath xmlns:m="http://schemas.openxmlformats.org/officeDocument/2006/math">
+                    <m:r>
+                      <a:rPr lang="en-US" i="1" dirty="0">
+                        <a:solidFill>
+                          <a:srgbClr val="C00000"/>
+                        </a:solidFill>
+                        <a:latin typeface="Cambria Math" panose="02040503050406030204" pitchFamily="18" charset="0"/>
+                      </a:rPr>
+                      <m:t>∈</m:t>
+                    </m:r>
+                    <m:sSup>
+                      <m:sSupPr>
+                        <m:ctrlPr>
+                          <a:rPr lang="en-US" i="1" dirty="0">
+                            <a:solidFill>
+                              <a:srgbClr val="C00000"/>
+                            </a:solidFill>
+                            <a:latin typeface="Cambria Math" panose="02040503050406030204" pitchFamily="18" charset="0"/>
+                          </a:rPr>
+                        </m:ctrlPr>
+                      </m:sSupPr>
+                      <m:e>
+                        <m:r>
+                          <a:rPr lang="en-US" i="1" dirty="0">
+                            <a:solidFill>
+                              <a:srgbClr val="C00000"/>
+                            </a:solidFill>
+                            <a:latin typeface="Cambria Math" panose="02040503050406030204" pitchFamily="18" charset="0"/>
+                          </a:rPr>
+                          <m:t>𝑅</m:t>
+                        </m:r>
+                      </m:e>
+                      <m:sup>
+                        <m:r>
+                          <a:rPr lang="en-US" i="1" dirty="0">
+                            <a:solidFill>
+                              <a:srgbClr val="C00000"/>
+                            </a:solidFill>
+                            <a:latin typeface="Cambria Math" panose="02040503050406030204" pitchFamily="18" charset="0"/>
+                          </a:rPr>
+                          <m:t>𝑑</m:t>
+                        </m:r>
+                      </m:sup>
+                    </m:sSup>
+                  </m:oMath>
+                </a14:m>
+                <a:r>
+                  <a:rPr lang="en-US" dirty="0"/>
+                  <a:t> and </a:t>
+                </a:r>
+                <a14:m>
+                  <m:oMath xmlns:m="http://schemas.openxmlformats.org/officeDocument/2006/math">
+                    <m:r>
+                      <m:rPr>
+                        <m:sty m:val="p"/>
+                      </m:rPr>
+                      <a:rPr lang="en-US" dirty="0">
+                        <a:solidFill>
+                          <a:srgbClr val="C00000"/>
+                        </a:solidFill>
+                        <a:latin typeface="Cambria Math" panose="02040503050406030204" pitchFamily="18" charset="0"/>
+                      </a:rPr>
+                      <m:t>Π</m:t>
+                    </m:r>
+                    <m:r>
+                      <a:rPr lang="en-US" b="0" i="1" dirty="0" smtClean="0">
+                        <a:solidFill>
+                          <a:srgbClr val="C00000"/>
+                        </a:solidFill>
+                        <a:latin typeface="Cambria Math" panose="02040503050406030204" pitchFamily="18" charset="0"/>
+                      </a:rPr>
+                      <m:t>∈</m:t>
+                    </m:r>
+                    <m:sSup>
+                      <m:sSupPr>
+                        <m:ctrlPr>
+                          <a:rPr lang="en-US" b="0" i="1" dirty="0" smtClean="0">
+                            <a:solidFill>
+                              <a:srgbClr val="C00000"/>
+                            </a:solidFill>
+                            <a:latin typeface="Cambria Math" panose="02040503050406030204" pitchFamily="18" charset="0"/>
+                          </a:rPr>
+                        </m:ctrlPr>
+                      </m:sSupPr>
+                      <m:e>
+                        <m:r>
+                          <a:rPr lang="en-US" b="0" i="1" dirty="0" smtClean="0">
+                            <a:solidFill>
+                              <a:srgbClr val="C00000"/>
+                            </a:solidFill>
+                            <a:latin typeface="Cambria Math" panose="02040503050406030204" pitchFamily="18" charset="0"/>
+                          </a:rPr>
+                          <m:t>𝑅</m:t>
+                        </m:r>
+                      </m:e>
+                      <m:sup>
+                        <m:r>
+                          <a:rPr lang="en-US" b="0" i="1" dirty="0" smtClean="0">
+                            <a:solidFill>
+                              <a:srgbClr val="C00000"/>
+                            </a:solidFill>
+                            <a:latin typeface="Cambria Math" panose="02040503050406030204" pitchFamily="18" charset="0"/>
+                          </a:rPr>
+                          <m:t>𝑚</m:t>
+                        </m:r>
+                        <m:r>
+                          <a:rPr lang="en-US" b="0" i="1" dirty="0" smtClean="0">
+                            <a:solidFill>
+                              <a:srgbClr val="C00000"/>
+                            </a:solidFill>
+                            <a:latin typeface="Cambria Math" panose="02040503050406030204" pitchFamily="18" charset="0"/>
+                          </a:rPr>
+                          <m:t>×</m:t>
+                        </m:r>
+                        <m:r>
+                          <a:rPr lang="en-US" b="0" i="1" dirty="0" smtClean="0">
+                            <a:solidFill>
+                              <a:srgbClr val="C00000"/>
+                            </a:solidFill>
+                            <a:latin typeface="Cambria Math" panose="02040503050406030204" pitchFamily="18" charset="0"/>
+                          </a:rPr>
+                          <m:t>𝑑</m:t>
+                        </m:r>
+                      </m:sup>
+                    </m:sSup>
+                  </m:oMath>
+                </a14:m>
+                <a:r>
+                  <a:rPr lang="en-US" dirty="0"/>
+                  <a:t> with </a:t>
+                </a:r>
+                <a14:m>
+                  <m:oMath xmlns:m="http://schemas.openxmlformats.org/officeDocument/2006/math">
+                    <m:r>
+                      <a:rPr lang="en-US" i="1" dirty="0">
+                        <a:solidFill>
+                          <a:srgbClr val="C00000"/>
+                        </a:solidFill>
+                        <a:latin typeface="Cambria Math" panose="02040503050406030204" pitchFamily="18" charset="0"/>
+                      </a:rPr>
+                      <m:t>𝑚</m:t>
+                    </m:r>
+                    <m:r>
+                      <a:rPr lang="en-US" dirty="0">
+                        <a:solidFill>
+                          <a:srgbClr val="C00000"/>
+                        </a:solidFill>
+                        <a:latin typeface="Cambria Math" panose="02040503050406030204" pitchFamily="18" charset="0"/>
+                      </a:rPr>
+                      <m:t>=</m:t>
+                    </m:r>
+                    <m:r>
+                      <a:rPr lang="en-US" b="0" i="1" dirty="0" smtClean="0">
+                        <a:solidFill>
+                          <a:srgbClr val="C00000"/>
+                        </a:solidFill>
+                        <a:latin typeface="Cambria Math" panose="02040503050406030204" pitchFamily="18" charset="0"/>
+                      </a:rPr>
+                      <m:t>𝑂</m:t>
+                    </m:r>
+                    <m:d>
+                      <m:dPr>
+                        <m:ctrlPr>
+                          <a:rPr lang="en-US" i="1" dirty="0">
+                            <a:solidFill>
+                              <a:srgbClr val="C00000"/>
+                            </a:solidFill>
+                            <a:latin typeface="Cambria Math" panose="02040503050406030204" pitchFamily="18" charset="0"/>
+                          </a:rPr>
+                        </m:ctrlPr>
+                      </m:dPr>
+                      <m:e>
+                        <m:f>
+                          <m:fPr>
+                            <m:ctrlPr>
+                              <a:rPr lang="en-US" i="1" dirty="0">
+                                <a:solidFill>
+                                  <a:srgbClr val="C00000"/>
+                                </a:solidFill>
+                                <a:latin typeface="Cambria Math" panose="02040503050406030204" pitchFamily="18" charset="0"/>
+                              </a:rPr>
+                            </m:ctrlPr>
+                          </m:fPr>
+                          <m:num>
+                            <m:func>
+                              <m:funcPr>
+                                <m:ctrlPr>
+                                  <a:rPr lang="en-US" i="1" dirty="0">
+                                    <a:solidFill>
+                                      <a:srgbClr val="C00000"/>
+                                    </a:solidFill>
+                                    <a:latin typeface="Cambria Math" panose="02040503050406030204" pitchFamily="18" charset="0"/>
+                                  </a:rPr>
+                                </m:ctrlPr>
+                              </m:funcPr>
+                              <m:fName>
+                                <m:r>
+                                  <m:rPr>
+                                    <m:sty m:val="p"/>
+                                  </m:rPr>
+                                  <a:rPr lang="en-US" dirty="0">
+                                    <a:solidFill>
+                                      <a:srgbClr val="C00000"/>
+                                    </a:solidFill>
+                                    <a:latin typeface="Cambria Math" panose="02040503050406030204" pitchFamily="18" charset="0"/>
+                                  </a:rPr>
+                                  <m:t>log</m:t>
+                                </m:r>
+                              </m:fName>
+                              <m:e>
+                                <m:r>
+                                  <a:rPr lang="en-US" i="1" dirty="0">
+                                    <a:solidFill>
+                                      <a:srgbClr val="C00000"/>
+                                    </a:solidFill>
+                                    <a:latin typeface="Cambria Math" panose="02040503050406030204" pitchFamily="18" charset="0"/>
+                                  </a:rPr>
+                                  <m:t>𝑛</m:t>
+                                </m:r>
+                              </m:e>
+                            </m:func>
+                          </m:num>
+                          <m:den>
+                            <m:sSup>
+                              <m:sSupPr>
+                                <m:ctrlPr>
+                                  <a:rPr lang="en-US" i="1" dirty="0">
+                                    <a:solidFill>
+                                      <a:srgbClr val="C00000"/>
+                                    </a:solidFill>
+                                    <a:latin typeface="Cambria Math" panose="02040503050406030204" pitchFamily="18" charset="0"/>
+                                  </a:rPr>
+                                </m:ctrlPr>
+                              </m:sSupPr>
+                              <m:e>
+                                <m:r>
+                                  <a:rPr lang="en-US" i="1" dirty="0">
+                                    <a:solidFill>
+                                      <a:srgbClr val="C00000"/>
+                                    </a:solidFill>
+                                    <a:latin typeface="Cambria Math" panose="02040503050406030204" pitchFamily="18" charset="0"/>
+                                  </a:rPr>
+                                  <m:t>𝜀</m:t>
+                                </m:r>
+                              </m:e>
+                              <m:sup>
+                                <m:r>
+                                  <a:rPr lang="en-US" i="1" dirty="0">
+                                    <a:solidFill>
+                                      <a:srgbClr val="C00000"/>
+                                    </a:solidFill>
+                                    <a:latin typeface="Cambria Math" panose="02040503050406030204" pitchFamily="18" charset="0"/>
+                                  </a:rPr>
+                                  <m:t>2</m:t>
+                                </m:r>
+                              </m:sup>
+                            </m:sSup>
+                          </m:den>
+                        </m:f>
+                      </m:e>
+                    </m:d>
+                  </m:oMath>
+                </a14:m>
+                <a:r>
+                  <a:rPr lang="en-US" dirty="0"/>
+                  <a:t> and each entry drawn from </a:t>
+                </a:r>
+                <a14:m>
+                  <m:oMath xmlns:m="http://schemas.openxmlformats.org/officeDocument/2006/math">
+                    <m:f>
+                      <m:fPr>
+                        <m:ctrlPr>
+                          <a:rPr lang="en-US" i="1" dirty="0">
+                            <a:solidFill>
+                              <a:srgbClr val="C00000"/>
+                            </a:solidFill>
+                            <a:latin typeface="Cambria Math" panose="02040503050406030204" pitchFamily="18" charset="0"/>
+                          </a:rPr>
+                        </m:ctrlPr>
+                      </m:fPr>
+                      <m:num>
+                        <m:r>
+                          <a:rPr lang="en-US" dirty="0">
+                            <a:solidFill>
+                              <a:srgbClr val="C00000"/>
+                            </a:solidFill>
+                            <a:latin typeface="Cambria Math" panose="02040503050406030204" pitchFamily="18" charset="0"/>
+                          </a:rPr>
+                          <m:t>1</m:t>
+                        </m:r>
+                      </m:num>
+                      <m:den>
+                        <m:rad>
+                          <m:radPr>
+                            <m:degHide m:val="on"/>
+                            <m:ctrlPr>
+                              <a:rPr lang="en-US" i="1" dirty="0">
+                                <a:solidFill>
+                                  <a:srgbClr val="C00000"/>
+                                </a:solidFill>
+                                <a:latin typeface="Cambria Math" panose="02040503050406030204" pitchFamily="18" charset="0"/>
+                              </a:rPr>
+                            </m:ctrlPr>
+                          </m:radPr>
+                          <m:deg/>
+                          <m:e>
+                            <m:r>
+                              <a:rPr lang="en-US" i="1" dirty="0">
+                                <a:solidFill>
+                                  <a:srgbClr val="C00000"/>
+                                </a:solidFill>
+                                <a:latin typeface="Cambria Math" panose="02040503050406030204" pitchFamily="18" charset="0"/>
+                              </a:rPr>
+                              <m:t>𝑚</m:t>
+                            </m:r>
+                          </m:e>
+                        </m:rad>
+                      </m:den>
+                    </m:f>
+                    <m:r>
+                      <a:rPr lang="en-US" i="1" dirty="0">
+                        <a:solidFill>
+                          <a:srgbClr val="C00000"/>
+                        </a:solidFill>
+                        <a:latin typeface="Cambria Math" panose="02040503050406030204" pitchFamily="18" charset="0"/>
+                      </a:rPr>
+                      <m:t>𝑁</m:t>
+                    </m:r>
+                    <m:d>
+                      <m:dPr>
+                        <m:ctrlPr>
+                          <a:rPr lang="en-US" i="1" dirty="0">
+                            <a:solidFill>
+                              <a:srgbClr val="C00000"/>
+                            </a:solidFill>
+                            <a:latin typeface="Cambria Math" panose="02040503050406030204" pitchFamily="18" charset="0"/>
+                          </a:rPr>
+                        </m:ctrlPr>
+                      </m:dPr>
+                      <m:e>
+                        <m:r>
+                          <a:rPr lang="en-US" i="1" dirty="0">
+                            <a:solidFill>
+                              <a:srgbClr val="C00000"/>
+                            </a:solidFill>
+                            <a:latin typeface="Cambria Math" panose="02040503050406030204" pitchFamily="18" charset="0"/>
+                          </a:rPr>
+                          <m:t>0,1</m:t>
+                        </m:r>
+                      </m:e>
+                    </m:d>
+                  </m:oMath>
+                </a14:m>
+                <a:r>
+                  <a:rPr lang="en-US" dirty="0"/>
+                  <a:t> and setting </a:t>
+                </a:r>
+                <a14:m>
+                  <m:oMath xmlns:m="http://schemas.openxmlformats.org/officeDocument/2006/math">
+                    <m:sSub>
+                      <m:sSubPr>
+                        <m:ctrlPr>
+                          <a:rPr lang="en-US" i="1" dirty="0">
+                            <a:solidFill>
+                              <a:srgbClr val="0070C0"/>
+                            </a:solidFill>
+                            <a:latin typeface="Cambria Math" panose="02040503050406030204" pitchFamily="18" charset="0"/>
+                          </a:rPr>
+                        </m:ctrlPr>
+                      </m:sSubPr>
+                      <m:e>
+                        <m:r>
+                          <a:rPr lang="en-US" i="1" dirty="0">
+                            <a:solidFill>
+                              <a:srgbClr val="0070C0"/>
+                            </a:solidFill>
+                            <a:latin typeface="Cambria Math" panose="02040503050406030204" pitchFamily="18" charset="0"/>
+                          </a:rPr>
+                          <m:t>𝑦</m:t>
+                        </m:r>
+                      </m:e>
+                      <m:sub>
+                        <m:r>
+                          <a:rPr lang="en-US" i="1" dirty="0">
+                            <a:solidFill>
+                              <a:srgbClr val="0070C0"/>
+                            </a:solidFill>
+                            <a:latin typeface="Cambria Math" panose="02040503050406030204" pitchFamily="18" charset="0"/>
+                          </a:rPr>
+                          <m:t>𝑖</m:t>
+                        </m:r>
+                      </m:sub>
+                    </m:sSub>
+                    <m:r>
+                      <a:rPr lang="en-US" i="1" dirty="0">
+                        <a:solidFill>
+                          <a:srgbClr val="C00000"/>
+                        </a:solidFill>
+                        <a:latin typeface="Cambria Math" panose="02040503050406030204" pitchFamily="18" charset="0"/>
+                      </a:rPr>
+                      <m:t>=</m:t>
+                    </m:r>
+                    <m:r>
+                      <m:rPr>
+                        <m:sty m:val="p"/>
+                      </m:rPr>
+                      <a:rPr lang="en-US" dirty="0">
+                        <a:solidFill>
+                          <a:srgbClr val="C00000"/>
+                        </a:solidFill>
+                        <a:latin typeface="Cambria Math" panose="02040503050406030204" pitchFamily="18" charset="0"/>
+                      </a:rPr>
+                      <m:t>Π</m:t>
+                    </m:r>
+                    <m:sSub>
+                      <m:sSubPr>
+                        <m:ctrlPr>
+                          <a:rPr lang="en-US" i="1" dirty="0">
+                            <a:solidFill>
+                              <a:srgbClr val="C00000"/>
+                            </a:solidFill>
+                            <a:latin typeface="Cambria Math" panose="02040503050406030204" pitchFamily="18" charset="0"/>
+                          </a:rPr>
+                        </m:ctrlPr>
+                      </m:sSubPr>
+                      <m:e>
+                        <m:r>
+                          <a:rPr lang="en-US" i="1" dirty="0">
+                            <a:solidFill>
+                              <a:srgbClr val="C00000"/>
+                            </a:solidFill>
+                            <a:latin typeface="Cambria Math" panose="02040503050406030204" pitchFamily="18" charset="0"/>
+                          </a:rPr>
+                          <m:t>𝑥</m:t>
+                        </m:r>
+                      </m:e>
+                      <m:sub>
+                        <m:r>
+                          <a:rPr lang="en-US" i="1" dirty="0">
+                            <a:solidFill>
+                              <a:srgbClr val="C00000"/>
+                            </a:solidFill>
+                            <a:latin typeface="Cambria Math" panose="02040503050406030204" pitchFamily="18" charset="0"/>
+                          </a:rPr>
+                          <m:t>𝑖</m:t>
+                        </m:r>
+                      </m:sub>
+                    </m:sSub>
+                  </m:oMath>
+                </a14:m>
+                <a:r>
+                  <a:rPr lang="en-US" dirty="0"/>
+                  <a:t>, then with high probability, for all </a:t>
+                </a:r>
+                <a14:m>
+                  <m:oMath xmlns:m="http://schemas.openxmlformats.org/officeDocument/2006/math">
+                    <m:r>
+                      <a:rPr lang="en-US" i="1" dirty="0">
+                        <a:solidFill>
+                          <a:srgbClr val="C00000"/>
+                        </a:solidFill>
+                        <a:latin typeface="Cambria Math" panose="02040503050406030204" pitchFamily="18" charset="0"/>
+                      </a:rPr>
+                      <m:t>𝑖</m:t>
+                    </m:r>
+                    <m:r>
+                      <a:rPr lang="en-US" i="1" dirty="0">
+                        <a:solidFill>
+                          <a:srgbClr val="C00000"/>
+                        </a:solidFill>
+                        <a:latin typeface="Cambria Math" panose="02040503050406030204" pitchFamily="18" charset="0"/>
+                      </a:rPr>
+                      <m:t>,</m:t>
+                    </m:r>
+                    <m:r>
+                      <a:rPr lang="en-US" i="1" dirty="0">
+                        <a:solidFill>
+                          <a:srgbClr val="C00000"/>
+                        </a:solidFill>
+                        <a:latin typeface="Cambria Math" panose="02040503050406030204" pitchFamily="18" charset="0"/>
+                      </a:rPr>
+                      <m:t>𝑗</m:t>
+                    </m:r>
+                    <m:r>
+                      <a:rPr lang="en-US" i="1" dirty="0">
+                        <a:solidFill>
+                          <a:srgbClr val="C00000"/>
+                        </a:solidFill>
+                        <a:latin typeface="Cambria Math" panose="02040503050406030204" pitchFamily="18" charset="0"/>
+                      </a:rPr>
+                      <m:t>∈[</m:t>
+                    </m:r>
+                    <m:r>
+                      <a:rPr lang="en-US" i="1" dirty="0">
+                        <a:solidFill>
+                          <a:srgbClr val="C00000"/>
+                        </a:solidFill>
+                        <a:latin typeface="Cambria Math" panose="02040503050406030204" pitchFamily="18" charset="0"/>
+                      </a:rPr>
+                      <m:t>𝑛</m:t>
+                    </m:r>
+                    <m:r>
+                      <a:rPr lang="en-US" i="1" dirty="0">
+                        <a:solidFill>
+                          <a:srgbClr val="C00000"/>
+                        </a:solidFill>
+                        <a:latin typeface="Cambria Math" panose="02040503050406030204" pitchFamily="18" charset="0"/>
+                      </a:rPr>
+                      <m:t>]</m:t>
+                    </m:r>
+                  </m:oMath>
+                </a14:m>
+                <a:r>
+                  <a:rPr lang="en-US" dirty="0"/>
+                  <a:t>:</a:t>
+                </a:r>
+              </a:p>
+              <a:p>
+                <a:pPr>
+                  <a:buClr>
+                    <a:schemeClr val="tx1"/>
+                  </a:buClr>
+                </a:pPr>
+                <a:endParaRPr lang="en-US" dirty="0"/>
+              </a:p>
+              <a:p>
+                <a:pPr>
+                  <a:buClr>
+                    <a:schemeClr val="tx1"/>
+                  </a:buClr>
+                </a:pPr>
+                <a:endParaRPr lang="en-US" dirty="0"/>
+              </a:p>
+              <a:p>
+                <a:pPr>
+                  <a:buClr>
+                    <a:schemeClr val="tx1"/>
+                  </a:buClr>
+                </a:pPr>
+                <a:endParaRPr lang="en-US" dirty="0"/>
+              </a:p>
+              <a:p>
+                <a:pPr>
+                  <a:buClr>
+                    <a:schemeClr val="tx1"/>
+                  </a:buClr>
+                </a:pPr>
+                <a14:m>
+                  <m:oMath xmlns:m="http://schemas.openxmlformats.org/officeDocument/2006/math">
+                    <m:r>
+                      <m:rPr>
+                        <m:sty m:val="p"/>
+                      </m:rPr>
+                      <a:rPr lang="en-US" dirty="0" smtClean="0">
+                        <a:solidFill>
+                          <a:srgbClr val="C00000"/>
+                        </a:solidFill>
+                        <a:latin typeface="Cambria Math" panose="02040503050406030204" pitchFamily="18" charset="0"/>
+                      </a:rPr>
+                      <m:t>Π</m:t>
+                    </m:r>
+                  </m:oMath>
+                </a14:m>
+                <a:r>
+                  <a:rPr lang="en-US" dirty="0"/>
+                  <a:t> is called a random projection</a:t>
+                </a:r>
+              </a:p>
+            </p:txBody>
+          </p:sp>
+        </mc:Choice>
+        <mc:Fallback>
+          <p:sp>
+            <p:nvSpPr>
+              <p:cNvPr id="3" name="Content Placeholder 2">
+                <a:extLst>
+                  <a:ext uri="{FF2B5EF4-FFF2-40B4-BE49-F238E27FC236}">
+                    <a16:creationId xmlns:a16="http://schemas.microsoft.com/office/drawing/2014/main" id="{76F2126B-4AA6-302B-7E5A-170FFAAB8BD1}"/>
+                  </a:ext>
+                </a:extLst>
+              </p:cNvPr>
+              <p:cNvSpPr>
+                <a:spLocks noGrp="1" noRot="1" noChangeAspect="1" noMove="1" noResize="1" noEditPoints="1" noAdjustHandles="1" noChangeArrowheads="1" noChangeShapeType="1" noTextEdit="1"/>
+              </p:cNvSpPr>
+              <p:nvPr>
+                <p:ph idx="1"/>
+              </p:nvPr>
+            </p:nvSpPr>
+            <p:spPr>
+              <a:xfrm>
+                <a:off x="838200" y="1825624"/>
+                <a:ext cx="5803010" cy="4667251"/>
+              </a:xfrm>
+              <a:blipFill>
+                <a:blip r:embed="rId3"/>
+                <a:stretch>
+                  <a:fillRect l="-1893" t="-1958" r="-1577"/>
+                </a:stretch>
+              </a:blipFill>
+            </p:spPr>
+            <p:txBody>
+              <a:bodyPr/>
+              <a:lstStyle/>
+              <a:p>
+                <a:r>
+                  <a:rPr lang="en-US">
+                    <a:noFill/>
+                  </a:rPr>
+                  <a:t> </a:t>
+                </a:r>
+              </a:p>
+            </p:txBody>
+          </p:sp>
+        </mc:Fallback>
+      </mc:AlternateContent>
+      <mc:AlternateContent xmlns:mc="http://schemas.openxmlformats.org/markup-compatibility/2006">
+        <mc:Choice xmlns:a14="http://schemas.microsoft.com/office/drawing/2010/main" Requires="a14">
+          <p:sp>
+            <p:nvSpPr>
+              <p:cNvPr id="5" name="TextBox 4">
+                <a:extLst>
+                  <a:ext uri="{FF2B5EF4-FFF2-40B4-BE49-F238E27FC236}">
+                    <a16:creationId xmlns:a16="http://schemas.microsoft.com/office/drawing/2014/main" id="{9A86BF21-4066-85A9-EE5C-A10F7B3E73B7}"/>
+                  </a:ext>
+                </a:extLst>
+              </p:cNvPr>
+              <p:cNvSpPr txBox="1"/>
+              <p:nvPr/>
+            </p:nvSpPr>
+            <p:spPr>
+              <a:xfrm>
+                <a:off x="566920" y="4552004"/>
+                <a:ext cx="9319931" cy="723724"/>
+              </a:xfrm>
+              <a:prstGeom prst="rect">
+                <a:avLst/>
+              </a:prstGeom>
+              <a:noFill/>
+            </p:spPr>
+            <p:txBody>
+              <a:bodyPr wrap="square">
+                <a:spAutoFit/>
+              </a:bodyPr>
+              <a:lstStyle/>
+              <a:p>
+                <a:pPr/>
+                <a14:m>
+                  <m:oMathPara xmlns:m="http://schemas.openxmlformats.org/officeDocument/2006/math">
+                    <m:oMathParaPr>
+                      <m:jc m:val="centerGroup"/>
+                    </m:oMathParaPr>
+                    <m:oMath xmlns:m="http://schemas.openxmlformats.org/officeDocument/2006/math">
+                      <m:d>
+                        <m:dPr>
+                          <m:ctrlPr>
+                            <a:rPr lang="en-US" sz="3200" b="0" i="1" dirty="0" smtClean="0">
+                              <a:solidFill>
+                                <a:srgbClr val="C00000"/>
+                              </a:solidFill>
+                              <a:latin typeface="Cambria Math" panose="02040503050406030204" pitchFamily="18" charset="0"/>
+                            </a:rPr>
+                          </m:ctrlPr>
+                        </m:dPr>
+                        <m:e>
+                          <m:r>
+                            <a:rPr lang="en-US" sz="3200" b="0" i="1" dirty="0" smtClean="0">
+                              <a:solidFill>
+                                <a:srgbClr val="C00000"/>
+                              </a:solidFill>
+                              <a:latin typeface="Cambria Math" panose="02040503050406030204" pitchFamily="18" charset="0"/>
+                            </a:rPr>
+                            <m:t>1−</m:t>
+                          </m:r>
+                          <m:r>
+                            <a:rPr lang="en-US" sz="3200" b="0" i="1" dirty="0" smtClean="0">
+                              <a:solidFill>
+                                <a:srgbClr val="C00000"/>
+                              </a:solidFill>
+                              <a:latin typeface="Cambria Math" panose="02040503050406030204" pitchFamily="18" charset="0"/>
+                            </a:rPr>
+                            <m:t>𝜀</m:t>
+                          </m:r>
+                        </m:e>
+                      </m:d>
+                      <m:sSub>
+                        <m:sSubPr>
+                          <m:ctrlPr>
+                            <a:rPr lang="en-US" sz="3200" i="1">
+                              <a:solidFill>
+                                <a:srgbClr val="C00000"/>
+                              </a:solidFill>
+                              <a:latin typeface="Cambria Math" panose="02040503050406030204" pitchFamily="18" charset="0"/>
+                            </a:rPr>
+                          </m:ctrlPr>
+                        </m:sSubPr>
+                        <m:e>
+                          <m:d>
+                            <m:dPr>
+                              <m:begChr m:val="‖"/>
+                              <m:endChr m:val="‖"/>
+                              <m:ctrlPr>
+                                <a:rPr lang="en-US" sz="3200" i="1">
+                                  <a:solidFill>
+                                    <a:srgbClr val="C00000"/>
+                                  </a:solidFill>
+                                  <a:latin typeface="Cambria Math" panose="02040503050406030204" pitchFamily="18" charset="0"/>
+                                </a:rPr>
+                              </m:ctrlPr>
+                            </m:dPr>
+                            <m:e>
+                              <m:sSub>
+                                <m:sSubPr>
+                                  <m:ctrlPr>
+                                    <a:rPr lang="en-US" sz="3200" b="0" i="1" smtClean="0">
+                                      <a:solidFill>
+                                        <a:srgbClr val="C00000"/>
+                                      </a:solidFill>
+                                      <a:latin typeface="Cambria Math" panose="02040503050406030204" pitchFamily="18" charset="0"/>
+                                    </a:rPr>
+                                  </m:ctrlPr>
+                                </m:sSubPr>
+                                <m:e>
+                                  <m:r>
+                                    <a:rPr lang="en-US" sz="3200" i="1">
+                                      <a:solidFill>
+                                        <a:srgbClr val="C00000"/>
+                                      </a:solidFill>
+                                      <a:latin typeface="Cambria Math" panose="02040503050406030204" pitchFamily="18" charset="0"/>
+                                    </a:rPr>
+                                    <m:t>𝑥</m:t>
+                                  </m:r>
+                                </m:e>
+                                <m:sub>
+                                  <m:r>
+                                    <a:rPr lang="en-US" sz="3200" b="0" i="1" smtClean="0">
+                                      <a:solidFill>
+                                        <a:srgbClr val="C00000"/>
+                                      </a:solidFill>
+                                      <a:latin typeface="Cambria Math" panose="02040503050406030204" pitchFamily="18" charset="0"/>
+                                    </a:rPr>
+                                    <m:t>𝑖</m:t>
+                                  </m:r>
+                                </m:sub>
+                              </m:sSub>
+                              <m:r>
+                                <a:rPr lang="en-US" sz="3200" i="1">
+                                  <a:solidFill>
+                                    <a:srgbClr val="C00000"/>
+                                  </a:solidFill>
+                                  <a:latin typeface="Cambria Math" panose="02040503050406030204" pitchFamily="18" charset="0"/>
+                                </a:rPr>
+                                <m:t>−</m:t>
+                              </m:r>
+                              <m:sSub>
+                                <m:sSubPr>
+                                  <m:ctrlPr>
+                                    <a:rPr lang="en-US" sz="3200" b="0" i="1" smtClean="0">
+                                      <a:solidFill>
+                                        <a:srgbClr val="C00000"/>
+                                      </a:solidFill>
+                                      <a:latin typeface="Cambria Math" panose="02040503050406030204" pitchFamily="18" charset="0"/>
+                                    </a:rPr>
+                                  </m:ctrlPr>
+                                </m:sSubPr>
+                                <m:e>
+                                  <m:r>
+                                    <a:rPr lang="en-US" sz="3200" b="0" i="1" smtClean="0">
+                                      <a:solidFill>
+                                        <a:srgbClr val="C00000"/>
+                                      </a:solidFill>
+                                      <a:latin typeface="Cambria Math" panose="02040503050406030204" pitchFamily="18" charset="0"/>
+                                    </a:rPr>
+                                    <m:t>𝑥</m:t>
+                                  </m:r>
+                                </m:e>
+                                <m:sub>
+                                  <m:r>
+                                    <a:rPr lang="en-US" sz="3200" b="0" i="1" smtClean="0">
+                                      <a:solidFill>
+                                        <a:srgbClr val="C00000"/>
+                                      </a:solidFill>
+                                      <a:latin typeface="Cambria Math" panose="02040503050406030204" pitchFamily="18" charset="0"/>
+                                    </a:rPr>
+                                    <m:t>𝑗</m:t>
+                                  </m:r>
+                                </m:sub>
+                              </m:sSub>
+                            </m:e>
+                          </m:d>
+                        </m:e>
+                        <m:sub>
+                          <m:r>
+                            <a:rPr lang="en-US" sz="3200" i="1">
+                              <a:solidFill>
+                                <a:srgbClr val="C00000"/>
+                              </a:solidFill>
+                              <a:latin typeface="Cambria Math" panose="02040503050406030204" pitchFamily="18" charset="0"/>
+                            </a:rPr>
+                            <m:t>2</m:t>
+                          </m:r>
+                        </m:sub>
+                      </m:sSub>
+                      <m:r>
+                        <a:rPr lang="en-US" sz="3200" b="0" i="1" dirty="0" smtClean="0">
+                          <a:solidFill>
+                            <a:schemeClr val="tx1"/>
+                          </a:solidFill>
+                          <a:latin typeface="Cambria Math" panose="02040503050406030204" pitchFamily="18" charset="0"/>
+                        </a:rPr>
+                        <m:t>≤</m:t>
+                      </m:r>
+                      <m:sSub>
+                        <m:sSubPr>
+                          <m:ctrlPr>
+                            <a:rPr lang="en-US" sz="3200" i="1" smtClean="0">
+                              <a:solidFill>
+                                <a:schemeClr val="accent1"/>
+                              </a:solidFill>
+                              <a:latin typeface="Cambria Math" panose="02040503050406030204" pitchFamily="18" charset="0"/>
+                            </a:rPr>
+                          </m:ctrlPr>
+                        </m:sSubPr>
+                        <m:e>
+                          <m:d>
+                            <m:dPr>
+                              <m:begChr m:val="‖"/>
+                              <m:endChr m:val="‖"/>
+                              <m:ctrlPr>
+                                <a:rPr lang="en-US" sz="3200" i="1">
+                                  <a:solidFill>
+                                    <a:schemeClr val="accent1"/>
+                                  </a:solidFill>
+                                  <a:latin typeface="Cambria Math" panose="02040503050406030204" pitchFamily="18" charset="0"/>
+                                </a:rPr>
+                              </m:ctrlPr>
+                            </m:dPr>
+                            <m:e>
+                              <m:sSub>
+                                <m:sSubPr>
+                                  <m:ctrlPr>
+                                    <a:rPr lang="en-US" sz="3200" i="1">
+                                      <a:solidFill>
+                                        <a:schemeClr val="accent1"/>
+                                      </a:solidFill>
+                                      <a:latin typeface="Cambria Math" panose="02040503050406030204" pitchFamily="18" charset="0"/>
+                                    </a:rPr>
+                                  </m:ctrlPr>
+                                </m:sSubPr>
+                                <m:e>
+                                  <m:r>
+                                    <a:rPr lang="en-US" sz="3200" b="0" i="1" smtClean="0">
+                                      <a:solidFill>
+                                        <a:schemeClr val="accent1"/>
+                                      </a:solidFill>
+                                      <a:latin typeface="Cambria Math" panose="02040503050406030204" pitchFamily="18" charset="0"/>
+                                    </a:rPr>
+                                    <m:t>𝑦</m:t>
+                                  </m:r>
+                                </m:e>
+                                <m:sub>
+                                  <m:r>
+                                    <a:rPr lang="en-US" sz="3200" i="1">
+                                      <a:solidFill>
+                                        <a:schemeClr val="accent1"/>
+                                      </a:solidFill>
+                                      <a:latin typeface="Cambria Math" panose="02040503050406030204" pitchFamily="18" charset="0"/>
+                                    </a:rPr>
+                                    <m:t>𝑖</m:t>
+                                  </m:r>
+                                </m:sub>
+                              </m:sSub>
+                              <m:r>
+                                <a:rPr lang="en-US" sz="3200" i="1">
+                                  <a:solidFill>
+                                    <a:schemeClr val="accent1"/>
+                                  </a:solidFill>
+                                  <a:latin typeface="Cambria Math" panose="02040503050406030204" pitchFamily="18" charset="0"/>
+                                </a:rPr>
+                                <m:t>−</m:t>
+                              </m:r>
+                              <m:sSub>
+                                <m:sSubPr>
+                                  <m:ctrlPr>
+                                    <a:rPr lang="en-US" sz="3200" i="1">
+                                      <a:solidFill>
+                                        <a:schemeClr val="accent1"/>
+                                      </a:solidFill>
+                                      <a:latin typeface="Cambria Math" panose="02040503050406030204" pitchFamily="18" charset="0"/>
+                                    </a:rPr>
+                                  </m:ctrlPr>
+                                </m:sSubPr>
+                                <m:e>
+                                  <m:r>
+                                    <a:rPr lang="en-US" sz="3200" b="0" i="1" smtClean="0">
+                                      <a:solidFill>
+                                        <a:schemeClr val="accent1"/>
+                                      </a:solidFill>
+                                      <a:latin typeface="Cambria Math" panose="02040503050406030204" pitchFamily="18" charset="0"/>
+                                    </a:rPr>
+                                    <m:t>𝑦</m:t>
+                                  </m:r>
+                                </m:e>
+                                <m:sub>
+                                  <m:r>
+                                    <a:rPr lang="en-US" sz="3200" i="1">
+                                      <a:solidFill>
+                                        <a:schemeClr val="accent1"/>
+                                      </a:solidFill>
+                                      <a:latin typeface="Cambria Math" panose="02040503050406030204" pitchFamily="18" charset="0"/>
+                                    </a:rPr>
+                                    <m:t>𝑗</m:t>
+                                  </m:r>
+                                </m:sub>
+                              </m:sSub>
+                            </m:e>
+                          </m:d>
+                        </m:e>
+                        <m:sub>
+                          <m:r>
+                            <a:rPr lang="en-US" sz="3200" i="1">
+                              <a:solidFill>
+                                <a:schemeClr val="accent1"/>
+                              </a:solidFill>
+                              <a:latin typeface="Cambria Math" panose="02040503050406030204" pitchFamily="18" charset="0"/>
+                            </a:rPr>
+                            <m:t>2</m:t>
+                          </m:r>
+                        </m:sub>
+                      </m:sSub>
+                      <m:r>
+                        <a:rPr lang="en-US" sz="3200" b="0" i="1" dirty="0" smtClean="0">
+                          <a:solidFill>
+                            <a:schemeClr val="tx1"/>
+                          </a:solidFill>
+                          <a:latin typeface="Cambria Math" panose="02040503050406030204" pitchFamily="18" charset="0"/>
+                        </a:rPr>
+                        <m:t>≤</m:t>
+                      </m:r>
+                      <m:d>
+                        <m:dPr>
+                          <m:ctrlPr>
+                            <a:rPr lang="en-US" sz="3200" b="0" i="1" dirty="0" smtClean="0">
+                              <a:solidFill>
+                                <a:srgbClr val="C00000"/>
+                              </a:solidFill>
+                              <a:latin typeface="Cambria Math" panose="02040503050406030204" pitchFamily="18" charset="0"/>
+                            </a:rPr>
+                          </m:ctrlPr>
+                        </m:dPr>
+                        <m:e>
+                          <m:r>
+                            <a:rPr lang="en-US" sz="3200" b="0" i="1" dirty="0" smtClean="0">
+                              <a:solidFill>
+                                <a:srgbClr val="C00000"/>
+                              </a:solidFill>
+                              <a:latin typeface="Cambria Math" panose="02040503050406030204" pitchFamily="18" charset="0"/>
+                            </a:rPr>
+                            <m:t>1+</m:t>
+                          </m:r>
+                          <m:r>
+                            <a:rPr lang="en-US" sz="3200" b="0" i="1" dirty="0" smtClean="0">
+                              <a:solidFill>
+                                <a:srgbClr val="C00000"/>
+                              </a:solidFill>
+                              <a:latin typeface="Cambria Math" panose="02040503050406030204" pitchFamily="18" charset="0"/>
+                            </a:rPr>
+                            <m:t>𝜀</m:t>
+                          </m:r>
+                        </m:e>
+                      </m:d>
+                      <m:sSub>
+                        <m:sSubPr>
+                          <m:ctrlPr>
+                            <a:rPr lang="en-US" sz="3200" i="1">
+                              <a:solidFill>
+                                <a:srgbClr val="C00000"/>
+                              </a:solidFill>
+                              <a:latin typeface="Cambria Math" panose="02040503050406030204" pitchFamily="18" charset="0"/>
+                            </a:rPr>
+                          </m:ctrlPr>
+                        </m:sSubPr>
+                        <m:e>
+                          <m:d>
+                            <m:dPr>
+                              <m:begChr m:val="‖"/>
+                              <m:endChr m:val="‖"/>
+                              <m:ctrlPr>
+                                <a:rPr lang="en-US" sz="3200" i="1">
+                                  <a:solidFill>
+                                    <a:srgbClr val="C00000"/>
+                                  </a:solidFill>
+                                  <a:latin typeface="Cambria Math" panose="02040503050406030204" pitchFamily="18" charset="0"/>
+                                </a:rPr>
+                              </m:ctrlPr>
+                            </m:dPr>
+                            <m:e>
+                              <m:sSub>
+                                <m:sSubPr>
+                                  <m:ctrlPr>
+                                    <a:rPr lang="en-US" sz="3200" i="1">
+                                      <a:solidFill>
+                                        <a:srgbClr val="C00000"/>
+                                      </a:solidFill>
+                                      <a:latin typeface="Cambria Math" panose="02040503050406030204" pitchFamily="18" charset="0"/>
+                                    </a:rPr>
+                                  </m:ctrlPr>
+                                </m:sSubPr>
+                                <m:e>
+                                  <m:r>
+                                    <a:rPr lang="en-US" sz="3200" i="1">
+                                      <a:solidFill>
+                                        <a:srgbClr val="C00000"/>
+                                      </a:solidFill>
+                                      <a:latin typeface="Cambria Math" panose="02040503050406030204" pitchFamily="18" charset="0"/>
+                                    </a:rPr>
+                                    <m:t>𝑥</m:t>
+                                  </m:r>
+                                </m:e>
+                                <m:sub>
+                                  <m:r>
+                                    <a:rPr lang="en-US" sz="3200" i="1">
+                                      <a:solidFill>
+                                        <a:srgbClr val="C00000"/>
+                                      </a:solidFill>
+                                      <a:latin typeface="Cambria Math" panose="02040503050406030204" pitchFamily="18" charset="0"/>
+                                    </a:rPr>
+                                    <m:t>𝑖</m:t>
+                                  </m:r>
+                                </m:sub>
+                              </m:sSub>
+                              <m:r>
+                                <a:rPr lang="en-US" sz="3200" i="1">
+                                  <a:solidFill>
+                                    <a:srgbClr val="C00000"/>
+                                  </a:solidFill>
+                                  <a:latin typeface="Cambria Math" panose="02040503050406030204" pitchFamily="18" charset="0"/>
+                                </a:rPr>
+                                <m:t>−</m:t>
+                              </m:r>
+                              <m:sSub>
+                                <m:sSubPr>
+                                  <m:ctrlPr>
+                                    <a:rPr lang="en-US" sz="3200" i="1">
+                                      <a:solidFill>
+                                        <a:srgbClr val="C00000"/>
+                                      </a:solidFill>
+                                      <a:latin typeface="Cambria Math" panose="02040503050406030204" pitchFamily="18" charset="0"/>
+                                    </a:rPr>
+                                  </m:ctrlPr>
+                                </m:sSubPr>
+                                <m:e>
+                                  <m:r>
+                                    <a:rPr lang="en-US" sz="3200" i="1">
+                                      <a:solidFill>
+                                        <a:srgbClr val="C00000"/>
+                                      </a:solidFill>
+                                      <a:latin typeface="Cambria Math" panose="02040503050406030204" pitchFamily="18" charset="0"/>
+                                    </a:rPr>
+                                    <m:t>𝑥</m:t>
+                                  </m:r>
+                                </m:e>
+                                <m:sub>
+                                  <m:r>
+                                    <a:rPr lang="en-US" sz="3200" i="1">
+                                      <a:solidFill>
+                                        <a:srgbClr val="C00000"/>
+                                      </a:solidFill>
+                                      <a:latin typeface="Cambria Math" panose="02040503050406030204" pitchFamily="18" charset="0"/>
+                                    </a:rPr>
+                                    <m:t>𝑗</m:t>
+                                  </m:r>
+                                </m:sub>
+                              </m:sSub>
+                            </m:e>
+                          </m:d>
+                        </m:e>
+                        <m:sub>
+                          <m:r>
+                            <a:rPr lang="en-US" sz="3200" i="1">
+                              <a:solidFill>
+                                <a:srgbClr val="C00000"/>
+                              </a:solidFill>
+                              <a:latin typeface="Cambria Math" panose="02040503050406030204" pitchFamily="18" charset="0"/>
+                            </a:rPr>
+                            <m:t>2</m:t>
+                          </m:r>
+                        </m:sub>
+                      </m:sSub>
+                    </m:oMath>
+                  </m:oMathPara>
+                </a14:m>
+                <a:endParaRPr lang="en-US" sz="3200" dirty="0"/>
+              </a:p>
+            </p:txBody>
+          </p:sp>
+        </mc:Choice>
+        <mc:Fallback>
+          <p:sp>
+            <p:nvSpPr>
+              <p:cNvPr id="5" name="TextBox 4">
+                <a:extLst>
+                  <a:ext uri="{FF2B5EF4-FFF2-40B4-BE49-F238E27FC236}">
+                    <a16:creationId xmlns:a16="http://schemas.microsoft.com/office/drawing/2014/main" id="{9A86BF21-4066-85A9-EE5C-A10F7B3E73B7}"/>
+                  </a:ext>
+                </a:extLst>
+              </p:cNvPr>
+              <p:cNvSpPr txBox="1">
+                <a:spLocks noRot="1" noChangeAspect="1" noMove="1" noResize="1" noEditPoints="1" noAdjustHandles="1" noChangeArrowheads="1" noChangeShapeType="1" noTextEdit="1"/>
+              </p:cNvSpPr>
+              <p:nvPr/>
+            </p:nvSpPr>
+            <p:spPr>
+              <a:xfrm>
+                <a:off x="566920" y="4552004"/>
+                <a:ext cx="9319931" cy="723724"/>
+              </a:xfrm>
+              <a:prstGeom prst="rect">
+                <a:avLst/>
+              </a:prstGeom>
+              <a:blipFill>
+                <a:blip r:embed="rId4"/>
+                <a:stretch>
+                  <a:fillRect/>
+                </a:stretch>
+              </a:blipFill>
+            </p:spPr>
+            <p:txBody>
+              <a:bodyPr/>
+              <a:lstStyle/>
+              <a:p>
+                <a:r>
+                  <a:rPr lang="en-US">
+                    <a:noFill/>
+                  </a:rPr>
+                  <a:t> </a:t>
+                </a:r>
+              </a:p>
+            </p:txBody>
+          </p:sp>
+        </mc:Fallback>
+      </mc:AlternateContent>
+      <mc:AlternateContent xmlns:mc="http://schemas.openxmlformats.org/markup-compatibility/2006">
+        <mc:Choice xmlns:a14="http://schemas.microsoft.com/office/drawing/2010/main" Requires="a14">
+          <p:sp>
+            <p:nvSpPr>
+              <p:cNvPr id="10" name="TextBox 9">
+                <a:extLst>
+                  <a:ext uri="{FF2B5EF4-FFF2-40B4-BE49-F238E27FC236}">
+                    <a16:creationId xmlns:a16="http://schemas.microsoft.com/office/drawing/2014/main" id="{6BC4B534-C180-B374-0F95-97B1154BFEC3}"/>
+                  </a:ext>
+                </a:extLst>
+              </p:cNvPr>
+              <p:cNvSpPr txBox="1"/>
+              <p:nvPr/>
+            </p:nvSpPr>
+            <p:spPr>
+              <a:xfrm>
+                <a:off x="7270376" y="2598874"/>
+                <a:ext cx="2026024" cy="461665"/>
+              </a:xfrm>
+              <a:prstGeom prst="rect">
+                <a:avLst/>
+              </a:prstGeom>
+              <a:noFill/>
+            </p:spPr>
+            <p:txBody>
+              <a:bodyPr wrap="square">
+                <a:spAutoFit/>
+              </a:bodyPr>
+              <a:lstStyle/>
+              <a:p>
+                <a:pPr/>
+                <a14:m>
+                  <m:oMathPara xmlns:m="http://schemas.openxmlformats.org/officeDocument/2006/math">
+                    <m:oMathParaPr>
+                      <m:jc m:val="centerGroup"/>
+                    </m:oMathParaPr>
+                    <m:oMath xmlns:m="http://schemas.openxmlformats.org/officeDocument/2006/math">
+                      <m:r>
+                        <m:rPr>
+                          <m:sty m:val="p"/>
+                        </m:rPr>
+                        <a:rPr lang="en-US" sz="2400" b="0" i="0" dirty="0" smtClean="0">
+                          <a:solidFill>
+                            <a:srgbClr val="C00000"/>
+                          </a:solidFill>
+                          <a:latin typeface="Cambria Math" panose="02040503050406030204" pitchFamily="18" charset="0"/>
+                        </a:rPr>
+                        <m:t>Π</m:t>
+                      </m:r>
+                    </m:oMath>
+                  </m:oMathPara>
+                </a14:m>
+                <a:endParaRPr lang="en-US" sz="2400" dirty="0"/>
+              </a:p>
+            </p:txBody>
+          </p:sp>
+        </mc:Choice>
+        <mc:Fallback>
+          <p:sp>
+            <p:nvSpPr>
+              <p:cNvPr id="10" name="TextBox 9">
+                <a:extLst>
+                  <a:ext uri="{FF2B5EF4-FFF2-40B4-BE49-F238E27FC236}">
+                    <a16:creationId xmlns:a16="http://schemas.microsoft.com/office/drawing/2014/main" id="{6BC4B534-C180-B374-0F95-97B1154BFEC3}"/>
+                  </a:ext>
+                </a:extLst>
+              </p:cNvPr>
+              <p:cNvSpPr txBox="1">
+                <a:spLocks noRot="1" noChangeAspect="1" noMove="1" noResize="1" noEditPoints="1" noAdjustHandles="1" noChangeArrowheads="1" noChangeShapeType="1" noTextEdit="1"/>
+              </p:cNvSpPr>
+              <p:nvPr/>
+            </p:nvSpPr>
+            <p:spPr>
+              <a:xfrm>
+                <a:off x="7270376" y="2598874"/>
+                <a:ext cx="2026024" cy="461665"/>
+              </a:xfrm>
+              <a:prstGeom prst="rect">
+                <a:avLst/>
+              </a:prstGeom>
+              <a:blipFill>
+                <a:blip r:embed="rId5"/>
+                <a:stretch>
+                  <a:fillRect/>
+                </a:stretch>
+              </a:blipFill>
+            </p:spPr>
+            <p:txBody>
+              <a:bodyPr/>
+              <a:lstStyle/>
+              <a:p>
+                <a:r>
+                  <a:rPr lang="en-US">
+                    <a:noFill/>
+                  </a:rPr>
+                  <a:t> </a:t>
+                </a:r>
+              </a:p>
+            </p:txBody>
+          </p:sp>
+        </mc:Fallback>
+      </mc:AlternateContent>
+      <mc:AlternateContent xmlns:mc="http://schemas.openxmlformats.org/markup-compatibility/2006">
+        <mc:Choice xmlns:a14="http://schemas.microsoft.com/office/drawing/2010/main" Requires="a14">
+          <p:sp>
+            <p:nvSpPr>
+              <p:cNvPr id="11" name="TextBox 10">
+                <a:extLst>
+                  <a:ext uri="{FF2B5EF4-FFF2-40B4-BE49-F238E27FC236}">
+                    <a16:creationId xmlns:a16="http://schemas.microsoft.com/office/drawing/2014/main" id="{5C9B2764-6B75-601D-8245-0BFDC2B6F833}"/>
+                  </a:ext>
+                </a:extLst>
+              </p:cNvPr>
+              <p:cNvSpPr txBox="1"/>
+              <p:nvPr/>
+            </p:nvSpPr>
+            <p:spPr>
+              <a:xfrm>
+                <a:off x="9393710" y="3511685"/>
+                <a:ext cx="2026024" cy="461665"/>
+              </a:xfrm>
+              <a:prstGeom prst="rect">
+                <a:avLst/>
+              </a:prstGeom>
+              <a:noFill/>
+            </p:spPr>
+            <p:txBody>
+              <a:bodyPr wrap="square">
+                <a:spAutoFit/>
+              </a:bodyPr>
+              <a:lstStyle/>
+              <a:p>
+                <a:pPr/>
+                <a14:m>
+                  <m:oMathPara xmlns:m="http://schemas.openxmlformats.org/officeDocument/2006/math">
+                    <m:oMathParaPr>
+                      <m:jc m:val="centerGroup"/>
+                    </m:oMathParaPr>
+                    <m:oMath xmlns:m="http://schemas.openxmlformats.org/officeDocument/2006/math">
+                      <m:sSub>
+                        <m:sSubPr>
+                          <m:ctrlPr>
+                            <a:rPr lang="en-US" sz="2400" b="0" i="1" dirty="0" smtClean="0">
+                              <a:solidFill>
+                                <a:srgbClr val="C00000"/>
+                              </a:solidFill>
+                              <a:latin typeface="Cambria Math" panose="02040503050406030204" pitchFamily="18" charset="0"/>
+                            </a:rPr>
+                          </m:ctrlPr>
+                        </m:sSubPr>
+                        <m:e>
+                          <m:r>
+                            <a:rPr lang="en-US" sz="2400" b="0" i="1" dirty="0" smtClean="0">
+                              <a:solidFill>
+                                <a:srgbClr val="C00000"/>
+                              </a:solidFill>
+                              <a:latin typeface="Cambria Math" panose="02040503050406030204" pitchFamily="18" charset="0"/>
+                            </a:rPr>
+                            <m:t>𝑥</m:t>
+                          </m:r>
+                        </m:e>
+                        <m:sub>
+                          <m:r>
+                            <a:rPr lang="en-US" sz="2400" b="0" i="1" dirty="0" smtClean="0">
+                              <a:solidFill>
+                                <a:srgbClr val="C00000"/>
+                              </a:solidFill>
+                              <a:latin typeface="Cambria Math" panose="02040503050406030204" pitchFamily="18" charset="0"/>
+                            </a:rPr>
+                            <m:t>𝑖</m:t>
+                          </m:r>
+                        </m:sub>
+                      </m:sSub>
+                    </m:oMath>
+                  </m:oMathPara>
+                </a14:m>
+                <a:endParaRPr lang="en-US" sz="2400" i="1" dirty="0"/>
+              </a:p>
+            </p:txBody>
+          </p:sp>
+        </mc:Choice>
+        <mc:Fallback>
+          <p:sp>
+            <p:nvSpPr>
+              <p:cNvPr id="11" name="TextBox 10">
+                <a:extLst>
+                  <a:ext uri="{FF2B5EF4-FFF2-40B4-BE49-F238E27FC236}">
+                    <a16:creationId xmlns:a16="http://schemas.microsoft.com/office/drawing/2014/main" id="{5C9B2764-6B75-601D-8245-0BFDC2B6F833}"/>
+                  </a:ext>
+                </a:extLst>
+              </p:cNvPr>
+              <p:cNvSpPr txBox="1">
+                <a:spLocks noRot="1" noChangeAspect="1" noMove="1" noResize="1" noEditPoints="1" noAdjustHandles="1" noChangeArrowheads="1" noChangeShapeType="1" noTextEdit="1"/>
+              </p:cNvSpPr>
+              <p:nvPr/>
+            </p:nvSpPr>
+            <p:spPr>
+              <a:xfrm>
+                <a:off x="9393710" y="3511685"/>
+                <a:ext cx="2026024" cy="461665"/>
+              </a:xfrm>
+              <a:prstGeom prst="rect">
+                <a:avLst/>
+              </a:prstGeom>
+              <a:blipFill>
+                <a:blip r:embed="rId6"/>
+                <a:stretch>
+                  <a:fillRect b="-2632"/>
+                </a:stretch>
+              </a:blipFill>
+            </p:spPr>
+            <p:txBody>
+              <a:bodyPr/>
+              <a:lstStyle/>
+              <a:p>
+                <a:r>
+                  <a:rPr lang="en-US">
+                    <a:noFill/>
+                  </a:rPr>
+                  <a:t> </a:t>
+                </a:r>
+              </a:p>
+            </p:txBody>
+          </p:sp>
+        </mc:Fallback>
+      </mc:AlternateContent>
+      <mc:AlternateContent xmlns:mc="http://schemas.openxmlformats.org/markup-compatibility/2006">
+        <mc:Choice xmlns:a14="http://schemas.microsoft.com/office/drawing/2010/main" Requires="a14">
+          <p:sp>
+            <p:nvSpPr>
+              <p:cNvPr id="13" name="TextBox 12">
+                <a:extLst>
+                  <a:ext uri="{FF2B5EF4-FFF2-40B4-BE49-F238E27FC236}">
+                    <a16:creationId xmlns:a16="http://schemas.microsoft.com/office/drawing/2014/main" id="{9F143674-777D-F23D-F46F-09FF661D9F67}"/>
+                  </a:ext>
+                </a:extLst>
+              </p:cNvPr>
+              <p:cNvSpPr txBox="1"/>
+              <p:nvPr/>
+            </p:nvSpPr>
+            <p:spPr>
+              <a:xfrm>
+                <a:off x="10361346" y="2234167"/>
+                <a:ext cx="2147291" cy="461665"/>
+              </a:xfrm>
+              <a:prstGeom prst="rect">
+                <a:avLst/>
+              </a:prstGeom>
+              <a:noFill/>
+            </p:spPr>
+            <p:txBody>
+              <a:bodyPr wrap="square">
+                <a:spAutoFit/>
+              </a:bodyPr>
+              <a:lstStyle/>
+              <a:p>
+                <a:pPr/>
+                <a14:m>
+                  <m:oMathPara xmlns:m="http://schemas.openxmlformats.org/officeDocument/2006/math">
+                    <m:oMathParaPr>
+                      <m:jc m:val="centerGroup"/>
+                    </m:oMathParaPr>
+                    <m:oMath xmlns:m="http://schemas.openxmlformats.org/officeDocument/2006/math">
+                      <m:sSub>
+                        <m:sSubPr>
+                          <m:ctrlPr>
+                            <a:rPr lang="en-US" sz="2400" i="1" smtClean="0">
+                              <a:solidFill>
+                                <a:schemeClr val="accent1"/>
+                              </a:solidFill>
+                              <a:latin typeface="Cambria Math" panose="02040503050406030204" pitchFamily="18" charset="0"/>
+                            </a:rPr>
+                          </m:ctrlPr>
+                        </m:sSubPr>
+                        <m:e>
+                          <m:r>
+                            <a:rPr lang="en-US" sz="2400" b="0" i="1" smtClean="0">
+                              <a:solidFill>
+                                <a:schemeClr val="accent1"/>
+                              </a:solidFill>
+                              <a:latin typeface="Cambria Math" panose="02040503050406030204" pitchFamily="18" charset="0"/>
+                            </a:rPr>
+                            <m:t>𝑦</m:t>
+                          </m:r>
+                        </m:e>
+                        <m:sub>
+                          <m:r>
+                            <a:rPr lang="en-US" sz="2400" i="1">
+                              <a:solidFill>
+                                <a:schemeClr val="accent1"/>
+                              </a:solidFill>
+                              <a:latin typeface="Cambria Math" panose="02040503050406030204" pitchFamily="18" charset="0"/>
+                            </a:rPr>
+                            <m:t>𝑖</m:t>
+                          </m:r>
+                        </m:sub>
+                      </m:sSub>
+                    </m:oMath>
+                  </m:oMathPara>
+                </a14:m>
+                <a:endParaRPr lang="en-US" sz="2400" dirty="0"/>
+              </a:p>
+            </p:txBody>
+          </p:sp>
+        </mc:Choice>
+        <mc:Fallback>
+          <p:sp>
+            <p:nvSpPr>
+              <p:cNvPr id="13" name="TextBox 12">
+                <a:extLst>
+                  <a:ext uri="{FF2B5EF4-FFF2-40B4-BE49-F238E27FC236}">
+                    <a16:creationId xmlns:a16="http://schemas.microsoft.com/office/drawing/2014/main" id="{9F143674-777D-F23D-F46F-09FF661D9F67}"/>
+                  </a:ext>
+                </a:extLst>
+              </p:cNvPr>
+              <p:cNvSpPr txBox="1">
+                <a:spLocks noRot="1" noChangeAspect="1" noMove="1" noResize="1" noEditPoints="1" noAdjustHandles="1" noChangeArrowheads="1" noChangeShapeType="1" noTextEdit="1"/>
+              </p:cNvSpPr>
+              <p:nvPr/>
+            </p:nvSpPr>
+            <p:spPr>
+              <a:xfrm>
+                <a:off x="10361346" y="2234167"/>
+                <a:ext cx="2147291" cy="461665"/>
+              </a:xfrm>
+              <a:prstGeom prst="rect">
+                <a:avLst/>
+              </a:prstGeom>
+              <a:blipFill>
+                <a:blip r:embed="rId7"/>
+                <a:stretch>
+                  <a:fillRect b="-10526"/>
+                </a:stretch>
+              </a:blipFill>
+            </p:spPr>
+            <p:txBody>
+              <a:bodyPr/>
+              <a:lstStyle/>
+              <a:p>
+                <a:r>
+                  <a:rPr lang="en-US">
+                    <a:noFill/>
+                  </a:rPr>
+                  <a:t> </a:t>
+                </a:r>
+              </a:p>
+            </p:txBody>
+          </p:sp>
+        </mc:Fallback>
+      </mc:AlternateContent>
+      <mc:AlternateContent xmlns:mc="http://schemas.openxmlformats.org/markup-compatibility/2006">
+        <mc:Choice xmlns:a14="http://schemas.microsoft.com/office/drawing/2010/main" Requires="a14">
+          <p:sp>
+            <p:nvSpPr>
+              <p:cNvPr id="16" name="TextBox 15">
+                <a:extLst>
+                  <a:ext uri="{FF2B5EF4-FFF2-40B4-BE49-F238E27FC236}">
+                    <a16:creationId xmlns:a16="http://schemas.microsoft.com/office/drawing/2014/main" id="{50D2E853-31D2-33A7-E5E4-D011CE9DF8BB}"/>
+                  </a:ext>
+                </a:extLst>
+              </p:cNvPr>
+              <p:cNvSpPr txBox="1"/>
+              <p:nvPr/>
+            </p:nvSpPr>
+            <p:spPr>
+              <a:xfrm>
+                <a:off x="7337655" y="3391963"/>
+                <a:ext cx="2208455" cy="645048"/>
+              </a:xfrm>
+              <a:prstGeom prst="rect">
+                <a:avLst/>
+              </a:prstGeom>
+              <a:noFill/>
+            </p:spPr>
+            <p:txBody>
+              <a:bodyPr wrap="square">
+                <a:spAutoFit/>
+              </a:bodyPr>
+              <a:lstStyle/>
+              <a:p>
+                <a14:m>
+                  <m:oMath xmlns:m="http://schemas.openxmlformats.org/officeDocument/2006/math">
+                    <m:r>
+                      <a:rPr lang="en-US" sz="2400" i="1" dirty="0" smtClean="0">
+                        <a:solidFill>
+                          <a:srgbClr val="C00000"/>
+                        </a:solidFill>
+                        <a:latin typeface="Cambria Math" panose="02040503050406030204" pitchFamily="18" charset="0"/>
+                      </a:rPr>
+                      <m:t>𝑚</m:t>
+                    </m:r>
+                    <m:r>
+                      <a:rPr lang="en-US" sz="2400" dirty="0">
+                        <a:solidFill>
+                          <a:srgbClr val="C00000"/>
+                        </a:solidFill>
+                        <a:latin typeface="Cambria Math" panose="02040503050406030204" pitchFamily="18" charset="0"/>
+                      </a:rPr>
+                      <m:t>=</m:t>
+                    </m:r>
+                    <m:r>
+                      <a:rPr lang="en-US" sz="2400" b="0" i="1" dirty="0" smtClean="0">
+                        <a:solidFill>
+                          <a:srgbClr val="C00000"/>
+                        </a:solidFill>
+                        <a:latin typeface="Cambria Math" panose="02040503050406030204" pitchFamily="18" charset="0"/>
+                      </a:rPr>
+                      <m:t>𝑂</m:t>
+                    </m:r>
+                    <m:d>
+                      <m:dPr>
+                        <m:ctrlPr>
+                          <a:rPr lang="en-US" sz="2400" i="1" dirty="0">
+                            <a:solidFill>
+                              <a:srgbClr val="C00000"/>
+                            </a:solidFill>
+                            <a:latin typeface="Cambria Math" panose="02040503050406030204" pitchFamily="18" charset="0"/>
+                          </a:rPr>
+                        </m:ctrlPr>
+                      </m:dPr>
+                      <m:e>
+                        <m:f>
+                          <m:fPr>
+                            <m:ctrlPr>
+                              <a:rPr lang="en-US" sz="2400" i="1" dirty="0">
+                                <a:solidFill>
+                                  <a:srgbClr val="C00000"/>
+                                </a:solidFill>
+                                <a:latin typeface="Cambria Math" panose="02040503050406030204" pitchFamily="18" charset="0"/>
+                              </a:rPr>
+                            </m:ctrlPr>
+                          </m:fPr>
+                          <m:num>
+                            <m:func>
+                              <m:funcPr>
+                                <m:ctrlPr>
+                                  <a:rPr lang="en-US" sz="2400" i="1" dirty="0">
+                                    <a:solidFill>
+                                      <a:srgbClr val="C00000"/>
+                                    </a:solidFill>
+                                    <a:latin typeface="Cambria Math" panose="02040503050406030204" pitchFamily="18" charset="0"/>
+                                  </a:rPr>
+                                </m:ctrlPr>
+                              </m:funcPr>
+                              <m:fName>
+                                <m:r>
+                                  <m:rPr>
+                                    <m:sty m:val="p"/>
+                                  </m:rPr>
+                                  <a:rPr lang="en-US" sz="2400" dirty="0">
+                                    <a:solidFill>
+                                      <a:srgbClr val="C00000"/>
+                                    </a:solidFill>
+                                    <a:latin typeface="Cambria Math" panose="02040503050406030204" pitchFamily="18" charset="0"/>
+                                  </a:rPr>
+                                  <m:t>log</m:t>
+                                </m:r>
+                              </m:fName>
+                              <m:e>
+                                <m:r>
+                                  <a:rPr lang="en-US" sz="2400" i="1" dirty="0">
+                                    <a:solidFill>
+                                      <a:srgbClr val="C00000"/>
+                                    </a:solidFill>
+                                    <a:latin typeface="Cambria Math" panose="02040503050406030204" pitchFamily="18" charset="0"/>
+                                  </a:rPr>
+                                  <m:t>𝑛</m:t>
+                                </m:r>
+                              </m:e>
+                            </m:func>
+                          </m:num>
+                          <m:den>
+                            <m:sSup>
+                              <m:sSupPr>
+                                <m:ctrlPr>
+                                  <a:rPr lang="en-US" sz="2400" i="1" dirty="0">
+                                    <a:solidFill>
+                                      <a:srgbClr val="C00000"/>
+                                    </a:solidFill>
+                                    <a:latin typeface="Cambria Math" panose="02040503050406030204" pitchFamily="18" charset="0"/>
+                                  </a:rPr>
+                                </m:ctrlPr>
+                              </m:sSupPr>
+                              <m:e>
+                                <m:r>
+                                  <a:rPr lang="en-US" sz="2400" i="1" dirty="0">
+                                    <a:solidFill>
+                                      <a:srgbClr val="C00000"/>
+                                    </a:solidFill>
+                                    <a:latin typeface="Cambria Math" panose="02040503050406030204" pitchFamily="18" charset="0"/>
+                                  </a:rPr>
+                                  <m:t>𝜀</m:t>
+                                </m:r>
+                              </m:e>
+                              <m:sup>
+                                <m:r>
+                                  <a:rPr lang="en-US" sz="2400" i="1" dirty="0">
+                                    <a:solidFill>
+                                      <a:srgbClr val="C00000"/>
+                                    </a:solidFill>
+                                    <a:latin typeface="Cambria Math" panose="02040503050406030204" pitchFamily="18" charset="0"/>
+                                  </a:rPr>
+                                  <m:t>2</m:t>
+                                </m:r>
+                              </m:sup>
+                            </m:sSup>
+                          </m:den>
+                        </m:f>
+                      </m:e>
+                    </m:d>
+                  </m:oMath>
+                </a14:m>
+                <a:r>
+                  <a:rPr lang="en-US" sz="2400" dirty="0"/>
+                  <a:t> </a:t>
+                </a:r>
+              </a:p>
+            </p:txBody>
+          </p:sp>
+        </mc:Choice>
+        <mc:Fallback>
+          <p:sp>
+            <p:nvSpPr>
+              <p:cNvPr id="16" name="TextBox 15">
+                <a:extLst>
+                  <a:ext uri="{FF2B5EF4-FFF2-40B4-BE49-F238E27FC236}">
+                    <a16:creationId xmlns:a16="http://schemas.microsoft.com/office/drawing/2014/main" id="{50D2E853-31D2-33A7-E5E4-D011CE9DF8BB}"/>
+                  </a:ext>
+                </a:extLst>
+              </p:cNvPr>
+              <p:cNvSpPr txBox="1">
+                <a:spLocks noRot="1" noChangeAspect="1" noMove="1" noResize="1" noEditPoints="1" noAdjustHandles="1" noChangeArrowheads="1" noChangeShapeType="1" noTextEdit="1"/>
+              </p:cNvSpPr>
+              <p:nvPr/>
+            </p:nvSpPr>
+            <p:spPr>
+              <a:xfrm>
+                <a:off x="7337655" y="3391963"/>
+                <a:ext cx="2208455" cy="645048"/>
+              </a:xfrm>
+              <a:prstGeom prst="rect">
+                <a:avLst/>
+              </a:prstGeom>
+              <a:blipFill>
+                <a:blip r:embed="rId8"/>
+                <a:stretch>
+                  <a:fillRect/>
+                </a:stretch>
+              </a:blipFill>
+            </p:spPr>
+            <p:txBody>
+              <a:bodyPr/>
+              <a:lstStyle/>
+              <a:p>
+                <a:r>
+                  <a:rPr lang="en-US">
+                    <a:noFill/>
+                  </a:rPr>
+                  <a:t> </a:t>
+                </a:r>
+              </a:p>
+            </p:txBody>
+          </p:sp>
+        </mc:Fallback>
+      </mc:AlternateContent>
+      <mc:AlternateContent xmlns:mc="http://schemas.openxmlformats.org/markup-compatibility/2006">
+        <mc:Choice xmlns:a14="http://schemas.microsoft.com/office/drawing/2010/main" Requires="a14">
+          <p:sp>
+            <p:nvSpPr>
+              <p:cNvPr id="18" name="TextBox 17">
+                <a:extLst>
+                  <a:ext uri="{FF2B5EF4-FFF2-40B4-BE49-F238E27FC236}">
+                    <a16:creationId xmlns:a16="http://schemas.microsoft.com/office/drawing/2014/main" id="{34634FE9-0DC2-E0CE-17C3-04315D3B65F8}"/>
+                  </a:ext>
+                </a:extLst>
+              </p:cNvPr>
+              <p:cNvSpPr txBox="1"/>
+              <p:nvPr/>
+            </p:nvSpPr>
+            <p:spPr>
+              <a:xfrm>
+                <a:off x="7615858" y="1395197"/>
+                <a:ext cx="1652048" cy="468205"/>
+              </a:xfrm>
+              <a:prstGeom prst="rect">
+                <a:avLst/>
+              </a:prstGeom>
+              <a:noFill/>
+            </p:spPr>
+            <p:txBody>
+              <a:bodyPr wrap="square">
+                <a:spAutoFit/>
+              </a:bodyPr>
+              <a:lstStyle/>
+              <a:p>
+                <a:pPr/>
+                <a14:m>
+                  <m:oMathPara xmlns:m="http://schemas.openxmlformats.org/officeDocument/2006/math">
+                    <m:oMathParaPr>
+                      <m:jc m:val="centerGroup"/>
+                    </m:oMathParaPr>
+                    <m:oMath xmlns:m="http://schemas.openxmlformats.org/officeDocument/2006/math">
+                      <m:sSup>
+                        <m:sSupPr>
+                          <m:ctrlPr>
+                            <a:rPr lang="en-US" sz="2400" b="0" i="1" dirty="0" smtClean="0">
+                              <a:solidFill>
+                                <a:srgbClr val="C00000"/>
+                              </a:solidFill>
+                              <a:latin typeface="Cambria Math" panose="02040503050406030204" pitchFamily="18" charset="0"/>
+                            </a:rPr>
+                          </m:ctrlPr>
+                        </m:sSupPr>
+                        <m:e>
+                          <m:r>
+                            <a:rPr lang="en-US" sz="2400" b="0" i="1" dirty="0" smtClean="0">
+                              <a:solidFill>
+                                <a:srgbClr val="C00000"/>
+                              </a:solidFill>
+                              <a:latin typeface="Cambria Math" panose="02040503050406030204" pitchFamily="18" charset="0"/>
+                            </a:rPr>
+                            <m:t>𝑅</m:t>
+                          </m:r>
+                        </m:e>
+                        <m:sup>
+                          <m:r>
+                            <a:rPr lang="en-US" sz="2400" b="0" i="1" dirty="0" smtClean="0">
+                              <a:solidFill>
+                                <a:srgbClr val="C00000"/>
+                              </a:solidFill>
+                              <a:latin typeface="Cambria Math" panose="02040503050406030204" pitchFamily="18" charset="0"/>
+                            </a:rPr>
+                            <m:t>𝑚</m:t>
+                          </m:r>
+                          <m:r>
+                            <a:rPr lang="en-US" sz="2400" b="0" i="1" dirty="0" smtClean="0">
+                              <a:solidFill>
+                                <a:srgbClr val="C00000"/>
+                              </a:solidFill>
+                              <a:latin typeface="Cambria Math" panose="02040503050406030204" pitchFamily="18" charset="0"/>
+                            </a:rPr>
+                            <m:t>×</m:t>
+                          </m:r>
+                          <m:r>
+                            <a:rPr lang="en-US" sz="2400" b="0" i="1" dirty="0" smtClean="0">
+                              <a:solidFill>
+                                <a:srgbClr val="C00000"/>
+                              </a:solidFill>
+                              <a:latin typeface="Cambria Math" panose="02040503050406030204" pitchFamily="18" charset="0"/>
+                            </a:rPr>
+                            <m:t>𝑑</m:t>
+                          </m:r>
+                        </m:sup>
+                      </m:sSup>
+                    </m:oMath>
+                  </m:oMathPara>
+                </a14:m>
+                <a:endParaRPr lang="en-US" sz="2400" dirty="0"/>
+              </a:p>
+            </p:txBody>
+          </p:sp>
+        </mc:Choice>
+        <mc:Fallback>
+          <p:sp>
+            <p:nvSpPr>
+              <p:cNvPr id="18" name="TextBox 17">
+                <a:extLst>
+                  <a:ext uri="{FF2B5EF4-FFF2-40B4-BE49-F238E27FC236}">
+                    <a16:creationId xmlns:a16="http://schemas.microsoft.com/office/drawing/2014/main" id="{34634FE9-0DC2-E0CE-17C3-04315D3B65F8}"/>
+                  </a:ext>
+                </a:extLst>
+              </p:cNvPr>
+              <p:cNvSpPr txBox="1">
+                <a:spLocks noRot="1" noChangeAspect="1" noMove="1" noResize="1" noEditPoints="1" noAdjustHandles="1" noChangeArrowheads="1" noChangeShapeType="1" noTextEdit="1"/>
+              </p:cNvSpPr>
+              <p:nvPr/>
+            </p:nvSpPr>
+            <p:spPr>
+              <a:xfrm>
+                <a:off x="7615858" y="1395197"/>
+                <a:ext cx="1652048" cy="468205"/>
+              </a:xfrm>
+              <a:prstGeom prst="rect">
+                <a:avLst/>
+              </a:prstGeom>
+              <a:blipFill>
+                <a:blip r:embed="rId9"/>
+                <a:stretch>
+                  <a:fillRect/>
+                </a:stretch>
+              </a:blipFill>
+            </p:spPr>
+            <p:txBody>
+              <a:bodyPr/>
+              <a:lstStyle/>
+              <a:p>
+                <a:r>
+                  <a:rPr lang="en-US">
+                    <a:noFill/>
+                  </a:rPr>
+                  <a:t> </a:t>
+                </a:r>
+              </a:p>
+            </p:txBody>
+          </p:sp>
+        </mc:Fallback>
+      </mc:AlternateContent>
+      <mc:AlternateContent xmlns:mc="http://schemas.openxmlformats.org/markup-compatibility/2006">
+        <mc:Choice xmlns:a14="http://schemas.microsoft.com/office/drawing/2010/main" Requires="a14">
+          <p:sp>
+            <p:nvSpPr>
+              <p:cNvPr id="19" name="TextBox 18">
+                <a:extLst>
+                  <a:ext uri="{FF2B5EF4-FFF2-40B4-BE49-F238E27FC236}">
+                    <a16:creationId xmlns:a16="http://schemas.microsoft.com/office/drawing/2014/main" id="{3E08B2CA-8B1F-68A1-2270-EC07A8067823}"/>
+                  </a:ext>
+                </a:extLst>
+              </p:cNvPr>
+              <p:cNvSpPr txBox="1"/>
+              <p:nvPr/>
+            </p:nvSpPr>
+            <p:spPr>
+              <a:xfrm>
+                <a:off x="9714025" y="1389866"/>
+                <a:ext cx="1652048" cy="468205"/>
+              </a:xfrm>
+              <a:prstGeom prst="rect">
+                <a:avLst/>
+              </a:prstGeom>
+              <a:noFill/>
+            </p:spPr>
+            <p:txBody>
+              <a:bodyPr wrap="square">
+                <a:spAutoFit/>
+              </a:bodyPr>
+              <a:lstStyle/>
+              <a:p>
+                <a:pPr/>
+                <a14:m>
+                  <m:oMathPara xmlns:m="http://schemas.openxmlformats.org/officeDocument/2006/math">
+                    <m:oMathParaPr>
+                      <m:jc m:val="centerGroup"/>
+                    </m:oMathParaPr>
+                    <m:oMath xmlns:m="http://schemas.openxmlformats.org/officeDocument/2006/math">
+                      <m:sSup>
+                        <m:sSupPr>
+                          <m:ctrlPr>
+                            <a:rPr lang="en-US" sz="2400" b="0" i="1" dirty="0" smtClean="0">
+                              <a:solidFill>
+                                <a:srgbClr val="C00000"/>
+                              </a:solidFill>
+                              <a:latin typeface="Cambria Math" panose="02040503050406030204" pitchFamily="18" charset="0"/>
+                            </a:rPr>
+                          </m:ctrlPr>
+                        </m:sSupPr>
+                        <m:e>
+                          <m:r>
+                            <a:rPr lang="en-US" sz="2400" b="0" i="1" dirty="0" smtClean="0">
+                              <a:solidFill>
+                                <a:srgbClr val="C00000"/>
+                              </a:solidFill>
+                              <a:latin typeface="Cambria Math" panose="02040503050406030204" pitchFamily="18" charset="0"/>
+                            </a:rPr>
+                            <m:t>𝑅</m:t>
+                          </m:r>
+                        </m:e>
+                        <m:sup>
+                          <m:r>
+                            <a:rPr lang="en-US" sz="2400" b="0" i="1" dirty="0" smtClean="0">
+                              <a:solidFill>
+                                <a:srgbClr val="C00000"/>
+                              </a:solidFill>
+                              <a:latin typeface="Cambria Math" panose="02040503050406030204" pitchFamily="18" charset="0"/>
+                            </a:rPr>
+                            <m:t>𝑑</m:t>
+                          </m:r>
+                        </m:sup>
+                      </m:sSup>
+                    </m:oMath>
+                  </m:oMathPara>
+                </a14:m>
+                <a:endParaRPr lang="en-US" sz="2400" dirty="0"/>
+              </a:p>
+            </p:txBody>
+          </p:sp>
+        </mc:Choice>
+        <mc:Fallback>
+          <p:sp>
+            <p:nvSpPr>
+              <p:cNvPr id="19" name="TextBox 18">
+                <a:extLst>
+                  <a:ext uri="{FF2B5EF4-FFF2-40B4-BE49-F238E27FC236}">
+                    <a16:creationId xmlns:a16="http://schemas.microsoft.com/office/drawing/2014/main" id="{3E08B2CA-8B1F-68A1-2270-EC07A8067823}"/>
+                  </a:ext>
+                </a:extLst>
+              </p:cNvPr>
+              <p:cNvSpPr txBox="1">
+                <a:spLocks noRot="1" noChangeAspect="1" noMove="1" noResize="1" noEditPoints="1" noAdjustHandles="1" noChangeArrowheads="1" noChangeShapeType="1" noTextEdit="1"/>
+              </p:cNvSpPr>
+              <p:nvPr/>
+            </p:nvSpPr>
+            <p:spPr>
+              <a:xfrm>
+                <a:off x="9714025" y="1389866"/>
+                <a:ext cx="1652048" cy="468205"/>
+              </a:xfrm>
+              <a:prstGeom prst="rect">
+                <a:avLst/>
+              </a:prstGeom>
+              <a:blipFill>
+                <a:blip r:embed="rId10"/>
+                <a:stretch>
+                  <a:fillRect/>
+                </a:stretch>
+              </a:blipFill>
+            </p:spPr>
+            <p:txBody>
+              <a:bodyPr/>
+              <a:lstStyle/>
+              <a:p>
+                <a:r>
+                  <a:rPr lang="en-US">
+                    <a:noFill/>
+                  </a:rPr>
+                  <a:t> </a:t>
+                </a:r>
+              </a:p>
+            </p:txBody>
+          </p:sp>
+        </mc:Fallback>
+      </mc:AlternateContent>
+      <mc:AlternateContent xmlns:mc="http://schemas.openxmlformats.org/markup-compatibility/2006">
+        <mc:Choice xmlns:a14="http://schemas.microsoft.com/office/drawing/2010/main" Requires="a14">
+          <p:sp>
+            <p:nvSpPr>
+              <p:cNvPr id="20" name="TextBox 19">
+                <a:extLst>
+                  <a:ext uri="{FF2B5EF4-FFF2-40B4-BE49-F238E27FC236}">
+                    <a16:creationId xmlns:a16="http://schemas.microsoft.com/office/drawing/2014/main" id="{AA3E0CA2-1DB1-6E74-A65F-F97489BD9699}"/>
+                  </a:ext>
+                </a:extLst>
+              </p:cNvPr>
+              <p:cNvSpPr txBox="1"/>
+              <p:nvPr/>
+            </p:nvSpPr>
+            <p:spPr>
+              <a:xfrm>
+                <a:off x="10606263" y="1389866"/>
+                <a:ext cx="1652048" cy="468205"/>
+              </a:xfrm>
+              <a:prstGeom prst="rect">
+                <a:avLst/>
+              </a:prstGeom>
+              <a:noFill/>
+            </p:spPr>
+            <p:txBody>
+              <a:bodyPr wrap="square">
+                <a:spAutoFit/>
+              </a:bodyPr>
+              <a:lstStyle/>
+              <a:p>
+                <a:pPr/>
+                <a14:m>
+                  <m:oMathPara xmlns:m="http://schemas.openxmlformats.org/officeDocument/2006/math">
+                    <m:oMathParaPr>
+                      <m:jc m:val="centerGroup"/>
+                    </m:oMathParaPr>
+                    <m:oMath xmlns:m="http://schemas.openxmlformats.org/officeDocument/2006/math">
+                      <m:sSup>
+                        <m:sSupPr>
+                          <m:ctrlPr>
+                            <a:rPr lang="en-US" sz="2400" b="0" i="1" dirty="0" smtClean="0">
+                              <a:solidFill>
+                                <a:srgbClr val="C00000"/>
+                              </a:solidFill>
+                              <a:latin typeface="Cambria Math" panose="02040503050406030204" pitchFamily="18" charset="0"/>
+                            </a:rPr>
+                          </m:ctrlPr>
+                        </m:sSupPr>
+                        <m:e>
+                          <m:r>
+                            <a:rPr lang="en-US" sz="2400" b="0" i="1" dirty="0" smtClean="0">
+                              <a:solidFill>
+                                <a:srgbClr val="C00000"/>
+                              </a:solidFill>
+                              <a:latin typeface="Cambria Math" panose="02040503050406030204" pitchFamily="18" charset="0"/>
+                            </a:rPr>
+                            <m:t>𝑅</m:t>
+                          </m:r>
+                        </m:e>
+                        <m:sup>
+                          <m:r>
+                            <a:rPr lang="en-US" sz="2400" b="0" i="1" dirty="0" smtClean="0">
+                              <a:solidFill>
+                                <a:srgbClr val="C00000"/>
+                              </a:solidFill>
+                              <a:latin typeface="Cambria Math" panose="02040503050406030204" pitchFamily="18" charset="0"/>
+                            </a:rPr>
+                            <m:t>𝑚</m:t>
+                          </m:r>
+                        </m:sup>
+                      </m:sSup>
+                    </m:oMath>
+                  </m:oMathPara>
+                </a14:m>
+                <a:endParaRPr lang="en-US" sz="2400" dirty="0"/>
+              </a:p>
+            </p:txBody>
+          </p:sp>
+        </mc:Choice>
+        <mc:Fallback>
+          <p:sp>
+            <p:nvSpPr>
+              <p:cNvPr id="20" name="TextBox 19">
+                <a:extLst>
+                  <a:ext uri="{FF2B5EF4-FFF2-40B4-BE49-F238E27FC236}">
+                    <a16:creationId xmlns:a16="http://schemas.microsoft.com/office/drawing/2014/main" id="{AA3E0CA2-1DB1-6E74-A65F-F97489BD9699}"/>
+                  </a:ext>
+                </a:extLst>
+              </p:cNvPr>
+              <p:cNvSpPr txBox="1">
+                <a:spLocks noRot="1" noChangeAspect="1" noMove="1" noResize="1" noEditPoints="1" noAdjustHandles="1" noChangeArrowheads="1" noChangeShapeType="1" noTextEdit="1"/>
+              </p:cNvSpPr>
+              <p:nvPr/>
+            </p:nvSpPr>
+            <p:spPr>
+              <a:xfrm>
+                <a:off x="10606263" y="1389866"/>
+                <a:ext cx="1652048" cy="468205"/>
+              </a:xfrm>
+              <a:prstGeom prst="rect">
+                <a:avLst/>
+              </a:prstGeom>
+              <a:blipFill>
+                <a:blip r:embed="rId11"/>
+                <a:stretch>
+                  <a:fillRect/>
+                </a:stretch>
+              </a:blipFill>
+            </p:spPr>
+            <p:txBody>
+              <a:bodyPr/>
+              <a:lstStyle/>
+              <a:p>
+                <a:r>
+                  <a:rPr lang="en-US">
+                    <a:noFill/>
+                  </a:rPr>
+                  <a:t> </a:t>
+                </a:r>
+              </a:p>
+            </p:txBody>
+          </p:sp>
+        </mc:Fallback>
+      </mc:AlternateContent>
+    </p:spTree>
+    <p:extLst>
+      <p:ext uri="{BB962C8B-B14F-4D97-AF65-F5344CB8AC3E}">
+        <p14:creationId xmlns:p14="http://schemas.microsoft.com/office/powerpoint/2010/main" val="124221713"/>
+      </p:ext>
+    </p:extLst>
+  </p:cSld>
+  <p:clrMapOvr>
+    <a:masterClrMapping/>
+  </p:clrMapOvr>
+</p:sld>
+</file>
+
+<file path=ppt/slides/slide48.xml><?xml version="1.0" encoding="utf-8"?>
+<p:sld xmlns:a="http://schemas.openxmlformats.org/drawingml/2006/main" xmlns:r="http://schemas.openxmlformats.org/officeDocument/2006/relationships" xmlns:p="http://schemas.openxmlformats.org/presentationml/2006/main">
+  <p:cSld>
+    <p:spTree>
+      <p:nvGrpSpPr>
+        <p:cNvPr id="1" name=""/>
+        <p:cNvGrpSpPr/>
+        <p:nvPr/>
+      </p:nvGrpSpPr>
+      <p:grpSpPr>
+        <a:xfrm>
+          <a:off x="0" y="0"/>
+          <a:ext cx="0" cy="0"/>
+          <a:chOff x="0" y="0"/>
+          <a:chExt cx="0" cy="0"/>
+        </a:xfrm>
+      </p:grpSpPr>
+      <p:sp>
+        <p:nvSpPr>
+          <p:cNvPr id="2" name="Title 1">
+            <a:extLst>
+              <a:ext uri="{FF2B5EF4-FFF2-40B4-BE49-F238E27FC236}">
+                <a16:creationId xmlns:a16="http://schemas.microsoft.com/office/drawing/2014/main" id="{FCA5AC62-A5FD-2A5B-018F-859A378AA1D4}"/>
+              </a:ext>
+            </a:extLst>
+          </p:cNvPr>
+          <p:cNvSpPr>
+            <a:spLocks noGrp="1"/>
+          </p:cNvSpPr>
+          <p:nvPr>
+            <p:ph type="title"/>
+          </p:nvPr>
+        </p:nvSpPr>
+        <p:spPr>
+          <a:xfrm>
+            <a:off x="838199" y="365125"/>
+            <a:ext cx="10780059" cy="1325563"/>
+          </a:xfrm>
+        </p:spPr>
+        <p:txBody>
+          <a:bodyPr/>
+          <a:lstStyle/>
+          <a:p>
+            <a:r>
+              <a:rPr lang="en-US" dirty="0">
+                <a:solidFill>
+                  <a:srgbClr val="C00000"/>
+                </a:solidFill>
+              </a:rPr>
+              <a:t>Johnson-</a:t>
+            </a:r>
+            <a:r>
+              <a:rPr lang="en-US" dirty="0" err="1">
+                <a:solidFill>
+                  <a:srgbClr val="C00000"/>
+                </a:solidFill>
+              </a:rPr>
+              <a:t>Lindenstrauss</a:t>
+            </a:r>
+            <a:r>
+              <a:rPr lang="en-US" dirty="0">
+                <a:solidFill>
+                  <a:srgbClr val="C00000"/>
+                </a:solidFill>
+              </a:rPr>
+              <a:t> Lemma</a:t>
+            </a:r>
+          </a:p>
+        </p:txBody>
+      </p:sp>
+      <mc:AlternateContent xmlns:mc="http://schemas.openxmlformats.org/markup-compatibility/2006">
+        <mc:Choice xmlns:a14="http://schemas.microsoft.com/office/drawing/2010/main" Requires="a14">
+          <p:sp>
+            <p:nvSpPr>
+              <p:cNvPr id="3" name="Content Placeholder 2">
+                <a:extLst>
+                  <a:ext uri="{FF2B5EF4-FFF2-40B4-BE49-F238E27FC236}">
+                    <a16:creationId xmlns:a16="http://schemas.microsoft.com/office/drawing/2014/main" id="{76F2126B-4AA6-302B-7E5A-170FFAAB8BD1}"/>
+                  </a:ext>
+                </a:extLst>
+              </p:cNvPr>
+              <p:cNvSpPr>
+                <a:spLocks noGrp="1"/>
+              </p:cNvSpPr>
+              <p:nvPr>
+                <p:ph idx="1"/>
+              </p:nvPr>
+            </p:nvSpPr>
+            <p:spPr>
+              <a:xfrm>
+                <a:off x="838200" y="1825624"/>
+                <a:ext cx="10515600" cy="4422775"/>
+              </a:xfrm>
+            </p:spPr>
+            <p:txBody>
+              <a:bodyPr>
+                <a:normAutofit/>
+              </a:bodyPr>
+              <a:lstStyle/>
+              <a:p>
+                <a:pPr>
+                  <a:buClr>
+                    <a:schemeClr val="tx1"/>
+                  </a:buClr>
+                </a:pPr>
+                <a:r>
+                  <a:rPr lang="en-US" dirty="0">
+                    <a:solidFill>
+                      <a:srgbClr val="00B050"/>
+                    </a:solidFill>
+                  </a:rPr>
+                  <a:t>Johnson-</a:t>
+                </a:r>
+                <a:r>
+                  <a:rPr lang="en-US" dirty="0" err="1">
+                    <a:solidFill>
+                      <a:srgbClr val="00B050"/>
+                    </a:solidFill>
+                  </a:rPr>
+                  <a:t>Lindenstrauss</a:t>
+                </a:r>
+                <a:r>
+                  <a:rPr lang="en-US" dirty="0">
+                    <a:solidFill>
+                      <a:srgbClr val="00B050"/>
+                    </a:solidFill>
+                  </a:rPr>
+                  <a:t> Lemma</a:t>
+                </a:r>
+                <a:r>
+                  <a:rPr lang="en-US" dirty="0"/>
+                  <a:t>: Given</a:t>
+                </a:r>
+                <a:r>
+                  <a:rPr lang="en-US" dirty="0">
+                    <a:solidFill>
+                      <a:srgbClr val="00B050"/>
+                    </a:solidFill>
+                  </a:rPr>
+                  <a:t> </a:t>
+                </a:r>
+                <a14:m>
+                  <m:oMath xmlns:m="http://schemas.openxmlformats.org/officeDocument/2006/math">
+                    <m:sSub>
+                      <m:sSubPr>
+                        <m:ctrlPr>
+                          <a:rPr lang="en-US" i="1" dirty="0">
+                            <a:solidFill>
+                              <a:srgbClr val="C00000"/>
+                            </a:solidFill>
+                            <a:latin typeface="Cambria Math" panose="02040503050406030204" pitchFamily="18" charset="0"/>
+                          </a:rPr>
+                        </m:ctrlPr>
+                      </m:sSubPr>
+                      <m:e>
+                        <m:r>
+                          <a:rPr lang="en-US" i="1" dirty="0">
+                            <a:solidFill>
+                              <a:srgbClr val="C00000"/>
+                            </a:solidFill>
+                            <a:latin typeface="Cambria Math" panose="02040503050406030204" pitchFamily="18" charset="0"/>
+                          </a:rPr>
+                          <m:t>𝑥</m:t>
+                        </m:r>
+                      </m:e>
+                      <m:sub>
+                        <m:r>
+                          <a:rPr lang="en-US" i="1" dirty="0">
+                            <a:solidFill>
+                              <a:srgbClr val="C00000"/>
+                            </a:solidFill>
+                            <a:latin typeface="Cambria Math" panose="02040503050406030204" pitchFamily="18" charset="0"/>
+                          </a:rPr>
+                          <m:t>1</m:t>
+                        </m:r>
+                      </m:sub>
+                    </m:sSub>
+                    <m:r>
+                      <a:rPr lang="en-US" i="1" dirty="0">
+                        <a:solidFill>
+                          <a:srgbClr val="C00000"/>
+                        </a:solidFill>
+                        <a:latin typeface="Cambria Math" panose="02040503050406030204" pitchFamily="18" charset="0"/>
+                      </a:rPr>
+                      <m:t>,…,</m:t>
+                    </m:r>
+                    <m:sSub>
+                      <m:sSubPr>
+                        <m:ctrlPr>
+                          <a:rPr lang="en-US" i="1" dirty="0">
+                            <a:solidFill>
+                              <a:srgbClr val="C00000"/>
+                            </a:solidFill>
+                            <a:latin typeface="Cambria Math" panose="02040503050406030204" pitchFamily="18" charset="0"/>
+                          </a:rPr>
+                        </m:ctrlPr>
+                      </m:sSubPr>
+                      <m:e>
+                        <m:r>
+                          <a:rPr lang="en-US" i="1" dirty="0">
+                            <a:solidFill>
+                              <a:srgbClr val="C00000"/>
+                            </a:solidFill>
+                            <a:latin typeface="Cambria Math" panose="02040503050406030204" pitchFamily="18" charset="0"/>
+                          </a:rPr>
+                          <m:t>𝑥</m:t>
+                        </m:r>
+                      </m:e>
+                      <m:sub>
+                        <m:r>
+                          <a:rPr lang="en-US" i="1" dirty="0">
+                            <a:solidFill>
+                              <a:srgbClr val="C00000"/>
+                            </a:solidFill>
+                            <a:latin typeface="Cambria Math" panose="02040503050406030204" pitchFamily="18" charset="0"/>
+                          </a:rPr>
+                          <m:t>𝑛</m:t>
+                        </m:r>
+                      </m:sub>
+                    </m:sSub>
+                  </m:oMath>
+                </a14:m>
+                <a:r>
+                  <a:rPr lang="en-US" dirty="0">
+                    <a:solidFill>
+                      <a:srgbClr val="C00000"/>
+                    </a:solidFill>
+                  </a:rPr>
+                  <a:t> </a:t>
+                </a:r>
+                <a14:m>
+                  <m:oMath xmlns:m="http://schemas.openxmlformats.org/officeDocument/2006/math">
+                    <m:r>
+                      <a:rPr lang="en-US" i="1" dirty="0">
+                        <a:solidFill>
+                          <a:srgbClr val="C00000"/>
+                        </a:solidFill>
+                        <a:latin typeface="Cambria Math" panose="02040503050406030204" pitchFamily="18" charset="0"/>
+                      </a:rPr>
+                      <m:t>∈</m:t>
+                    </m:r>
+                    <m:sSup>
+                      <m:sSupPr>
+                        <m:ctrlPr>
+                          <a:rPr lang="en-US" i="1" dirty="0">
+                            <a:solidFill>
+                              <a:srgbClr val="C00000"/>
+                            </a:solidFill>
+                            <a:latin typeface="Cambria Math" panose="02040503050406030204" pitchFamily="18" charset="0"/>
+                          </a:rPr>
+                        </m:ctrlPr>
+                      </m:sSupPr>
+                      <m:e>
+                        <m:r>
+                          <a:rPr lang="en-US" i="1" dirty="0">
+                            <a:solidFill>
+                              <a:srgbClr val="C00000"/>
+                            </a:solidFill>
+                            <a:latin typeface="Cambria Math" panose="02040503050406030204" pitchFamily="18" charset="0"/>
+                          </a:rPr>
+                          <m:t>𝑅</m:t>
+                        </m:r>
+                      </m:e>
+                      <m:sup>
+                        <m:r>
+                          <a:rPr lang="en-US" i="1" dirty="0">
+                            <a:solidFill>
+                              <a:srgbClr val="C00000"/>
+                            </a:solidFill>
+                            <a:latin typeface="Cambria Math" panose="02040503050406030204" pitchFamily="18" charset="0"/>
+                          </a:rPr>
+                          <m:t>𝑑</m:t>
+                        </m:r>
+                      </m:sup>
+                    </m:sSup>
+                  </m:oMath>
+                </a14:m>
+                <a:r>
+                  <a:rPr lang="en-US" dirty="0"/>
+                  <a:t> and an accuracy parameter </a:t>
+                </a:r>
+                <a14:m>
+                  <m:oMath xmlns:m="http://schemas.openxmlformats.org/officeDocument/2006/math">
+                    <m:r>
+                      <a:rPr lang="en-US" i="1" dirty="0">
+                        <a:solidFill>
+                          <a:srgbClr val="C00000"/>
+                        </a:solidFill>
+                        <a:latin typeface="Cambria Math" panose="02040503050406030204" pitchFamily="18" charset="0"/>
+                      </a:rPr>
+                      <m:t>𝜀</m:t>
+                    </m:r>
+                    <m:r>
+                      <a:rPr lang="en-US" i="1" dirty="0">
+                        <a:solidFill>
+                          <a:srgbClr val="C00000"/>
+                        </a:solidFill>
+                        <a:latin typeface="Cambria Math" panose="02040503050406030204" pitchFamily="18" charset="0"/>
+                      </a:rPr>
+                      <m:t>&gt;0</m:t>
+                    </m:r>
+                  </m:oMath>
+                </a14:m>
+                <a:r>
+                  <a:rPr lang="en-US" dirty="0"/>
+                  <a:t>, there exists a linear map </a:t>
+                </a:r>
+                <a14:m>
+                  <m:oMath xmlns:m="http://schemas.openxmlformats.org/officeDocument/2006/math">
+                    <m:r>
+                      <m:rPr>
+                        <m:sty m:val="p"/>
+                      </m:rPr>
+                      <a:rPr lang="en-US" dirty="0">
+                        <a:solidFill>
+                          <a:srgbClr val="C00000"/>
+                        </a:solidFill>
+                        <a:latin typeface="Cambria Math" panose="02040503050406030204" pitchFamily="18" charset="0"/>
+                      </a:rPr>
+                      <m:t>Π</m:t>
+                    </m:r>
+                    <m:r>
+                      <a:rPr lang="en-US" dirty="0">
+                        <a:solidFill>
+                          <a:srgbClr val="C00000"/>
+                        </a:solidFill>
+                        <a:latin typeface="Cambria Math" panose="02040503050406030204" pitchFamily="18" charset="0"/>
+                      </a:rPr>
+                      <m:t>:</m:t>
+                    </m:r>
+                    <m:sSup>
+                      <m:sSupPr>
+                        <m:ctrlPr>
+                          <a:rPr lang="en-US" i="1" dirty="0">
+                            <a:solidFill>
+                              <a:srgbClr val="C00000"/>
+                            </a:solidFill>
+                            <a:latin typeface="Cambria Math" panose="02040503050406030204" pitchFamily="18" charset="0"/>
+                          </a:rPr>
+                        </m:ctrlPr>
+                      </m:sSupPr>
+                      <m:e>
+                        <m:r>
+                          <a:rPr lang="en-US" i="1" dirty="0">
+                            <a:solidFill>
+                              <a:srgbClr val="C00000"/>
+                            </a:solidFill>
+                            <a:latin typeface="Cambria Math" panose="02040503050406030204" pitchFamily="18" charset="0"/>
+                          </a:rPr>
+                          <m:t>𝑅</m:t>
+                        </m:r>
+                      </m:e>
+                      <m:sup>
+                        <m:r>
+                          <a:rPr lang="en-US" i="1" dirty="0">
+                            <a:solidFill>
+                              <a:srgbClr val="C00000"/>
+                            </a:solidFill>
+                            <a:latin typeface="Cambria Math" panose="02040503050406030204" pitchFamily="18" charset="0"/>
+                          </a:rPr>
+                          <m:t>𝑑</m:t>
+                        </m:r>
+                      </m:sup>
+                    </m:sSup>
+                    <m:r>
+                      <a:rPr lang="en-US" i="1" dirty="0">
+                        <a:solidFill>
+                          <a:srgbClr val="C00000"/>
+                        </a:solidFill>
+                        <a:latin typeface="Cambria Math" panose="02040503050406030204" pitchFamily="18" charset="0"/>
+                      </a:rPr>
+                      <m:t>→</m:t>
+                    </m:r>
+                    <m:sSup>
+                      <m:sSupPr>
+                        <m:ctrlPr>
+                          <a:rPr lang="en-US" i="1" dirty="0">
+                            <a:solidFill>
+                              <a:srgbClr val="0070C0"/>
+                            </a:solidFill>
+                            <a:latin typeface="Cambria Math" panose="02040503050406030204" pitchFamily="18" charset="0"/>
+                          </a:rPr>
+                        </m:ctrlPr>
+                      </m:sSupPr>
+                      <m:e>
+                        <m:r>
+                          <a:rPr lang="en-US" i="1" dirty="0">
+                            <a:solidFill>
+                              <a:srgbClr val="0070C0"/>
+                            </a:solidFill>
+                            <a:latin typeface="Cambria Math" panose="02040503050406030204" pitchFamily="18" charset="0"/>
+                          </a:rPr>
+                          <m:t>𝑅</m:t>
+                        </m:r>
+                      </m:e>
+                      <m:sup>
+                        <m:r>
+                          <a:rPr lang="en-US" i="1" dirty="0">
+                            <a:solidFill>
+                              <a:srgbClr val="0070C0"/>
+                            </a:solidFill>
+                            <a:latin typeface="Cambria Math" panose="02040503050406030204" pitchFamily="18" charset="0"/>
+                          </a:rPr>
+                          <m:t>𝑚</m:t>
+                        </m:r>
+                      </m:sup>
+                    </m:sSup>
+                  </m:oMath>
+                </a14:m>
+                <a:r>
+                  <a:rPr lang="en-US" dirty="0">
+                    <a:solidFill>
+                      <a:srgbClr val="0070C0"/>
+                    </a:solidFill>
+                  </a:rPr>
+                  <a:t> </a:t>
+                </a:r>
+                <a:r>
+                  <a:rPr lang="en-US" dirty="0"/>
+                  <a:t>with		 </a:t>
+                </a:r>
+                <a14:m>
+                  <m:oMath xmlns:m="http://schemas.openxmlformats.org/officeDocument/2006/math">
+                    <m:r>
+                      <a:rPr lang="en-US" i="1" dirty="0">
+                        <a:solidFill>
+                          <a:srgbClr val="C00000"/>
+                        </a:solidFill>
+                        <a:latin typeface="Cambria Math" panose="02040503050406030204" pitchFamily="18" charset="0"/>
+                      </a:rPr>
+                      <m:t>𝑚</m:t>
+                    </m:r>
+                    <m:r>
+                      <a:rPr lang="en-US" dirty="0">
+                        <a:solidFill>
+                          <a:srgbClr val="C00000"/>
+                        </a:solidFill>
+                        <a:latin typeface="Cambria Math" panose="02040503050406030204" pitchFamily="18" charset="0"/>
+                      </a:rPr>
+                      <m:t>=</m:t>
+                    </m:r>
+                    <m:r>
+                      <a:rPr lang="en-US" b="0" i="1" dirty="0" smtClean="0">
+                        <a:solidFill>
+                          <a:srgbClr val="C00000"/>
+                        </a:solidFill>
+                        <a:latin typeface="Cambria Math" panose="02040503050406030204" pitchFamily="18" charset="0"/>
+                      </a:rPr>
+                      <m:t>𝑂</m:t>
+                    </m:r>
+                    <m:d>
+                      <m:dPr>
+                        <m:ctrlPr>
+                          <a:rPr lang="en-US" i="1" dirty="0">
+                            <a:solidFill>
+                              <a:srgbClr val="C00000"/>
+                            </a:solidFill>
+                            <a:latin typeface="Cambria Math" panose="02040503050406030204" pitchFamily="18" charset="0"/>
+                          </a:rPr>
+                        </m:ctrlPr>
+                      </m:dPr>
+                      <m:e>
+                        <m:f>
+                          <m:fPr>
+                            <m:ctrlPr>
+                              <a:rPr lang="en-US" i="1" dirty="0">
+                                <a:solidFill>
+                                  <a:srgbClr val="C00000"/>
+                                </a:solidFill>
+                                <a:latin typeface="Cambria Math" panose="02040503050406030204" pitchFamily="18" charset="0"/>
+                              </a:rPr>
+                            </m:ctrlPr>
+                          </m:fPr>
+                          <m:num>
+                            <m:func>
+                              <m:funcPr>
+                                <m:ctrlPr>
+                                  <a:rPr lang="en-US" i="1" dirty="0">
+                                    <a:solidFill>
+                                      <a:srgbClr val="C00000"/>
+                                    </a:solidFill>
+                                    <a:latin typeface="Cambria Math" panose="02040503050406030204" pitchFamily="18" charset="0"/>
+                                  </a:rPr>
+                                </m:ctrlPr>
+                              </m:funcPr>
+                              <m:fName>
+                                <m:r>
+                                  <m:rPr>
+                                    <m:sty m:val="p"/>
+                                  </m:rPr>
+                                  <a:rPr lang="en-US" dirty="0">
+                                    <a:solidFill>
+                                      <a:srgbClr val="C00000"/>
+                                    </a:solidFill>
+                                    <a:latin typeface="Cambria Math" panose="02040503050406030204" pitchFamily="18" charset="0"/>
+                                  </a:rPr>
+                                  <m:t>log</m:t>
+                                </m:r>
+                              </m:fName>
+                              <m:e>
+                                <m:r>
+                                  <a:rPr lang="en-US" i="1" dirty="0">
+                                    <a:solidFill>
+                                      <a:srgbClr val="C00000"/>
+                                    </a:solidFill>
+                                    <a:latin typeface="Cambria Math" panose="02040503050406030204" pitchFamily="18" charset="0"/>
+                                  </a:rPr>
+                                  <m:t>𝑛</m:t>
+                                </m:r>
+                              </m:e>
+                            </m:func>
+                          </m:num>
+                          <m:den>
+                            <m:sSup>
+                              <m:sSupPr>
+                                <m:ctrlPr>
+                                  <a:rPr lang="en-US" i="1" dirty="0">
+                                    <a:solidFill>
+                                      <a:srgbClr val="C00000"/>
+                                    </a:solidFill>
+                                    <a:latin typeface="Cambria Math" panose="02040503050406030204" pitchFamily="18" charset="0"/>
+                                  </a:rPr>
+                                </m:ctrlPr>
+                              </m:sSupPr>
+                              <m:e>
+                                <m:r>
+                                  <a:rPr lang="en-US" i="1" dirty="0">
+                                    <a:solidFill>
+                                      <a:srgbClr val="C00000"/>
+                                    </a:solidFill>
+                                    <a:latin typeface="Cambria Math" panose="02040503050406030204" pitchFamily="18" charset="0"/>
+                                  </a:rPr>
+                                  <m:t>𝜀</m:t>
+                                </m:r>
+                              </m:e>
+                              <m:sup>
+                                <m:r>
+                                  <a:rPr lang="en-US" i="1" dirty="0">
+                                    <a:solidFill>
+                                      <a:srgbClr val="C00000"/>
+                                    </a:solidFill>
+                                    <a:latin typeface="Cambria Math" panose="02040503050406030204" pitchFamily="18" charset="0"/>
+                                  </a:rPr>
+                                  <m:t>2</m:t>
+                                </m:r>
+                              </m:sup>
+                            </m:sSup>
+                          </m:den>
+                        </m:f>
+                      </m:e>
+                    </m:d>
+                  </m:oMath>
+                </a14:m>
+                <a:r>
+                  <a:rPr lang="en-US" dirty="0"/>
+                  <a:t> so that if </a:t>
+                </a:r>
+                <a14:m>
+                  <m:oMath xmlns:m="http://schemas.openxmlformats.org/officeDocument/2006/math">
+                    <m:sSub>
+                      <m:sSubPr>
+                        <m:ctrlPr>
+                          <a:rPr lang="en-US" i="1" dirty="0">
+                            <a:solidFill>
+                              <a:srgbClr val="0070C0"/>
+                            </a:solidFill>
+                            <a:latin typeface="Cambria Math" panose="02040503050406030204" pitchFamily="18" charset="0"/>
+                          </a:rPr>
+                        </m:ctrlPr>
+                      </m:sSubPr>
+                      <m:e>
+                        <m:r>
+                          <a:rPr lang="en-US" i="1" dirty="0">
+                            <a:solidFill>
+                              <a:srgbClr val="0070C0"/>
+                            </a:solidFill>
+                            <a:latin typeface="Cambria Math" panose="02040503050406030204" pitchFamily="18" charset="0"/>
+                          </a:rPr>
+                          <m:t>𝑦</m:t>
+                        </m:r>
+                      </m:e>
+                      <m:sub>
+                        <m:r>
+                          <a:rPr lang="en-US" i="1" dirty="0">
+                            <a:solidFill>
+                              <a:srgbClr val="0070C0"/>
+                            </a:solidFill>
+                            <a:latin typeface="Cambria Math" panose="02040503050406030204" pitchFamily="18" charset="0"/>
+                          </a:rPr>
+                          <m:t>𝑖</m:t>
+                        </m:r>
+                      </m:sub>
+                    </m:sSub>
+                    <m:r>
+                      <a:rPr lang="en-US" i="1" dirty="0">
+                        <a:solidFill>
+                          <a:srgbClr val="C00000"/>
+                        </a:solidFill>
+                        <a:latin typeface="Cambria Math" panose="02040503050406030204" pitchFamily="18" charset="0"/>
+                      </a:rPr>
+                      <m:t>=</m:t>
+                    </m:r>
+                    <m:r>
+                      <m:rPr>
+                        <m:sty m:val="p"/>
+                      </m:rPr>
+                      <a:rPr lang="en-US" dirty="0">
+                        <a:solidFill>
+                          <a:srgbClr val="C00000"/>
+                        </a:solidFill>
+                        <a:latin typeface="Cambria Math" panose="02040503050406030204" pitchFamily="18" charset="0"/>
+                      </a:rPr>
+                      <m:t>Π</m:t>
+                    </m:r>
+                    <m:sSub>
+                      <m:sSubPr>
+                        <m:ctrlPr>
+                          <a:rPr lang="en-US" i="1" dirty="0">
+                            <a:solidFill>
+                              <a:srgbClr val="C00000"/>
+                            </a:solidFill>
+                            <a:latin typeface="Cambria Math" panose="02040503050406030204" pitchFamily="18" charset="0"/>
+                          </a:rPr>
+                        </m:ctrlPr>
+                      </m:sSubPr>
+                      <m:e>
+                        <m:r>
+                          <a:rPr lang="en-US" i="1" dirty="0">
+                            <a:solidFill>
+                              <a:srgbClr val="C00000"/>
+                            </a:solidFill>
+                            <a:latin typeface="Cambria Math" panose="02040503050406030204" pitchFamily="18" charset="0"/>
+                          </a:rPr>
+                          <m:t>𝑥</m:t>
+                        </m:r>
+                      </m:e>
+                      <m:sub>
+                        <m:r>
+                          <a:rPr lang="en-US" i="1" dirty="0">
+                            <a:solidFill>
+                              <a:srgbClr val="C00000"/>
+                            </a:solidFill>
+                            <a:latin typeface="Cambria Math" panose="02040503050406030204" pitchFamily="18" charset="0"/>
+                          </a:rPr>
+                          <m:t>𝑖</m:t>
+                        </m:r>
+                      </m:sub>
+                    </m:sSub>
+                  </m:oMath>
+                </a14:m>
+                <a:r>
+                  <a:rPr lang="en-US" dirty="0"/>
+                  <a:t>, then for all </a:t>
+                </a:r>
+                <a14:m>
+                  <m:oMath xmlns:m="http://schemas.openxmlformats.org/officeDocument/2006/math">
+                    <m:r>
+                      <a:rPr lang="en-US" i="1" dirty="0">
+                        <a:solidFill>
+                          <a:srgbClr val="C00000"/>
+                        </a:solidFill>
+                        <a:latin typeface="Cambria Math" panose="02040503050406030204" pitchFamily="18" charset="0"/>
+                      </a:rPr>
+                      <m:t>𝑖</m:t>
+                    </m:r>
+                    <m:r>
+                      <a:rPr lang="en-US" i="1" dirty="0">
+                        <a:solidFill>
+                          <a:srgbClr val="C00000"/>
+                        </a:solidFill>
+                        <a:latin typeface="Cambria Math" panose="02040503050406030204" pitchFamily="18" charset="0"/>
+                      </a:rPr>
+                      <m:t>,</m:t>
+                    </m:r>
+                    <m:r>
+                      <a:rPr lang="en-US" i="1" dirty="0">
+                        <a:solidFill>
+                          <a:srgbClr val="C00000"/>
+                        </a:solidFill>
+                        <a:latin typeface="Cambria Math" panose="02040503050406030204" pitchFamily="18" charset="0"/>
+                      </a:rPr>
+                      <m:t>𝑗</m:t>
+                    </m:r>
+                    <m:r>
+                      <a:rPr lang="en-US" i="1" dirty="0">
+                        <a:solidFill>
+                          <a:srgbClr val="C00000"/>
+                        </a:solidFill>
+                        <a:latin typeface="Cambria Math" panose="02040503050406030204" pitchFamily="18" charset="0"/>
+                      </a:rPr>
+                      <m:t>∈[</m:t>
+                    </m:r>
+                    <m:r>
+                      <a:rPr lang="en-US" i="1" dirty="0">
+                        <a:solidFill>
+                          <a:srgbClr val="C00000"/>
+                        </a:solidFill>
+                        <a:latin typeface="Cambria Math" panose="02040503050406030204" pitchFamily="18" charset="0"/>
+                      </a:rPr>
+                      <m:t>𝑛</m:t>
+                    </m:r>
+                    <m:r>
+                      <a:rPr lang="en-US" i="1" dirty="0">
+                        <a:solidFill>
+                          <a:srgbClr val="C00000"/>
+                        </a:solidFill>
+                        <a:latin typeface="Cambria Math" panose="02040503050406030204" pitchFamily="18" charset="0"/>
+                      </a:rPr>
+                      <m:t>]</m:t>
+                    </m:r>
+                  </m:oMath>
+                </a14:m>
+                <a:r>
+                  <a:rPr lang="en-US" dirty="0"/>
+                  <a:t>:</a:t>
+                </a:r>
+              </a:p>
+              <a:p>
+                <a:pPr>
+                  <a:buClr>
+                    <a:schemeClr val="tx1"/>
+                  </a:buClr>
+                </a:pPr>
+                <a:endParaRPr lang="en-US" dirty="0"/>
+              </a:p>
+              <a:p>
+                <a:pPr marL="0" indent="0">
+                  <a:buClr>
+                    <a:schemeClr val="tx1"/>
+                  </a:buClr>
+                  <a:buNone/>
+                </a:pPr>
+                <a:endParaRPr lang="en-US" dirty="0"/>
+              </a:p>
+              <a:p>
+                <a:pPr>
+                  <a:buClr>
+                    <a:schemeClr val="tx1"/>
+                  </a:buClr>
+                </a:pPr>
+                <a:endParaRPr lang="en-US" dirty="0"/>
+              </a:p>
+              <a:p>
+                <a:pPr>
+                  <a:buClr>
+                    <a:schemeClr val="tx1"/>
+                  </a:buClr>
+                </a:pPr>
+                <a:r>
+                  <a:rPr lang="en-US" dirty="0"/>
+                  <a:t>“Applying a simple random linear transformation to a set of points approximately preserves all pairwise distances”</a:t>
+                </a:r>
+              </a:p>
+            </p:txBody>
+          </p:sp>
+        </mc:Choice>
+        <mc:Fallback>
+          <p:sp>
+            <p:nvSpPr>
+              <p:cNvPr id="3" name="Content Placeholder 2">
+                <a:extLst>
+                  <a:ext uri="{FF2B5EF4-FFF2-40B4-BE49-F238E27FC236}">
+                    <a16:creationId xmlns:a16="http://schemas.microsoft.com/office/drawing/2014/main" id="{76F2126B-4AA6-302B-7E5A-170FFAAB8BD1}"/>
+                  </a:ext>
+                </a:extLst>
+              </p:cNvPr>
+              <p:cNvSpPr>
+                <a:spLocks noGrp="1" noRot="1" noChangeAspect="1" noMove="1" noResize="1" noEditPoints="1" noAdjustHandles="1" noChangeArrowheads="1" noChangeShapeType="1" noTextEdit="1"/>
+              </p:cNvSpPr>
+              <p:nvPr>
+                <p:ph idx="1"/>
+              </p:nvPr>
+            </p:nvSpPr>
+            <p:spPr>
+              <a:xfrm>
+                <a:off x="838200" y="1825624"/>
+                <a:ext cx="10515600" cy="4422775"/>
+              </a:xfrm>
+              <a:blipFill>
+                <a:blip r:embed="rId2"/>
+                <a:stretch>
+                  <a:fillRect l="-1043" t="-2066" r="-1333"/>
+                </a:stretch>
+              </a:blipFill>
+            </p:spPr>
+            <p:txBody>
+              <a:bodyPr/>
+              <a:lstStyle/>
+              <a:p>
+                <a:r>
+                  <a:rPr lang="en-US">
+                    <a:noFill/>
+                  </a:rPr>
+                  <a:t> </a:t>
+                </a:r>
+              </a:p>
+            </p:txBody>
+          </p:sp>
+        </mc:Fallback>
+      </mc:AlternateContent>
+      <mc:AlternateContent xmlns:mc="http://schemas.openxmlformats.org/markup-compatibility/2006" xmlns:a14="http://schemas.microsoft.com/office/drawing/2010/main">
+        <mc:Choice Requires="a14">
+          <p:sp>
+            <p:nvSpPr>
+              <p:cNvPr id="4" name="TextBox 3">
+                <a:extLst>
+                  <a:ext uri="{FF2B5EF4-FFF2-40B4-BE49-F238E27FC236}">
+                    <a16:creationId xmlns:a16="http://schemas.microsoft.com/office/drawing/2014/main" id="{F66CE3BE-C7E4-BA69-43B7-4BD4B0C46195}"/>
+                  </a:ext>
+                </a:extLst>
+              </p:cNvPr>
+              <p:cNvSpPr txBox="1"/>
+              <p:nvPr/>
+            </p:nvSpPr>
+            <p:spPr>
+              <a:xfrm>
+                <a:off x="1568262" y="3550162"/>
+                <a:ext cx="9319931" cy="723724"/>
+              </a:xfrm>
+              <a:prstGeom prst="rect">
+                <a:avLst/>
+              </a:prstGeom>
+              <a:noFill/>
+            </p:spPr>
+            <p:txBody>
+              <a:bodyPr wrap="square">
+                <a:spAutoFit/>
+              </a:bodyPr>
+              <a:lstStyle/>
+              <a:p>
+                <a:pPr/>
+                <a14:m>
+                  <m:oMathPara xmlns:m="http://schemas.openxmlformats.org/officeDocument/2006/math">
+                    <m:oMathParaPr>
+                      <m:jc m:val="centerGroup"/>
+                    </m:oMathParaPr>
+                    <m:oMath xmlns:m="http://schemas.openxmlformats.org/officeDocument/2006/math">
+                      <m:d>
+                        <m:dPr>
+                          <m:ctrlPr>
+                            <a:rPr lang="en-US" sz="3200" b="0" i="1" dirty="0" smtClean="0">
+                              <a:solidFill>
+                                <a:srgbClr val="C00000"/>
+                              </a:solidFill>
+                              <a:latin typeface="Cambria Math" panose="02040503050406030204" pitchFamily="18" charset="0"/>
+                            </a:rPr>
+                          </m:ctrlPr>
+                        </m:dPr>
+                        <m:e>
+                          <m:r>
+                            <a:rPr lang="en-US" sz="3200" b="0" i="1" dirty="0" smtClean="0">
+                              <a:solidFill>
+                                <a:srgbClr val="C00000"/>
+                              </a:solidFill>
+                              <a:latin typeface="Cambria Math" panose="02040503050406030204" pitchFamily="18" charset="0"/>
+                            </a:rPr>
+                            <m:t>1−</m:t>
+                          </m:r>
+                          <m:r>
+                            <a:rPr lang="en-US" sz="3200" b="0" i="1" dirty="0" smtClean="0">
+                              <a:solidFill>
+                                <a:srgbClr val="C00000"/>
+                              </a:solidFill>
+                              <a:latin typeface="Cambria Math" panose="02040503050406030204" pitchFamily="18" charset="0"/>
+                            </a:rPr>
+                            <m:t>𝜀</m:t>
+                          </m:r>
+                        </m:e>
+                      </m:d>
+                      <m:sSub>
+                        <m:sSubPr>
+                          <m:ctrlPr>
+                            <a:rPr lang="en-US" sz="3200" i="1">
+                              <a:solidFill>
+                                <a:srgbClr val="C00000"/>
+                              </a:solidFill>
+                              <a:latin typeface="Cambria Math" panose="02040503050406030204" pitchFamily="18" charset="0"/>
+                            </a:rPr>
+                          </m:ctrlPr>
+                        </m:sSubPr>
+                        <m:e>
+                          <m:d>
+                            <m:dPr>
+                              <m:begChr m:val="‖"/>
+                              <m:endChr m:val="‖"/>
+                              <m:ctrlPr>
+                                <a:rPr lang="en-US" sz="3200" i="1">
+                                  <a:solidFill>
+                                    <a:srgbClr val="C00000"/>
+                                  </a:solidFill>
+                                  <a:latin typeface="Cambria Math" panose="02040503050406030204" pitchFamily="18" charset="0"/>
+                                </a:rPr>
+                              </m:ctrlPr>
+                            </m:dPr>
+                            <m:e>
+                              <m:sSub>
+                                <m:sSubPr>
+                                  <m:ctrlPr>
+                                    <a:rPr lang="en-US" sz="3200" b="0" i="1" smtClean="0">
+                                      <a:solidFill>
+                                        <a:srgbClr val="C00000"/>
+                                      </a:solidFill>
+                                      <a:latin typeface="Cambria Math" panose="02040503050406030204" pitchFamily="18" charset="0"/>
+                                    </a:rPr>
+                                  </m:ctrlPr>
+                                </m:sSubPr>
+                                <m:e>
+                                  <m:r>
+                                    <a:rPr lang="en-US" sz="3200" i="1">
+                                      <a:solidFill>
+                                        <a:srgbClr val="C00000"/>
+                                      </a:solidFill>
+                                      <a:latin typeface="Cambria Math" panose="02040503050406030204" pitchFamily="18" charset="0"/>
+                                    </a:rPr>
+                                    <m:t>𝑥</m:t>
+                                  </m:r>
+                                </m:e>
+                                <m:sub>
+                                  <m:r>
+                                    <a:rPr lang="en-US" sz="3200" b="0" i="1" smtClean="0">
+                                      <a:solidFill>
+                                        <a:srgbClr val="C00000"/>
+                                      </a:solidFill>
+                                      <a:latin typeface="Cambria Math" panose="02040503050406030204" pitchFamily="18" charset="0"/>
+                                    </a:rPr>
+                                    <m:t>𝑖</m:t>
+                                  </m:r>
+                                </m:sub>
+                              </m:sSub>
+                              <m:r>
+                                <a:rPr lang="en-US" sz="3200" i="1">
+                                  <a:solidFill>
+                                    <a:srgbClr val="C00000"/>
+                                  </a:solidFill>
+                                  <a:latin typeface="Cambria Math" panose="02040503050406030204" pitchFamily="18" charset="0"/>
+                                </a:rPr>
+                                <m:t>−</m:t>
+                              </m:r>
+                              <m:sSub>
+                                <m:sSubPr>
+                                  <m:ctrlPr>
+                                    <a:rPr lang="en-US" sz="3200" b="0" i="1" smtClean="0">
+                                      <a:solidFill>
+                                        <a:srgbClr val="C00000"/>
+                                      </a:solidFill>
+                                      <a:latin typeface="Cambria Math" panose="02040503050406030204" pitchFamily="18" charset="0"/>
+                                    </a:rPr>
+                                  </m:ctrlPr>
+                                </m:sSubPr>
+                                <m:e>
+                                  <m:r>
+                                    <a:rPr lang="en-US" sz="3200" b="0" i="1" smtClean="0">
+                                      <a:solidFill>
+                                        <a:srgbClr val="C00000"/>
+                                      </a:solidFill>
+                                      <a:latin typeface="Cambria Math" panose="02040503050406030204" pitchFamily="18" charset="0"/>
+                                    </a:rPr>
+                                    <m:t>𝑥</m:t>
+                                  </m:r>
+                                </m:e>
+                                <m:sub>
+                                  <m:r>
+                                    <a:rPr lang="en-US" sz="3200" b="0" i="1" smtClean="0">
+                                      <a:solidFill>
+                                        <a:srgbClr val="C00000"/>
+                                      </a:solidFill>
+                                      <a:latin typeface="Cambria Math" panose="02040503050406030204" pitchFamily="18" charset="0"/>
+                                    </a:rPr>
+                                    <m:t>𝑗</m:t>
+                                  </m:r>
+                                </m:sub>
+                              </m:sSub>
+                            </m:e>
+                          </m:d>
+                        </m:e>
+                        <m:sub>
+                          <m:r>
+                            <a:rPr lang="en-US" sz="3200" i="1">
+                              <a:solidFill>
+                                <a:srgbClr val="C00000"/>
+                              </a:solidFill>
+                              <a:latin typeface="Cambria Math" panose="02040503050406030204" pitchFamily="18" charset="0"/>
+                            </a:rPr>
+                            <m:t>2</m:t>
+                          </m:r>
+                        </m:sub>
+                      </m:sSub>
+                      <m:r>
+                        <a:rPr lang="en-US" sz="3200" b="0" i="1" dirty="0" smtClean="0">
+                          <a:solidFill>
+                            <a:schemeClr val="tx1"/>
+                          </a:solidFill>
+                          <a:latin typeface="Cambria Math" panose="02040503050406030204" pitchFamily="18" charset="0"/>
+                        </a:rPr>
+                        <m:t>≤</m:t>
+                      </m:r>
+                      <m:sSub>
+                        <m:sSubPr>
+                          <m:ctrlPr>
+                            <a:rPr lang="en-US" sz="3200" i="1" smtClean="0">
+                              <a:solidFill>
+                                <a:schemeClr val="accent1"/>
+                              </a:solidFill>
+                              <a:latin typeface="Cambria Math" panose="02040503050406030204" pitchFamily="18" charset="0"/>
+                            </a:rPr>
+                          </m:ctrlPr>
+                        </m:sSubPr>
+                        <m:e>
+                          <m:d>
+                            <m:dPr>
+                              <m:begChr m:val="‖"/>
+                              <m:endChr m:val="‖"/>
+                              <m:ctrlPr>
+                                <a:rPr lang="en-US" sz="3200" i="1">
+                                  <a:solidFill>
+                                    <a:schemeClr val="accent1"/>
+                                  </a:solidFill>
+                                  <a:latin typeface="Cambria Math" panose="02040503050406030204" pitchFamily="18" charset="0"/>
+                                </a:rPr>
+                              </m:ctrlPr>
+                            </m:dPr>
+                            <m:e>
+                              <m:sSub>
+                                <m:sSubPr>
+                                  <m:ctrlPr>
+                                    <a:rPr lang="en-US" sz="3200" i="1">
+                                      <a:solidFill>
+                                        <a:schemeClr val="accent1"/>
+                                      </a:solidFill>
+                                      <a:latin typeface="Cambria Math" panose="02040503050406030204" pitchFamily="18" charset="0"/>
+                                    </a:rPr>
+                                  </m:ctrlPr>
+                                </m:sSubPr>
+                                <m:e>
+                                  <m:r>
+                                    <a:rPr lang="en-US" sz="3200" b="0" i="1" smtClean="0">
+                                      <a:solidFill>
+                                        <a:schemeClr val="accent1"/>
+                                      </a:solidFill>
+                                      <a:latin typeface="Cambria Math" panose="02040503050406030204" pitchFamily="18" charset="0"/>
+                                    </a:rPr>
+                                    <m:t>𝑦</m:t>
+                                  </m:r>
+                                </m:e>
+                                <m:sub>
+                                  <m:r>
+                                    <a:rPr lang="en-US" sz="3200" i="1">
+                                      <a:solidFill>
+                                        <a:schemeClr val="accent1"/>
+                                      </a:solidFill>
+                                      <a:latin typeface="Cambria Math" panose="02040503050406030204" pitchFamily="18" charset="0"/>
+                                    </a:rPr>
+                                    <m:t>𝑖</m:t>
+                                  </m:r>
+                                </m:sub>
+                              </m:sSub>
+                              <m:r>
+                                <a:rPr lang="en-US" sz="3200" i="1">
+                                  <a:solidFill>
+                                    <a:schemeClr val="accent1"/>
+                                  </a:solidFill>
+                                  <a:latin typeface="Cambria Math" panose="02040503050406030204" pitchFamily="18" charset="0"/>
+                                </a:rPr>
+                                <m:t>−</m:t>
+                              </m:r>
+                              <m:sSub>
+                                <m:sSubPr>
+                                  <m:ctrlPr>
+                                    <a:rPr lang="en-US" sz="3200" i="1">
+                                      <a:solidFill>
+                                        <a:schemeClr val="accent1"/>
+                                      </a:solidFill>
+                                      <a:latin typeface="Cambria Math" panose="02040503050406030204" pitchFamily="18" charset="0"/>
+                                    </a:rPr>
+                                  </m:ctrlPr>
+                                </m:sSubPr>
+                                <m:e>
+                                  <m:r>
+                                    <a:rPr lang="en-US" sz="3200" b="0" i="1" smtClean="0">
+                                      <a:solidFill>
+                                        <a:schemeClr val="accent1"/>
+                                      </a:solidFill>
+                                      <a:latin typeface="Cambria Math" panose="02040503050406030204" pitchFamily="18" charset="0"/>
+                                    </a:rPr>
+                                    <m:t>𝑦</m:t>
+                                  </m:r>
+                                </m:e>
+                                <m:sub>
+                                  <m:r>
+                                    <a:rPr lang="en-US" sz="3200" i="1">
+                                      <a:solidFill>
+                                        <a:schemeClr val="accent1"/>
+                                      </a:solidFill>
+                                      <a:latin typeface="Cambria Math" panose="02040503050406030204" pitchFamily="18" charset="0"/>
+                                    </a:rPr>
+                                    <m:t>𝑗</m:t>
+                                  </m:r>
+                                </m:sub>
+                              </m:sSub>
+                            </m:e>
+                          </m:d>
+                        </m:e>
+                        <m:sub>
+                          <m:r>
+                            <a:rPr lang="en-US" sz="3200" i="1">
+                              <a:solidFill>
+                                <a:schemeClr val="accent1"/>
+                              </a:solidFill>
+                              <a:latin typeface="Cambria Math" panose="02040503050406030204" pitchFamily="18" charset="0"/>
+                            </a:rPr>
+                            <m:t>2</m:t>
+                          </m:r>
+                        </m:sub>
+                      </m:sSub>
+                      <m:r>
+                        <a:rPr lang="en-US" sz="3200" b="0" i="1" dirty="0" smtClean="0">
+                          <a:solidFill>
+                            <a:schemeClr val="tx1"/>
+                          </a:solidFill>
+                          <a:latin typeface="Cambria Math" panose="02040503050406030204" pitchFamily="18" charset="0"/>
+                        </a:rPr>
+                        <m:t>≤</m:t>
+                      </m:r>
+                      <m:d>
+                        <m:dPr>
+                          <m:ctrlPr>
+                            <a:rPr lang="en-US" sz="3200" b="0" i="1" dirty="0" smtClean="0">
+                              <a:solidFill>
+                                <a:srgbClr val="C00000"/>
+                              </a:solidFill>
+                              <a:latin typeface="Cambria Math" panose="02040503050406030204" pitchFamily="18" charset="0"/>
+                            </a:rPr>
+                          </m:ctrlPr>
+                        </m:dPr>
+                        <m:e>
+                          <m:r>
+                            <a:rPr lang="en-US" sz="3200" b="0" i="1" dirty="0" smtClean="0">
+                              <a:solidFill>
+                                <a:srgbClr val="C00000"/>
+                              </a:solidFill>
+                              <a:latin typeface="Cambria Math" panose="02040503050406030204" pitchFamily="18" charset="0"/>
+                            </a:rPr>
+                            <m:t>1+</m:t>
+                          </m:r>
+                          <m:r>
+                            <a:rPr lang="en-US" sz="3200" b="0" i="1" dirty="0" smtClean="0">
+                              <a:solidFill>
+                                <a:srgbClr val="C00000"/>
+                              </a:solidFill>
+                              <a:latin typeface="Cambria Math" panose="02040503050406030204" pitchFamily="18" charset="0"/>
+                            </a:rPr>
+                            <m:t>𝜀</m:t>
+                          </m:r>
+                        </m:e>
+                      </m:d>
+                      <m:sSub>
+                        <m:sSubPr>
+                          <m:ctrlPr>
+                            <a:rPr lang="en-US" sz="3200" i="1">
+                              <a:solidFill>
+                                <a:srgbClr val="C00000"/>
+                              </a:solidFill>
+                              <a:latin typeface="Cambria Math" panose="02040503050406030204" pitchFamily="18" charset="0"/>
+                            </a:rPr>
+                          </m:ctrlPr>
+                        </m:sSubPr>
+                        <m:e>
+                          <m:d>
+                            <m:dPr>
+                              <m:begChr m:val="‖"/>
+                              <m:endChr m:val="‖"/>
+                              <m:ctrlPr>
+                                <a:rPr lang="en-US" sz="3200" i="1">
+                                  <a:solidFill>
+                                    <a:srgbClr val="C00000"/>
+                                  </a:solidFill>
+                                  <a:latin typeface="Cambria Math" panose="02040503050406030204" pitchFamily="18" charset="0"/>
+                                </a:rPr>
+                              </m:ctrlPr>
+                            </m:dPr>
+                            <m:e>
+                              <m:sSub>
+                                <m:sSubPr>
+                                  <m:ctrlPr>
+                                    <a:rPr lang="en-US" sz="3200" i="1">
+                                      <a:solidFill>
+                                        <a:srgbClr val="C00000"/>
+                                      </a:solidFill>
+                                      <a:latin typeface="Cambria Math" panose="02040503050406030204" pitchFamily="18" charset="0"/>
+                                    </a:rPr>
+                                  </m:ctrlPr>
+                                </m:sSubPr>
+                                <m:e>
+                                  <m:r>
+                                    <a:rPr lang="en-US" sz="3200" i="1">
+                                      <a:solidFill>
+                                        <a:srgbClr val="C00000"/>
+                                      </a:solidFill>
+                                      <a:latin typeface="Cambria Math" panose="02040503050406030204" pitchFamily="18" charset="0"/>
+                                    </a:rPr>
+                                    <m:t>𝑥</m:t>
+                                  </m:r>
+                                </m:e>
+                                <m:sub>
+                                  <m:r>
+                                    <a:rPr lang="en-US" sz="3200" i="1">
+                                      <a:solidFill>
+                                        <a:srgbClr val="C00000"/>
+                                      </a:solidFill>
+                                      <a:latin typeface="Cambria Math" panose="02040503050406030204" pitchFamily="18" charset="0"/>
+                                    </a:rPr>
+                                    <m:t>𝑖</m:t>
+                                  </m:r>
+                                </m:sub>
+                              </m:sSub>
+                              <m:r>
+                                <a:rPr lang="en-US" sz="3200" i="1">
+                                  <a:solidFill>
+                                    <a:srgbClr val="C00000"/>
+                                  </a:solidFill>
+                                  <a:latin typeface="Cambria Math" panose="02040503050406030204" pitchFamily="18" charset="0"/>
+                                </a:rPr>
+                                <m:t>−</m:t>
+                              </m:r>
+                              <m:sSub>
+                                <m:sSubPr>
+                                  <m:ctrlPr>
+                                    <a:rPr lang="en-US" sz="3200" i="1">
+                                      <a:solidFill>
+                                        <a:srgbClr val="C00000"/>
+                                      </a:solidFill>
+                                      <a:latin typeface="Cambria Math" panose="02040503050406030204" pitchFamily="18" charset="0"/>
+                                    </a:rPr>
+                                  </m:ctrlPr>
+                                </m:sSubPr>
+                                <m:e>
+                                  <m:r>
+                                    <a:rPr lang="en-US" sz="3200" i="1">
+                                      <a:solidFill>
+                                        <a:srgbClr val="C00000"/>
+                                      </a:solidFill>
+                                      <a:latin typeface="Cambria Math" panose="02040503050406030204" pitchFamily="18" charset="0"/>
+                                    </a:rPr>
+                                    <m:t>𝑥</m:t>
+                                  </m:r>
+                                </m:e>
+                                <m:sub>
+                                  <m:r>
+                                    <a:rPr lang="en-US" sz="3200" i="1">
+                                      <a:solidFill>
+                                        <a:srgbClr val="C00000"/>
+                                      </a:solidFill>
+                                      <a:latin typeface="Cambria Math" panose="02040503050406030204" pitchFamily="18" charset="0"/>
+                                    </a:rPr>
+                                    <m:t>𝑗</m:t>
+                                  </m:r>
+                                </m:sub>
+                              </m:sSub>
+                            </m:e>
+                          </m:d>
+                        </m:e>
+                        <m:sub>
+                          <m:r>
+                            <a:rPr lang="en-US" sz="3200" i="1">
+                              <a:solidFill>
+                                <a:srgbClr val="C00000"/>
+                              </a:solidFill>
+                              <a:latin typeface="Cambria Math" panose="02040503050406030204" pitchFamily="18" charset="0"/>
+                            </a:rPr>
+                            <m:t>2</m:t>
+                          </m:r>
+                        </m:sub>
+                      </m:sSub>
+                    </m:oMath>
+                  </m:oMathPara>
+                </a14:m>
+                <a:endParaRPr lang="en-US" sz="3200" dirty="0"/>
+              </a:p>
+            </p:txBody>
+          </p:sp>
+        </mc:Choice>
+        <mc:Fallback xmlns="">
+          <p:sp>
+            <p:nvSpPr>
+              <p:cNvPr id="4" name="TextBox 3">
+                <a:extLst>
+                  <a:ext uri="{FF2B5EF4-FFF2-40B4-BE49-F238E27FC236}">
+                    <a16:creationId xmlns:a16="http://schemas.microsoft.com/office/drawing/2014/main" id="{F66CE3BE-C7E4-BA69-43B7-4BD4B0C46195}"/>
+                  </a:ext>
+                </a:extLst>
+              </p:cNvPr>
+              <p:cNvSpPr txBox="1">
+                <a:spLocks noRot="1" noChangeAspect="1" noMove="1" noResize="1" noEditPoints="1" noAdjustHandles="1" noChangeArrowheads="1" noChangeShapeType="1" noTextEdit="1"/>
+              </p:cNvSpPr>
+              <p:nvPr/>
+            </p:nvSpPr>
+            <p:spPr>
+              <a:xfrm>
+                <a:off x="1568262" y="3550162"/>
+                <a:ext cx="9319931" cy="723724"/>
+              </a:xfrm>
+              <a:prstGeom prst="rect">
+                <a:avLst/>
+              </a:prstGeom>
+              <a:blipFill>
+                <a:blip r:embed="rId3"/>
+                <a:stretch>
+                  <a:fillRect/>
+                </a:stretch>
+              </a:blipFill>
+            </p:spPr>
+            <p:txBody>
+              <a:bodyPr/>
+              <a:lstStyle/>
+              <a:p>
+                <a:r>
+                  <a:rPr lang="en-US">
+                    <a:noFill/>
+                  </a:rPr>
+                  <a:t> </a:t>
+                </a:r>
+              </a:p>
+            </p:txBody>
+          </p:sp>
+        </mc:Fallback>
+      </mc:AlternateContent>
+    </p:spTree>
+    <p:extLst>
+      <p:ext uri="{BB962C8B-B14F-4D97-AF65-F5344CB8AC3E}">
+        <p14:creationId xmlns:p14="http://schemas.microsoft.com/office/powerpoint/2010/main" val="2193469214"/>
       </p:ext>
     </p:extLst>
   </p:cSld>
@@ -33605,8 +37291,8 @@
           </a:p>
         </p:txBody>
       </p:sp>
-      <mc:AlternateContent xmlns:mc="http://schemas.openxmlformats.org/markup-compatibility/2006">
-        <mc:Choice xmlns:a14="http://schemas.microsoft.com/office/drawing/2010/main" Requires="a14">
+      <mc:AlternateContent xmlns:mc="http://schemas.openxmlformats.org/markup-compatibility/2006" xmlns:a14="http://schemas.microsoft.com/office/drawing/2010/main">
+        <mc:Choice Requires="a14">
           <p:sp>
             <p:nvSpPr>
               <p:cNvPr id="3" name="Content Placeholder 2">
@@ -33741,7 +37427,7 @@
             </p:txBody>
           </p:sp>
         </mc:Choice>
-        <mc:Fallback>
+        <mc:Fallback xmlns="">
           <p:sp>
             <p:nvSpPr>
               <p:cNvPr id="3" name="Content Placeholder 2">

--- a/CSCE689-23/L6.pptx
+++ b/CSCE689-23/L6.pptx
@@ -277,7 +277,7 @@
           <a:p>
             <a:fld id="{51870B24-80A9-4B98-B016-FFCBC3C10F22}" type="datetimeFigureOut">
               <a:rPr lang="en-US" smtClean="0"/>
-              <a:t>9/1/2023</a:t>
+              <a:t>10/23/2023</a:t>
             </a:fld>
             <a:endParaRPr lang="en-US"/>
           </a:p>
@@ -475,7 +475,7 @@
           <a:p>
             <a:fld id="{51870B24-80A9-4B98-B016-FFCBC3C10F22}" type="datetimeFigureOut">
               <a:rPr lang="en-US" smtClean="0"/>
-              <a:t>9/1/2023</a:t>
+              <a:t>10/23/2023</a:t>
             </a:fld>
             <a:endParaRPr lang="en-US"/>
           </a:p>
@@ -683,7 +683,7 @@
           <a:p>
             <a:fld id="{51870B24-80A9-4B98-B016-FFCBC3C10F22}" type="datetimeFigureOut">
               <a:rPr lang="en-US" smtClean="0"/>
-              <a:t>9/1/2023</a:t>
+              <a:t>10/23/2023</a:t>
             </a:fld>
             <a:endParaRPr lang="en-US"/>
           </a:p>
@@ -881,7 +881,7 @@
           <a:p>
             <a:fld id="{51870B24-80A9-4B98-B016-FFCBC3C10F22}" type="datetimeFigureOut">
               <a:rPr lang="en-US" smtClean="0"/>
-              <a:t>9/1/2023</a:t>
+              <a:t>10/23/2023</a:t>
             </a:fld>
             <a:endParaRPr lang="en-US"/>
           </a:p>
@@ -1156,7 +1156,7 @@
           <a:p>
             <a:fld id="{51870B24-80A9-4B98-B016-FFCBC3C10F22}" type="datetimeFigureOut">
               <a:rPr lang="en-US" smtClean="0"/>
-              <a:t>9/1/2023</a:t>
+              <a:t>10/23/2023</a:t>
             </a:fld>
             <a:endParaRPr lang="en-US"/>
           </a:p>
@@ -1421,7 +1421,7 @@
           <a:p>
             <a:fld id="{51870B24-80A9-4B98-B016-FFCBC3C10F22}" type="datetimeFigureOut">
               <a:rPr lang="en-US" smtClean="0"/>
-              <a:t>9/1/2023</a:t>
+              <a:t>10/23/2023</a:t>
             </a:fld>
             <a:endParaRPr lang="en-US"/>
           </a:p>
@@ -1833,7 +1833,7 @@
           <a:p>
             <a:fld id="{51870B24-80A9-4B98-B016-FFCBC3C10F22}" type="datetimeFigureOut">
               <a:rPr lang="en-US" smtClean="0"/>
-              <a:t>9/1/2023</a:t>
+              <a:t>10/23/2023</a:t>
             </a:fld>
             <a:endParaRPr lang="en-US"/>
           </a:p>
@@ -1974,7 +1974,7 @@
           <a:p>
             <a:fld id="{51870B24-80A9-4B98-B016-FFCBC3C10F22}" type="datetimeFigureOut">
               <a:rPr lang="en-US" smtClean="0"/>
-              <a:t>9/1/2023</a:t>
+              <a:t>10/23/2023</a:t>
             </a:fld>
             <a:endParaRPr lang="en-US"/>
           </a:p>
@@ -2087,7 +2087,7 @@
           <a:p>
             <a:fld id="{51870B24-80A9-4B98-B016-FFCBC3C10F22}" type="datetimeFigureOut">
               <a:rPr lang="en-US" smtClean="0"/>
-              <a:t>9/1/2023</a:t>
+              <a:t>10/23/2023</a:t>
             </a:fld>
             <a:endParaRPr lang="en-US"/>
           </a:p>
@@ -2398,7 +2398,7 @@
           <a:p>
             <a:fld id="{51870B24-80A9-4B98-B016-FFCBC3C10F22}" type="datetimeFigureOut">
               <a:rPr lang="en-US" smtClean="0"/>
-              <a:t>9/1/2023</a:t>
+              <a:t>10/23/2023</a:t>
             </a:fld>
             <a:endParaRPr lang="en-US"/>
           </a:p>
@@ -2686,7 +2686,7 @@
           <a:p>
             <a:fld id="{51870B24-80A9-4B98-B016-FFCBC3C10F22}" type="datetimeFigureOut">
               <a:rPr lang="en-US" smtClean="0"/>
-              <a:t>9/1/2023</a:t>
+              <a:t>10/23/2023</a:t>
             </a:fld>
             <a:endParaRPr lang="en-US"/>
           </a:p>
@@ -2927,7 +2927,7 @@
           <a:p>
             <a:fld id="{51870B24-80A9-4B98-B016-FFCBC3C10F22}" type="datetimeFigureOut">
               <a:rPr lang="en-US" smtClean="0"/>
-              <a:t>9/1/2023</a:t>
+              <a:t>10/23/2023</a:t>
             </a:fld>
             <a:endParaRPr lang="en-US"/>
           </a:p>
@@ -12733,8 +12733,8 @@
           </a:p>
         </p:txBody>
       </p:sp>
-      <mc:AlternateContent xmlns:mc="http://schemas.openxmlformats.org/markup-compatibility/2006" xmlns:a14="http://schemas.microsoft.com/office/drawing/2010/main">
-        <mc:Choice Requires="a14">
+      <mc:AlternateContent xmlns:mc="http://schemas.openxmlformats.org/markup-compatibility/2006">
+        <mc:Choice xmlns:a14="http://schemas.microsoft.com/office/drawing/2010/main" Requires="a14">
           <p:sp>
             <p:nvSpPr>
               <p:cNvPr id="3" name="Content Placeholder 2">
@@ -12769,12 +12769,20 @@
                   </a:buClr>
                 </a:pPr>
                 <a:r>
+                  <a:rPr lang="en-US">
+                    <a:solidFill>
+                      <a:srgbClr val="00B050"/>
+                    </a:solidFill>
+                  </a:rPr>
+                  <a:t>Bernstein’s </a:t>
+                </a:r>
+                <a:r>
                   <a:rPr lang="en-US" dirty="0">
                     <a:solidFill>
                       <a:srgbClr val="00B050"/>
                     </a:solidFill>
                   </a:rPr>
-                  <a:t>Berstein’s inequality</a:t>
+                  <a:t>inequality</a:t>
                 </a:r>
                 <a:r>
                   <a:rPr lang="en-US" dirty="0"/>
@@ -13241,7 +13249,7 @@
             </p:txBody>
           </p:sp>
         </mc:Choice>
-        <mc:Fallback xmlns="">
+        <mc:Fallback>
           <p:sp>
             <p:nvSpPr>
               <p:cNvPr id="3" name="Content Placeholder 2">
